--- a/presentation2/プロジェクトプレゼンテーション_002.pptx
+++ b/presentation2/プロジェクトプレゼンテーション_002.pptx
@@ -2368,6 +2368,753 @@
 </file>
 
 <file path=ppt/diagrams/colors4.xml><?xml version="1.0" encoding="utf-8"?>
+<dgm:colorsDef xmlns:dgm="http://schemas.openxmlformats.org/drawingml/2006/diagram" xmlns:a="http://schemas.openxmlformats.org/drawingml/2006/main" uniqueId="urn:microsoft.com/office/officeart/2005/8/colors/accent3_2">
+  <dgm:title val=""/>
+  <dgm:desc val=""/>
+  <dgm:catLst>
+    <dgm:cat type="accent3" pri="11200"/>
+  </dgm:catLst>
+  <dgm:styleLbl name="node0">
+    <dgm:fillClrLst meth="repeat">
+      <a:schemeClr val="accent3"/>
+    </dgm:fillClrLst>
+    <dgm:linClrLst meth="repeat">
+      <a:schemeClr val="lt1"/>
+    </dgm:linClrLst>
+    <dgm:effectClrLst/>
+    <dgm:txLinClrLst/>
+    <dgm:txFillClrLst/>
+    <dgm:txEffectClrLst/>
+  </dgm:styleLbl>
+  <dgm:styleLbl name="node1">
+    <dgm:fillClrLst meth="repeat">
+      <a:schemeClr val="accent3"/>
+    </dgm:fillClrLst>
+    <dgm:linClrLst meth="repeat">
+      <a:schemeClr val="lt1"/>
+    </dgm:linClrLst>
+    <dgm:effectClrLst/>
+    <dgm:txLinClrLst/>
+    <dgm:txFillClrLst/>
+    <dgm:txEffectClrLst/>
+  </dgm:styleLbl>
+  <dgm:styleLbl name="alignNode1">
+    <dgm:fillClrLst meth="repeat">
+      <a:schemeClr val="accent3"/>
+    </dgm:fillClrLst>
+    <dgm:linClrLst meth="repeat">
+      <a:schemeClr val="accent3"/>
+    </dgm:linClrLst>
+    <dgm:effectClrLst/>
+    <dgm:txLinClrLst/>
+    <dgm:txFillClrLst/>
+    <dgm:txEffectClrLst/>
+  </dgm:styleLbl>
+  <dgm:styleLbl name="lnNode1">
+    <dgm:fillClrLst meth="repeat">
+      <a:schemeClr val="accent3"/>
+    </dgm:fillClrLst>
+    <dgm:linClrLst meth="repeat">
+      <a:schemeClr val="lt1"/>
+    </dgm:linClrLst>
+    <dgm:effectClrLst/>
+    <dgm:txLinClrLst/>
+    <dgm:txFillClrLst/>
+    <dgm:txEffectClrLst/>
+  </dgm:styleLbl>
+  <dgm:styleLbl name="vennNode1">
+    <dgm:fillClrLst meth="repeat">
+      <a:schemeClr val="accent3">
+        <a:alpha val="50000"/>
+      </a:schemeClr>
+    </dgm:fillClrLst>
+    <dgm:linClrLst meth="repeat">
+      <a:schemeClr val="lt1"/>
+    </dgm:linClrLst>
+    <dgm:effectClrLst/>
+    <dgm:txLinClrLst/>
+    <dgm:txFillClrLst/>
+    <dgm:txEffectClrLst/>
+  </dgm:styleLbl>
+  <dgm:styleLbl name="node2">
+    <dgm:fillClrLst meth="repeat">
+      <a:schemeClr val="accent3"/>
+    </dgm:fillClrLst>
+    <dgm:linClrLst meth="repeat">
+      <a:schemeClr val="lt1"/>
+    </dgm:linClrLst>
+    <dgm:effectClrLst/>
+    <dgm:txLinClrLst/>
+    <dgm:txFillClrLst/>
+    <dgm:txEffectClrLst/>
+  </dgm:styleLbl>
+  <dgm:styleLbl name="node3">
+    <dgm:fillClrLst meth="repeat">
+      <a:schemeClr val="accent3"/>
+    </dgm:fillClrLst>
+    <dgm:linClrLst meth="repeat">
+      <a:schemeClr val="lt1"/>
+    </dgm:linClrLst>
+    <dgm:effectClrLst/>
+    <dgm:txLinClrLst/>
+    <dgm:txFillClrLst/>
+    <dgm:txEffectClrLst/>
+  </dgm:styleLbl>
+  <dgm:styleLbl name="node4">
+    <dgm:fillClrLst meth="repeat">
+      <a:schemeClr val="accent3"/>
+    </dgm:fillClrLst>
+    <dgm:linClrLst meth="repeat">
+      <a:schemeClr val="lt1"/>
+    </dgm:linClrLst>
+    <dgm:effectClrLst/>
+    <dgm:txLinClrLst/>
+    <dgm:txFillClrLst/>
+    <dgm:txEffectClrLst/>
+  </dgm:styleLbl>
+  <dgm:styleLbl name="fgImgPlace1">
+    <dgm:fillClrLst meth="repeat">
+      <a:schemeClr val="accent3">
+        <a:tint val="50000"/>
+      </a:schemeClr>
+    </dgm:fillClrLst>
+    <dgm:linClrLst meth="repeat">
+      <a:schemeClr val="lt1"/>
+    </dgm:linClrLst>
+    <dgm:effectClrLst/>
+    <dgm:txLinClrLst/>
+    <dgm:txFillClrLst meth="repeat">
+      <a:schemeClr val="lt1"/>
+    </dgm:txFillClrLst>
+    <dgm:txEffectClrLst/>
+  </dgm:styleLbl>
+  <dgm:styleLbl name="alignImgPlace1">
+    <dgm:fillClrLst meth="repeat">
+      <a:schemeClr val="accent3">
+        <a:tint val="50000"/>
+      </a:schemeClr>
+    </dgm:fillClrLst>
+    <dgm:linClrLst meth="repeat">
+      <a:schemeClr val="lt1"/>
+    </dgm:linClrLst>
+    <dgm:effectClrLst/>
+    <dgm:txLinClrLst/>
+    <dgm:txFillClrLst meth="repeat">
+      <a:schemeClr val="lt1"/>
+    </dgm:txFillClrLst>
+    <dgm:txEffectClrLst/>
+  </dgm:styleLbl>
+  <dgm:styleLbl name="bgImgPlace1">
+    <dgm:fillClrLst meth="repeat">
+      <a:schemeClr val="accent3">
+        <a:tint val="50000"/>
+      </a:schemeClr>
+    </dgm:fillClrLst>
+    <dgm:linClrLst meth="repeat">
+      <a:schemeClr val="lt1"/>
+    </dgm:linClrLst>
+    <dgm:effectClrLst/>
+    <dgm:txLinClrLst/>
+    <dgm:txFillClrLst meth="repeat">
+      <a:schemeClr val="lt1"/>
+    </dgm:txFillClrLst>
+    <dgm:txEffectClrLst/>
+  </dgm:styleLbl>
+  <dgm:styleLbl name="sibTrans2D1">
+    <dgm:fillClrLst meth="repeat">
+      <a:schemeClr val="accent3">
+        <a:tint val="60000"/>
+      </a:schemeClr>
+    </dgm:fillClrLst>
+    <dgm:linClrLst meth="repeat">
+      <a:schemeClr val="accent3">
+        <a:tint val="60000"/>
+      </a:schemeClr>
+    </dgm:linClrLst>
+    <dgm:effectClrLst/>
+    <dgm:txLinClrLst/>
+    <dgm:txFillClrLst/>
+    <dgm:txEffectClrLst/>
+  </dgm:styleLbl>
+  <dgm:styleLbl name="fgSibTrans2D1">
+    <dgm:fillClrLst meth="repeat">
+      <a:schemeClr val="accent3">
+        <a:tint val="60000"/>
+      </a:schemeClr>
+    </dgm:fillClrLst>
+    <dgm:linClrLst meth="repeat">
+      <a:schemeClr val="accent3">
+        <a:tint val="60000"/>
+      </a:schemeClr>
+    </dgm:linClrLst>
+    <dgm:effectClrLst/>
+    <dgm:txLinClrLst/>
+    <dgm:txFillClrLst/>
+    <dgm:txEffectClrLst/>
+  </dgm:styleLbl>
+  <dgm:styleLbl name="bgSibTrans2D1">
+    <dgm:fillClrLst meth="repeat">
+      <a:schemeClr val="accent3">
+        <a:tint val="60000"/>
+      </a:schemeClr>
+    </dgm:fillClrLst>
+    <dgm:linClrLst meth="repeat">
+      <a:schemeClr val="accent3">
+        <a:tint val="60000"/>
+      </a:schemeClr>
+    </dgm:linClrLst>
+    <dgm:effectClrLst/>
+    <dgm:txLinClrLst/>
+    <dgm:txFillClrLst/>
+    <dgm:txEffectClrLst/>
+  </dgm:styleLbl>
+  <dgm:styleLbl name="sibTrans1D1">
+    <dgm:fillClrLst meth="repeat">
+      <a:schemeClr val="accent3"/>
+    </dgm:fillClrLst>
+    <dgm:linClrLst meth="repeat">
+      <a:schemeClr val="accent3"/>
+    </dgm:linClrLst>
+    <dgm:effectClrLst/>
+    <dgm:txLinClrLst/>
+    <dgm:txFillClrLst meth="repeat">
+      <a:schemeClr val="tx1"/>
+    </dgm:txFillClrLst>
+    <dgm:txEffectClrLst/>
+  </dgm:styleLbl>
+  <dgm:styleLbl name="callout">
+    <dgm:fillClrLst meth="repeat">
+      <a:schemeClr val="accent3"/>
+    </dgm:fillClrLst>
+    <dgm:linClrLst meth="repeat">
+      <a:schemeClr val="accent3">
+        <a:tint val="50000"/>
+      </a:schemeClr>
+    </dgm:linClrLst>
+    <dgm:effectClrLst/>
+    <dgm:txLinClrLst/>
+    <dgm:txFillClrLst meth="repeat">
+      <a:schemeClr val="tx1"/>
+    </dgm:txFillClrLst>
+    <dgm:txEffectClrLst/>
+  </dgm:styleLbl>
+  <dgm:styleLbl name="asst0">
+    <dgm:fillClrLst meth="repeat">
+      <a:schemeClr val="accent3"/>
+    </dgm:fillClrLst>
+    <dgm:linClrLst meth="repeat">
+      <a:schemeClr val="lt1"/>
+    </dgm:linClrLst>
+    <dgm:effectClrLst/>
+    <dgm:txLinClrLst/>
+    <dgm:txFillClrLst/>
+    <dgm:txEffectClrLst/>
+  </dgm:styleLbl>
+  <dgm:styleLbl name="asst1">
+    <dgm:fillClrLst meth="repeat">
+      <a:schemeClr val="accent3"/>
+    </dgm:fillClrLst>
+    <dgm:linClrLst meth="repeat">
+      <a:schemeClr val="lt1"/>
+    </dgm:linClrLst>
+    <dgm:effectClrLst/>
+    <dgm:txLinClrLst/>
+    <dgm:txFillClrLst/>
+    <dgm:txEffectClrLst/>
+  </dgm:styleLbl>
+  <dgm:styleLbl name="asst2">
+    <dgm:fillClrLst meth="repeat">
+      <a:schemeClr val="accent3"/>
+    </dgm:fillClrLst>
+    <dgm:linClrLst meth="repeat">
+      <a:schemeClr val="lt1"/>
+    </dgm:linClrLst>
+    <dgm:effectClrLst/>
+    <dgm:txLinClrLst/>
+    <dgm:txFillClrLst/>
+    <dgm:txEffectClrLst/>
+  </dgm:styleLbl>
+  <dgm:styleLbl name="asst3">
+    <dgm:fillClrLst meth="repeat">
+      <a:schemeClr val="accent3"/>
+    </dgm:fillClrLst>
+    <dgm:linClrLst meth="repeat">
+      <a:schemeClr val="lt1"/>
+    </dgm:linClrLst>
+    <dgm:effectClrLst/>
+    <dgm:txLinClrLst/>
+    <dgm:txFillClrLst/>
+    <dgm:txEffectClrLst/>
+  </dgm:styleLbl>
+  <dgm:styleLbl name="asst4">
+    <dgm:fillClrLst meth="repeat">
+      <a:schemeClr val="accent3"/>
+    </dgm:fillClrLst>
+    <dgm:linClrLst meth="repeat">
+      <a:schemeClr val="lt1"/>
+    </dgm:linClrLst>
+    <dgm:effectClrLst/>
+    <dgm:txLinClrLst/>
+    <dgm:txFillClrLst/>
+    <dgm:txEffectClrLst/>
+  </dgm:styleLbl>
+  <dgm:styleLbl name="parChTrans2D1">
+    <dgm:fillClrLst meth="repeat">
+      <a:schemeClr val="accent3">
+        <a:tint val="60000"/>
+      </a:schemeClr>
+    </dgm:fillClrLst>
+    <dgm:linClrLst meth="repeat">
+      <a:schemeClr val="accent3">
+        <a:tint val="60000"/>
+      </a:schemeClr>
+    </dgm:linClrLst>
+    <dgm:effectClrLst/>
+    <dgm:txLinClrLst/>
+    <dgm:txFillClrLst meth="repeat">
+      <a:schemeClr val="lt1"/>
+    </dgm:txFillClrLst>
+    <dgm:txEffectClrLst/>
+  </dgm:styleLbl>
+  <dgm:styleLbl name="parChTrans2D2">
+    <dgm:fillClrLst meth="repeat">
+      <a:schemeClr val="accent3"/>
+    </dgm:fillClrLst>
+    <dgm:linClrLst meth="repeat">
+      <a:schemeClr val="accent3"/>
+    </dgm:linClrLst>
+    <dgm:effectClrLst/>
+    <dgm:txLinClrLst/>
+    <dgm:txFillClrLst meth="repeat">
+      <a:schemeClr val="lt1"/>
+    </dgm:txFillClrLst>
+    <dgm:txEffectClrLst/>
+  </dgm:styleLbl>
+  <dgm:styleLbl name="parChTrans2D3">
+    <dgm:fillClrLst meth="repeat">
+      <a:schemeClr val="accent3"/>
+    </dgm:fillClrLst>
+    <dgm:linClrLst meth="repeat">
+      <a:schemeClr val="accent3"/>
+    </dgm:linClrLst>
+    <dgm:effectClrLst/>
+    <dgm:txLinClrLst/>
+    <dgm:txFillClrLst meth="repeat">
+      <a:schemeClr val="lt1"/>
+    </dgm:txFillClrLst>
+    <dgm:txEffectClrLst/>
+  </dgm:styleLbl>
+  <dgm:styleLbl name="parChTrans2D4">
+    <dgm:fillClrLst meth="repeat">
+      <a:schemeClr val="accent3"/>
+    </dgm:fillClrLst>
+    <dgm:linClrLst meth="repeat">
+      <a:schemeClr val="accent3"/>
+    </dgm:linClrLst>
+    <dgm:effectClrLst/>
+    <dgm:txLinClrLst/>
+    <dgm:txFillClrLst meth="repeat">
+      <a:schemeClr val="lt1"/>
+    </dgm:txFillClrLst>
+    <dgm:txEffectClrLst/>
+  </dgm:styleLbl>
+  <dgm:styleLbl name="parChTrans1D1">
+    <dgm:fillClrLst meth="repeat">
+      <a:schemeClr val="accent3"/>
+    </dgm:fillClrLst>
+    <dgm:linClrLst meth="repeat">
+      <a:schemeClr val="accent3">
+        <a:shade val="60000"/>
+      </a:schemeClr>
+    </dgm:linClrLst>
+    <dgm:effectClrLst/>
+    <dgm:txLinClrLst/>
+    <dgm:txFillClrLst meth="repeat">
+      <a:schemeClr val="tx1"/>
+    </dgm:txFillClrLst>
+    <dgm:txEffectClrLst/>
+  </dgm:styleLbl>
+  <dgm:styleLbl name="parChTrans1D2">
+    <dgm:fillClrLst meth="repeat">
+      <a:schemeClr val="accent3"/>
+    </dgm:fillClrLst>
+    <dgm:linClrLst meth="repeat">
+      <a:schemeClr val="accent3">
+        <a:shade val="60000"/>
+      </a:schemeClr>
+    </dgm:linClrLst>
+    <dgm:effectClrLst/>
+    <dgm:txLinClrLst/>
+    <dgm:txFillClrLst meth="repeat">
+      <a:schemeClr val="tx1"/>
+    </dgm:txFillClrLst>
+    <dgm:txEffectClrLst/>
+  </dgm:styleLbl>
+  <dgm:styleLbl name="parChTrans1D3">
+    <dgm:fillClrLst meth="repeat">
+      <a:schemeClr val="accent3"/>
+    </dgm:fillClrLst>
+    <dgm:linClrLst meth="repeat">
+      <a:schemeClr val="accent3">
+        <a:shade val="80000"/>
+      </a:schemeClr>
+    </dgm:linClrLst>
+    <dgm:effectClrLst/>
+    <dgm:txLinClrLst/>
+    <dgm:txFillClrLst meth="repeat">
+      <a:schemeClr val="tx1"/>
+    </dgm:txFillClrLst>
+    <dgm:txEffectClrLst/>
+  </dgm:styleLbl>
+  <dgm:styleLbl name="parChTrans1D4">
+    <dgm:fillClrLst meth="repeat">
+      <a:schemeClr val="accent3"/>
+    </dgm:fillClrLst>
+    <dgm:linClrLst meth="repeat">
+      <a:schemeClr val="accent3">
+        <a:shade val="80000"/>
+      </a:schemeClr>
+    </dgm:linClrLst>
+    <dgm:effectClrLst/>
+    <dgm:txLinClrLst/>
+    <dgm:txFillClrLst meth="repeat">
+      <a:schemeClr val="tx1"/>
+    </dgm:txFillClrLst>
+    <dgm:txEffectClrLst/>
+  </dgm:styleLbl>
+  <dgm:styleLbl name="fgAcc1">
+    <dgm:fillClrLst meth="repeat">
+      <a:schemeClr val="lt1">
+        <a:alpha val="90000"/>
+      </a:schemeClr>
+    </dgm:fillClrLst>
+    <dgm:linClrLst meth="repeat">
+      <a:schemeClr val="accent3"/>
+    </dgm:linClrLst>
+    <dgm:effectClrLst/>
+    <dgm:txLinClrLst/>
+    <dgm:txFillClrLst meth="repeat">
+      <a:schemeClr val="dk1"/>
+    </dgm:txFillClrLst>
+    <dgm:txEffectClrLst/>
+  </dgm:styleLbl>
+  <dgm:styleLbl name="conFgAcc1">
+    <dgm:fillClrLst meth="repeat">
+      <a:schemeClr val="lt1">
+        <a:alpha val="90000"/>
+      </a:schemeClr>
+    </dgm:fillClrLst>
+    <dgm:linClrLst meth="repeat">
+      <a:schemeClr val="accent3"/>
+    </dgm:linClrLst>
+    <dgm:effectClrLst/>
+    <dgm:txLinClrLst/>
+    <dgm:txFillClrLst meth="repeat">
+      <a:schemeClr val="dk1"/>
+    </dgm:txFillClrLst>
+    <dgm:txEffectClrLst/>
+  </dgm:styleLbl>
+  <dgm:styleLbl name="alignAcc1">
+    <dgm:fillClrLst meth="repeat">
+      <a:schemeClr val="lt1">
+        <a:alpha val="90000"/>
+      </a:schemeClr>
+    </dgm:fillClrLst>
+    <dgm:linClrLst meth="repeat">
+      <a:schemeClr val="accent3"/>
+    </dgm:linClrLst>
+    <dgm:effectClrLst/>
+    <dgm:txLinClrLst/>
+    <dgm:txFillClrLst meth="repeat">
+      <a:schemeClr val="dk1"/>
+    </dgm:txFillClrLst>
+    <dgm:txEffectClrLst/>
+  </dgm:styleLbl>
+  <dgm:styleLbl name="trAlignAcc1">
+    <dgm:fillClrLst meth="repeat">
+      <a:schemeClr val="lt1">
+        <a:alpha val="40000"/>
+      </a:schemeClr>
+    </dgm:fillClrLst>
+    <dgm:linClrLst meth="repeat">
+      <a:schemeClr val="accent3"/>
+    </dgm:linClrLst>
+    <dgm:effectClrLst/>
+    <dgm:txLinClrLst/>
+    <dgm:txFillClrLst meth="repeat">
+      <a:schemeClr val="dk1"/>
+    </dgm:txFillClrLst>
+    <dgm:txEffectClrLst/>
+  </dgm:styleLbl>
+  <dgm:styleLbl name="bgAcc1">
+    <dgm:fillClrLst meth="repeat">
+      <a:schemeClr val="lt1">
+        <a:alpha val="90000"/>
+      </a:schemeClr>
+    </dgm:fillClrLst>
+    <dgm:linClrLst meth="repeat">
+      <a:schemeClr val="accent3"/>
+    </dgm:linClrLst>
+    <dgm:effectClrLst/>
+    <dgm:txLinClrLst/>
+    <dgm:txFillClrLst meth="repeat">
+      <a:schemeClr val="dk1"/>
+    </dgm:txFillClrLst>
+    <dgm:txEffectClrLst/>
+  </dgm:styleLbl>
+  <dgm:styleLbl name="solidFgAcc1">
+    <dgm:fillClrLst meth="repeat">
+      <a:schemeClr val="lt1"/>
+    </dgm:fillClrLst>
+    <dgm:linClrLst meth="repeat">
+      <a:schemeClr val="accent3"/>
+    </dgm:linClrLst>
+    <dgm:effectClrLst/>
+    <dgm:txLinClrLst/>
+    <dgm:txFillClrLst meth="repeat">
+      <a:schemeClr val="dk1"/>
+    </dgm:txFillClrLst>
+    <dgm:txEffectClrLst/>
+  </dgm:styleLbl>
+  <dgm:styleLbl name="solidAlignAcc1">
+    <dgm:fillClrLst meth="repeat">
+      <a:schemeClr val="lt1"/>
+    </dgm:fillClrLst>
+    <dgm:linClrLst meth="repeat">
+      <a:schemeClr val="accent3"/>
+    </dgm:linClrLst>
+    <dgm:effectClrLst/>
+    <dgm:txLinClrLst/>
+    <dgm:txFillClrLst meth="repeat">
+      <a:schemeClr val="dk1"/>
+    </dgm:txFillClrLst>
+    <dgm:txEffectClrLst/>
+  </dgm:styleLbl>
+  <dgm:styleLbl name="solidBgAcc1">
+    <dgm:fillClrLst meth="repeat">
+      <a:schemeClr val="lt1"/>
+    </dgm:fillClrLst>
+    <dgm:linClrLst meth="repeat">
+      <a:schemeClr val="accent3"/>
+    </dgm:linClrLst>
+    <dgm:effectClrLst/>
+    <dgm:txLinClrLst/>
+    <dgm:txFillClrLst meth="repeat">
+      <a:schemeClr val="dk1"/>
+    </dgm:txFillClrLst>
+    <dgm:txEffectClrLst/>
+  </dgm:styleLbl>
+  <dgm:styleLbl name="fgAccFollowNode1">
+    <dgm:fillClrLst meth="repeat">
+      <a:schemeClr val="accent3">
+        <a:alpha val="90000"/>
+        <a:tint val="40000"/>
+      </a:schemeClr>
+    </dgm:fillClrLst>
+    <dgm:linClrLst meth="repeat">
+      <a:schemeClr val="accent3">
+        <a:alpha val="90000"/>
+        <a:tint val="40000"/>
+      </a:schemeClr>
+    </dgm:linClrLst>
+    <dgm:effectClrLst/>
+    <dgm:txLinClrLst/>
+    <dgm:txFillClrLst meth="repeat">
+      <a:schemeClr val="dk1"/>
+    </dgm:txFillClrLst>
+    <dgm:txEffectClrLst/>
+  </dgm:styleLbl>
+  <dgm:styleLbl name="alignAccFollowNode1">
+    <dgm:fillClrLst meth="repeat">
+      <a:schemeClr val="accent3">
+        <a:alpha val="90000"/>
+        <a:tint val="40000"/>
+      </a:schemeClr>
+    </dgm:fillClrLst>
+    <dgm:linClrLst meth="repeat">
+      <a:schemeClr val="accent3">
+        <a:alpha val="90000"/>
+        <a:tint val="40000"/>
+      </a:schemeClr>
+    </dgm:linClrLst>
+    <dgm:effectClrLst/>
+    <dgm:txLinClrLst/>
+    <dgm:txFillClrLst meth="repeat">
+      <a:schemeClr val="dk1"/>
+    </dgm:txFillClrLst>
+    <dgm:txEffectClrLst/>
+  </dgm:styleLbl>
+  <dgm:styleLbl name="bgAccFollowNode1">
+    <dgm:fillClrLst meth="repeat">
+      <a:schemeClr val="accent3">
+        <a:alpha val="90000"/>
+        <a:tint val="40000"/>
+      </a:schemeClr>
+    </dgm:fillClrLst>
+    <dgm:linClrLst meth="repeat">
+      <a:schemeClr val="accent3">
+        <a:alpha val="90000"/>
+        <a:tint val="40000"/>
+      </a:schemeClr>
+    </dgm:linClrLst>
+    <dgm:effectClrLst/>
+    <dgm:txLinClrLst/>
+    <dgm:txFillClrLst meth="repeat">
+      <a:schemeClr val="dk1"/>
+    </dgm:txFillClrLst>
+    <dgm:txEffectClrLst/>
+  </dgm:styleLbl>
+  <dgm:styleLbl name="fgAcc0">
+    <dgm:fillClrLst meth="repeat">
+      <a:schemeClr val="lt1">
+        <a:alpha val="90000"/>
+      </a:schemeClr>
+    </dgm:fillClrLst>
+    <dgm:linClrLst meth="repeat">
+      <a:schemeClr val="accent3"/>
+    </dgm:linClrLst>
+    <dgm:effectClrLst/>
+    <dgm:txLinClrLst/>
+    <dgm:txFillClrLst meth="repeat">
+      <a:schemeClr val="dk1"/>
+    </dgm:txFillClrLst>
+    <dgm:txEffectClrLst/>
+  </dgm:styleLbl>
+  <dgm:styleLbl name="fgAcc2">
+    <dgm:fillClrLst meth="repeat">
+      <a:schemeClr val="lt1">
+        <a:alpha val="90000"/>
+      </a:schemeClr>
+    </dgm:fillClrLst>
+    <dgm:linClrLst meth="repeat">
+      <a:schemeClr val="accent3"/>
+    </dgm:linClrLst>
+    <dgm:effectClrLst/>
+    <dgm:txLinClrLst/>
+    <dgm:txFillClrLst meth="repeat">
+      <a:schemeClr val="dk1"/>
+    </dgm:txFillClrLst>
+    <dgm:txEffectClrLst/>
+  </dgm:styleLbl>
+  <dgm:styleLbl name="fgAcc3">
+    <dgm:fillClrLst meth="repeat">
+      <a:schemeClr val="lt1">
+        <a:alpha val="90000"/>
+      </a:schemeClr>
+    </dgm:fillClrLst>
+    <dgm:linClrLst meth="repeat">
+      <a:schemeClr val="accent3"/>
+    </dgm:linClrLst>
+    <dgm:effectClrLst/>
+    <dgm:txLinClrLst/>
+    <dgm:txFillClrLst meth="repeat">
+      <a:schemeClr val="dk1"/>
+    </dgm:txFillClrLst>
+    <dgm:txEffectClrLst/>
+  </dgm:styleLbl>
+  <dgm:styleLbl name="fgAcc4">
+    <dgm:fillClrLst meth="repeat">
+      <a:schemeClr val="lt1">
+        <a:alpha val="90000"/>
+      </a:schemeClr>
+    </dgm:fillClrLst>
+    <dgm:linClrLst meth="repeat">
+      <a:schemeClr val="accent3"/>
+    </dgm:linClrLst>
+    <dgm:effectClrLst/>
+    <dgm:txLinClrLst/>
+    <dgm:txFillClrLst meth="repeat">
+      <a:schemeClr val="dk1"/>
+    </dgm:txFillClrLst>
+    <dgm:txEffectClrLst/>
+  </dgm:styleLbl>
+  <dgm:styleLbl name="bgShp">
+    <dgm:fillClrLst meth="repeat">
+      <a:schemeClr val="accent3">
+        <a:tint val="40000"/>
+      </a:schemeClr>
+    </dgm:fillClrLst>
+    <dgm:linClrLst meth="repeat">
+      <a:schemeClr val="accent3"/>
+    </dgm:linClrLst>
+    <dgm:effectClrLst/>
+    <dgm:txLinClrLst/>
+    <dgm:txFillClrLst meth="repeat">
+      <a:schemeClr val="dk1"/>
+    </dgm:txFillClrLst>
+    <dgm:txEffectClrLst/>
+  </dgm:styleLbl>
+  <dgm:styleLbl name="dkBgShp">
+    <dgm:fillClrLst meth="repeat">
+      <a:schemeClr val="accent3">
+        <a:shade val="80000"/>
+      </a:schemeClr>
+    </dgm:fillClrLst>
+    <dgm:linClrLst meth="repeat">
+      <a:schemeClr val="accent3"/>
+    </dgm:linClrLst>
+    <dgm:effectClrLst/>
+    <dgm:txLinClrLst/>
+    <dgm:txFillClrLst meth="repeat">
+      <a:schemeClr val="lt1"/>
+    </dgm:txFillClrLst>
+    <dgm:txEffectClrLst/>
+  </dgm:styleLbl>
+  <dgm:styleLbl name="trBgShp">
+    <dgm:fillClrLst meth="repeat">
+      <a:schemeClr val="accent3">
+        <a:tint val="50000"/>
+        <a:alpha val="40000"/>
+      </a:schemeClr>
+    </dgm:fillClrLst>
+    <dgm:linClrLst meth="repeat">
+      <a:schemeClr val="accent3"/>
+    </dgm:linClrLst>
+    <dgm:effectClrLst/>
+    <dgm:txLinClrLst/>
+    <dgm:txFillClrLst meth="repeat">
+      <a:schemeClr val="lt1"/>
+    </dgm:txFillClrLst>
+    <dgm:txEffectClrLst/>
+  </dgm:styleLbl>
+  <dgm:styleLbl name="fgShp">
+    <dgm:fillClrLst meth="repeat">
+      <a:schemeClr val="accent3">
+        <a:tint val="60000"/>
+      </a:schemeClr>
+    </dgm:fillClrLst>
+    <dgm:linClrLst meth="repeat">
+      <a:schemeClr val="lt1"/>
+    </dgm:linClrLst>
+    <dgm:effectClrLst/>
+    <dgm:txLinClrLst/>
+    <dgm:txFillClrLst meth="repeat">
+      <a:schemeClr val="dk1"/>
+    </dgm:txFillClrLst>
+    <dgm:txEffectClrLst/>
+  </dgm:styleLbl>
+  <dgm:styleLbl name="revTx">
+    <dgm:fillClrLst meth="repeat">
+      <a:schemeClr val="lt1">
+        <a:alpha val="0"/>
+      </a:schemeClr>
+    </dgm:fillClrLst>
+    <dgm:linClrLst meth="repeat">
+      <a:schemeClr val="dk1">
+        <a:alpha val="0"/>
+      </a:schemeClr>
+    </dgm:linClrLst>
+    <dgm:effectClrLst/>
+    <dgm:txLinClrLst/>
+    <dgm:txFillClrLst meth="repeat">
+      <a:schemeClr val="tx1"/>
+    </dgm:txFillClrLst>
+    <dgm:txEffectClrLst/>
+  </dgm:styleLbl>
+</dgm:colorsDef>
+</file>
+
+<file path=ppt/diagrams/colors5.xml><?xml version="1.0" encoding="utf-8"?>
 <dgm:colorsDef xmlns:dgm="http://schemas.openxmlformats.org/drawingml/2006/diagram" xmlns:a="http://schemas.openxmlformats.org/drawingml/2006/main" uniqueId="urn:microsoft.com/office/officeart/2005/8/colors/accent1_2">
   <dgm:title val=""/>
   <dgm:desc val=""/>
@@ -3114,7 +3861,7 @@
 </dgm:colorsDef>
 </file>
 
-<file path=ppt/diagrams/colors5.xml><?xml version="1.0" encoding="utf-8"?>
+<file path=ppt/diagrams/colors6.xml><?xml version="1.0" encoding="utf-8"?>
 <dgm:colorsDef xmlns:dgm="http://schemas.openxmlformats.org/drawingml/2006/diagram" xmlns:a="http://schemas.openxmlformats.org/drawingml/2006/main" uniqueId="urn:microsoft.com/office/officeart/2005/8/colors/accent3_2">
   <dgm:title val=""/>
   <dgm:desc val=""/>
@@ -3861,7 +4608,7 @@
 </dgm:colorsDef>
 </file>
 
-<file path=ppt/diagrams/colors6.xml><?xml version="1.0" encoding="utf-8"?>
+<file path=ppt/diagrams/colors7.xml><?xml version="1.0" encoding="utf-8"?>
 <dgm:colorsDef xmlns:dgm="http://schemas.openxmlformats.org/drawingml/2006/diagram" xmlns:a="http://schemas.openxmlformats.org/drawingml/2006/main" uniqueId="urn:microsoft.com/office/officeart/2005/8/colors/accent1_2">
   <dgm:title val=""/>
   <dgm:desc val=""/>
@@ -4608,1501 +5355,7 @@
 </dgm:colorsDef>
 </file>
 
-<file path=ppt/diagrams/colors7.xml><?xml version="1.0" encoding="utf-8"?>
-<dgm:colorsDef xmlns:dgm="http://schemas.openxmlformats.org/drawingml/2006/diagram" xmlns:a="http://schemas.openxmlformats.org/drawingml/2006/main" uniqueId="urn:microsoft.com/office/officeart/2005/8/colors/accent3_2">
-  <dgm:title val=""/>
-  <dgm:desc val=""/>
-  <dgm:catLst>
-    <dgm:cat type="accent3" pri="11200"/>
-  </dgm:catLst>
-  <dgm:styleLbl name="node0">
-    <dgm:fillClrLst meth="repeat">
-      <a:schemeClr val="accent3"/>
-    </dgm:fillClrLst>
-    <dgm:linClrLst meth="repeat">
-      <a:schemeClr val="lt1"/>
-    </dgm:linClrLst>
-    <dgm:effectClrLst/>
-    <dgm:txLinClrLst/>
-    <dgm:txFillClrLst/>
-    <dgm:txEffectClrLst/>
-  </dgm:styleLbl>
-  <dgm:styleLbl name="node1">
-    <dgm:fillClrLst meth="repeat">
-      <a:schemeClr val="accent3"/>
-    </dgm:fillClrLst>
-    <dgm:linClrLst meth="repeat">
-      <a:schemeClr val="lt1"/>
-    </dgm:linClrLst>
-    <dgm:effectClrLst/>
-    <dgm:txLinClrLst/>
-    <dgm:txFillClrLst/>
-    <dgm:txEffectClrLst/>
-  </dgm:styleLbl>
-  <dgm:styleLbl name="alignNode1">
-    <dgm:fillClrLst meth="repeat">
-      <a:schemeClr val="accent3"/>
-    </dgm:fillClrLst>
-    <dgm:linClrLst meth="repeat">
-      <a:schemeClr val="accent3"/>
-    </dgm:linClrLst>
-    <dgm:effectClrLst/>
-    <dgm:txLinClrLst/>
-    <dgm:txFillClrLst/>
-    <dgm:txEffectClrLst/>
-  </dgm:styleLbl>
-  <dgm:styleLbl name="lnNode1">
-    <dgm:fillClrLst meth="repeat">
-      <a:schemeClr val="accent3"/>
-    </dgm:fillClrLst>
-    <dgm:linClrLst meth="repeat">
-      <a:schemeClr val="lt1"/>
-    </dgm:linClrLst>
-    <dgm:effectClrLst/>
-    <dgm:txLinClrLst/>
-    <dgm:txFillClrLst/>
-    <dgm:txEffectClrLst/>
-  </dgm:styleLbl>
-  <dgm:styleLbl name="vennNode1">
-    <dgm:fillClrLst meth="repeat">
-      <a:schemeClr val="accent3">
-        <a:alpha val="50000"/>
-      </a:schemeClr>
-    </dgm:fillClrLst>
-    <dgm:linClrLst meth="repeat">
-      <a:schemeClr val="lt1"/>
-    </dgm:linClrLst>
-    <dgm:effectClrLst/>
-    <dgm:txLinClrLst/>
-    <dgm:txFillClrLst/>
-    <dgm:txEffectClrLst/>
-  </dgm:styleLbl>
-  <dgm:styleLbl name="node2">
-    <dgm:fillClrLst meth="repeat">
-      <a:schemeClr val="accent3"/>
-    </dgm:fillClrLst>
-    <dgm:linClrLst meth="repeat">
-      <a:schemeClr val="lt1"/>
-    </dgm:linClrLst>
-    <dgm:effectClrLst/>
-    <dgm:txLinClrLst/>
-    <dgm:txFillClrLst/>
-    <dgm:txEffectClrLst/>
-  </dgm:styleLbl>
-  <dgm:styleLbl name="node3">
-    <dgm:fillClrLst meth="repeat">
-      <a:schemeClr val="accent3"/>
-    </dgm:fillClrLst>
-    <dgm:linClrLst meth="repeat">
-      <a:schemeClr val="lt1"/>
-    </dgm:linClrLst>
-    <dgm:effectClrLst/>
-    <dgm:txLinClrLst/>
-    <dgm:txFillClrLst/>
-    <dgm:txEffectClrLst/>
-  </dgm:styleLbl>
-  <dgm:styleLbl name="node4">
-    <dgm:fillClrLst meth="repeat">
-      <a:schemeClr val="accent3"/>
-    </dgm:fillClrLst>
-    <dgm:linClrLst meth="repeat">
-      <a:schemeClr val="lt1"/>
-    </dgm:linClrLst>
-    <dgm:effectClrLst/>
-    <dgm:txLinClrLst/>
-    <dgm:txFillClrLst/>
-    <dgm:txEffectClrLst/>
-  </dgm:styleLbl>
-  <dgm:styleLbl name="fgImgPlace1">
-    <dgm:fillClrLst meth="repeat">
-      <a:schemeClr val="accent3">
-        <a:tint val="50000"/>
-      </a:schemeClr>
-    </dgm:fillClrLst>
-    <dgm:linClrLst meth="repeat">
-      <a:schemeClr val="lt1"/>
-    </dgm:linClrLst>
-    <dgm:effectClrLst/>
-    <dgm:txLinClrLst/>
-    <dgm:txFillClrLst meth="repeat">
-      <a:schemeClr val="lt1"/>
-    </dgm:txFillClrLst>
-    <dgm:txEffectClrLst/>
-  </dgm:styleLbl>
-  <dgm:styleLbl name="alignImgPlace1">
-    <dgm:fillClrLst meth="repeat">
-      <a:schemeClr val="accent3">
-        <a:tint val="50000"/>
-      </a:schemeClr>
-    </dgm:fillClrLst>
-    <dgm:linClrLst meth="repeat">
-      <a:schemeClr val="lt1"/>
-    </dgm:linClrLst>
-    <dgm:effectClrLst/>
-    <dgm:txLinClrLst/>
-    <dgm:txFillClrLst meth="repeat">
-      <a:schemeClr val="lt1"/>
-    </dgm:txFillClrLst>
-    <dgm:txEffectClrLst/>
-  </dgm:styleLbl>
-  <dgm:styleLbl name="bgImgPlace1">
-    <dgm:fillClrLst meth="repeat">
-      <a:schemeClr val="accent3">
-        <a:tint val="50000"/>
-      </a:schemeClr>
-    </dgm:fillClrLst>
-    <dgm:linClrLst meth="repeat">
-      <a:schemeClr val="lt1"/>
-    </dgm:linClrLst>
-    <dgm:effectClrLst/>
-    <dgm:txLinClrLst/>
-    <dgm:txFillClrLst meth="repeat">
-      <a:schemeClr val="lt1"/>
-    </dgm:txFillClrLst>
-    <dgm:txEffectClrLst/>
-  </dgm:styleLbl>
-  <dgm:styleLbl name="sibTrans2D1">
-    <dgm:fillClrLst meth="repeat">
-      <a:schemeClr val="accent3">
-        <a:tint val="60000"/>
-      </a:schemeClr>
-    </dgm:fillClrLst>
-    <dgm:linClrLst meth="repeat">
-      <a:schemeClr val="accent3">
-        <a:tint val="60000"/>
-      </a:schemeClr>
-    </dgm:linClrLst>
-    <dgm:effectClrLst/>
-    <dgm:txLinClrLst/>
-    <dgm:txFillClrLst/>
-    <dgm:txEffectClrLst/>
-  </dgm:styleLbl>
-  <dgm:styleLbl name="fgSibTrans2D1">
-    <dgm:fillClrLst meth="repeat">
-      <a:schemeClr val="accent3">
-        <a:tint val="60000"/>
-      </a:schemeClr>
-    </dgm:fillClrLst>
-    <dgm:linClrLst meth="repeat">
-      <a:schemeClr val="accent3">
-        <a:tint val="60000"/>
-      </a:schemeClr>
-    </dgm:linClrLst>
-    <dgm:effectClrLst/>
-    <dgm:txLinClrLst/>
-    <dgm:txFillClrLst/>
-    <dgm:txEffectClrLst/>
-  </dgm:styleLbl>
-  <dgm:styleLbl name="bgSibTrans2D1">
-    <dgm:fillClrLst meth="repeat">
-      <a:schemeClr val="accent3">
-        <a:tint val="60000"/>
-      </a:schemeClr>
-    </dgm:fillClrLst>
-    <dgm:linClrLst meth="repeat">
-      <a:schemeClr val="accent3">
-        <a:tint val="60000"/>
-      </a:schemeClr>
-    </dgm:linClrLst>
-    <dgm:effectClrLst/>
-    <dgm:txLinClrLst/>
-    <dgm:txFillClrLst/>
-    <dgm:txEffectClrLst/>
-  </dgm:styleLbl>
-  <dgm:styleLbl name="sibTrans1D1">
-    <dgm:fillClrLst meth="repeat">
-      <a:schemeClr val="accent3"/>
-    </dgm:fillClrLst>
-    <dgm:linClrLst meth="repeat">
-      <a:schemeClr val="accent3"/>
-    </dgm:linClrLst>
-    <dgm:effectClrLst/>
-    <dgm:txLinClrLst/>
-    <dgm:txFillClrLst meth="repeat">
-      <a:schemeClr val="tx1"/>
-    </dgm:txFillClrLst>
-    <dgm:txEffectClrLst/>
-  </dgm:styleLbl>
-  <dgm:styleLbl name="callout">
-    <dgm:fillClrLst meth="repeat">
-      <a:schemeClr val="accent3"/>
-    </dgm:fillClrLst>
-    <dgm:linClrLst meth="repeat">
-      <a:schemeClr val="accent3">
-        <a:tint val="50000"/>
-      </a:schemeClr>
-    </dgm:linClrLst>
-    <dgm:effectClrLst/>
-    <dgm:txLinClrLst/>
-    <dgm:txFillClrLst meth="repeat">
-      <a:schemeClr val="tx1"/>
-    </dgm:txFillClrLst>
-    <dgm:txEffectClrLst/>
-  </dgm:styleLbl>
-  <dgm:styleLbl name="asst0">
-    <dgm:fillClrLst meth="repeat">
-      <a:schemeClr val="accent3"/>
-    </dgm:fillClrLst>
-    <dgm:linClrLst meth="repeat">
-      <a:schemeClr val="lt1"/>
-    </dgm:linClrLst>
-    <dgm:effectClrLst/>
-    <dgm:txLinClrLst/>
-    <dgm:txFillClrLst/>
-    <dgm:txEffectClrLst/>
-  </dgm:styleLbl>
-  <dgm:styleLbl name="asst1">
-    <dgm:fillClrLst meth="repeat">
-      <a:schemeClr val="accent3"/>
-    </dgm:fillClrLst>
-    <dgm:linClrLst meth="repeat">
-      <a:schemeClr val="lt1"/>
-    </dgm:linClrLst>
-    <dgm:effectClrLst/>
-    <dgm:txLinClrLst/>
-    <dgm:txFillClrLst/>
-    <dgm:txEffectClrLst/>
-  </dgm:styleLbl>
-  <dgm:styleLbl name="asst2">
-    <dgm:fillClrLst meth="repeat">
-      <a:schemeClr val="accent3"/>
-    </dgm:fillClrLst>
-    <dgm:linClrLst meth="repeat">
-      <a:schemeClr val="lt1"/>
-    </dgm:linClrLst>
-    <dgm:effectClrLst/>
-    <dgm:txLinClrLst/>
-    <dgm:txFillClrLst/>
-    <dgm:txEffectClrLst/>
-  </dgm:styleLbl>
-  <dgm:styleLbl name="asst3">
-    <dgm:fillClrLst meth="repeat">
-      <a:schemeClr val="accent3"/>
-    </dgm:fillClrLst>
-    <dgm:linClrLst meth="repeat">
-      <a:schemeClr val="lt1"/>
-    </dgm:linClrLst>
-    <dgm:effectClrLst/>
-    <dgm:txLinClrLst/>
-    <dgm:txFillClrLst/>
-    <dgm:txEffectClrLst/>
-  </dgm:styleLbl>
-  <dgm:styleLbl name="asst4">
-    <dgm:fillClrLst meth="repeat">
-      <a:schemeClr val="accent3"/>
-    </dgm:fillClrLst>
-    <dgm:linClrLst meth="repeat">
-      <a:schemeClr val="lt1"/>
-    </dgm:linClrLst>
-    <dgm:effectClrLst/>
-    <dgm:txLinClrLst/>
-    <dgm:txFillClrLst/>
-    <dgm:txEffectClrLst/>
-  </dgm:styleLbl>
-  <dgm:styleLbl name="parChTrans2D1">
-    <dgm:fillClrLst meth="repeat">
-      <a:schemeClr val="accent3">
-        <a:tint val="60000"/>
-      </a:schemeClr>
-    </dgm:fillClrLst>
-    <dgm:linClrLst meth="repeat">
-      <a:schemeClr val="accent3">
-        <a:tint val="60000"/>
-      </a:schemeClr>
-    </dgm:linClrLst>
-    <dgm:effectClrLst/>
-    <dgm:txLinClrLst/>
-    <dgm:txFillClrLst meth="repeat">
-      <a:schemeClr val="lt1"/>
-    </dgm:txFillClrLst>
-    <dgm:txEffectClrLst/>
-  </dgm:styleLbl>
-  <dgm:styleLbl name="parChTrans2D2">
-    <dgm:fillClrLst meth="repeat">
-      <a:schemeClr val="accent3"/>
-    </dgm:fillClrLst>
-    <dgm:linClrLst meth="repeat">
-      <a:schemeClr val="accent3"/>
-    </dgm:linClrLst>
-    <dgm:effectClrLst/>
-    <dgm:txLinClrLst/>
-    <dgm:txFillClrLst meth="repeat">
-      <a:schemeClr val="lt1"/>
-    </dgm:txFillClrLst>
-    <dgm:txEffectClrLst/>
-  </dgm:styleLbl>
-  <dgm:styleLbl name="parChTrans2D3">
-    <dgm:fillClrLst meth="repeat">
-      <a:schemeClr val="accent3"/>
-    </dgm:fillClrLst>
-    <dgm:linClrLst meth="repeat">
-      <a:schemeClr val="accent3"/>
-    </dgm:linClrLst>
-    <dgm:effectClrLst/>
-    <dgm:txLinClrLst/>
-    <dgm:txFillClrLst meth="repeat">
-      <a:schemeClr val="lt1"/>
-    </dgm:txFillClrLst>
-    <dgm:txEffectClrLst/>
-  </dgm:styleLbl>
-  <dgm:styleLbl name="parChTrans2D4">
-    <dgm:fillClrLst meth="repeat">
-      <a:schemeClr val="accent3"/>
-    </dgm:fillClrLst>
-    <dgm:linClrLst meth="repeat">
-      <a:schemeClr val="accent3"/>
-    </dgm:linClrLst>
-    <dgm:effectClrLst/>
-    <dgm:txLinClrLst/>
-    <dgm:txFillClrLst meth="repeat">
-      <a:schemeClr val="lt1"/>
-    </dgm:txFillClrLst>
-    <dgm:txEffectClrLst/>
-  </dgm:styleLbl>
-  <dgm:styleLbl name="parChTrans1D1">
-    <dgm:fillClrLst meth="repeat">
-      <a:schemeClr val="accent3"/>
-    </dgm:fillClrLst>
-    <dgm:linClrLst meth="repeat">
-      <a:schemeClr val="accent3">
-        <a:shade val="60000"/>
-      </a:schemeClr>
-    </dgm:linClrLst>
-    <dgm:effectClrLst/>
-    <dgm:txLinClrLst/>
-    <dgm:txFillClrLst meth="repeat">
-      <a:schemeClr val="tx1"/>
-    </dgm:txFillClrLst>
-    <dgm:txEffectClrLst/>
-  </dgm:styleLbl>
-  <dgm:styleLbl name="parChTrans1D2">
-    <dgm:fillClrLst meth="repeat">
-      <a:schemeClr val="accent3"/>
-    </dgm:fillClrLst>
-    <dgm:linClrLst meth="repeat">
-      <a:schemeClr val="accent3">
-        <a:shade val="60000"/>
-      </a:schemeClr>
-    </dgm:linClrLst>
-    <dgm:effectClrLst/>
-    <dgm:txLinClrLst/>
-    <dgm:txFillClrLst meth="repeat">
-      <a:schemeClr val="tx1"/>
-    </dgm:txFillClrLst>
-    <dgm:txEffectClrLst/>
-  </dgm:styleLbl>
-  <dgm:styleLbl name="parChTrans1D3">
-    <dgm:fillClrLst meth="repeat">
-      <a:schemeClr val="accent3"/>
-    </dgm:fillClrLst>
-    <dgm:linClrLst meth="repeat">
-      <a:schemeClr val="accent3">
-        <a:shade val="80000"/>
-      </a:schemeClr>
-    </dgm:linClrLst>
-    <dgm:effectClrLst/>
-    <dgm:txLinClrLst/>
-    <dgm:txFillClrLst meth="repeat">
-      <a:schemeClr val="tx1"/>
-    </dgm:txFillClrLst>
-    <dgm:txEffectClrLst/>
-  </dgm:styleLbl>
-  <dgm:styleLbl name="parChTrans1D4">
-    <dgm:fillClrLst meth="repeat">
-      <a:schemeClr val="accent3"/>
-    </dgm:fillClrLst>
-    <dgm:linClrLst meth="repeat">
-      <a:schemeClr val="accent3">
-        <a:shade val="80000"/>
-      </a:schemeClr>
-    </dgm:linClrLst>
-    <dgm:effectClrLst/>
-    <dgm:txLinClrLst/>
-    <dgm:txFillClrLst meth="repeat">
-      <a:schemeClr val="tx1"/>
-    </dgm:txFillClrLst>
-    <dgm:txEffectClrLst/>
-  </dgm:styleLbl>
-  <dgm:styleLbl name="fgAcc1">
-    <dgm:fillClrLst meth="repeat">
-      <a:schemeClr val="lt1">
-        <a:alpha val="90000"/>
-      </a:schemeClr>
-    </dgm:fillClrLst>
-    <dgm:linClrLst meth="repeat">
-      <a:schemeClr val="accent3"/>
-    </dgm:linClrLst>
-    <dgm:effectClrLst/>
-    <dgm:txLinClrLst/>
-    <dgm:txFillClrLst meth="repeat">
-      <a:schemeClr val="dk1"/>
-    </dgm:txFillClrLst>
-    <dgm:txEffectClrLst/>
-  </dgm:styleLbl>
-  <dgm:styleLbl name="conFgAcc1">
-    <dgm:fillClrLst meth="repeat">
-      <a:schemeClr val="lt1">
-        <a:alpha val="90000"/>
-      </a:schemeClr>
-    </dgm:fillClrLst>
-    <dgm:linClrLst meth="repeat">
-      <a:schemeClr val="accent3"/>
-    </dgm:linClrLst>
-    <dgm:effectClrLst/>
-    <dgm:txLinClrLst/>
-    <dgm:txFillClrLst meth="repeat">
-      <a:schemeClr val="dk1"/>
-    </dgm:txFillClrLst>
-    <dgm:txEffectClrLst/>
-  </dgm:styleLbl>
-  <dgm:styleLbl name="alignAcc1">
-    <dgm:fillClrLst meth="repeat">
-      <a:schemeClr val="lt1">
-        <a:alpha val="90000"/>
-      </a:schemeClr>
-    </dgm:fillClrLst>
-    <dgm:linClrLst meth="repeat">
-      <a:schemeClr val="accent3"/>
-    </dgm:linClrLst>
-    <dgm:effectClrLst/>
-    <dgm:txLinClrLst/>
-    <dgm:txFillClrLst meth="repeat">
-      <a:schemeClr val="dk1"/>
-    </dgm:txFillClrLst>
-    <dgm:txEffectClrLst/>
-  </dgm:styleLbl>
-  <dgm:styleLbl name="trAlignAcc1">
-    <dgm:fillClrLst meth="repeat">
-      <a:schemeClr val="lt1">
-        <a:alpha val="40000"/>
-      </a:schemeClr>
-    </dgm:fillClrLst>
-    <dgm:linClrLst meth="repeat">
-      <a:schemeClr val="accent3"/>
-    </dgm:linClrLst>
-    <dgm:effectClrLst/>
-    <dgm:txLinClrLst/>
-    <dgm:txFillClrLst meth="repeat">
-      <a:schemeClr val="dk1"/>
-    </dgm:txFillClrLst>
-    <dgm:txEffectClrLst/>
-  </dgm:styleLbl>
-  <dgm:styleLbl name="bgAcc1">
-    <dgm:fillClrLst meth="repeat">
-      <a:schemeClr val="lt1">
-        <a:alpha val="90000"/>
-      </a:schemeClr>
-    </dgm:fillClrLst>
-    <dgm:linClrLst meth="repeat">
-      <a:schemeClr val="accent3"/>
-    </dgm:linClrLst>
-    <dgm:effectClrLst/>
-    <dgm:txLinClrLst/>
-    <dgm:txFillClrLst meth="repeat">
-      <a:schemeClr val="dk1"/>
-    </dgm:txFillClrLst>
-    <dgm:txEffectClrLst/>
-  </dgm:styleLbl>
-  <dgm:styleLbl name="solidFgAcc1">
-    <dgm:fillClrLst meth="repeat">
-      <a:schemeClr val="lt1"/>
-    </dgm:fillClrLst>
-    <dgm:linClrLst meth="repeat">
-      <a:schemeClr val="accent3"/>
-    </dgm:linClrLst>
-    <dgm:effectClrLst/>
-    <dgm:txLinClrLst/>
-    <dgm:txFillClrLst meth="repeat">
-      <a:schemeClr val="dk1"/>
-    </dgm:txFillClrLst>
-    <dgm:txEffectClrLst/>
-  </dgm:styleLbl>
-  <dgm:styleLbl name="solidAlignAcc1">
-    <dgm:fillClrLst meth="repeat">
-      <a:schemeClr val="lt1"/>
-    </dgm:fillClrLst>
-    <dgm:linClrLst meth="repeat">
-      <a:schemeClr val="accent3"/>
-    </dgm:linClrLst>
-    <dgm:effectClrLst/>
-    <dgm:txLinClrLst/>
-    <dgm:txFillClrLst meth="repeat">
-      <a:schemeClr val="dk1"/>
-    </dgm:txFillClrLst>
-    <dgm:txEffectClrLst/>
-  </dgm:styleLbl>
-  <dgm:styleLbl name="solidBgAcc1">
-    <dgm:fillClrLst meth="repeat">
-      <a:schemeClr val="lt1"/>
-    </dgm:fillClrLst>
-    <dgm:linClrLst meth="repeat">
-      <a:schemeClr val="accent3"/>
-    </dgm:linClrLst>
-    <dgm:effectClrLst/>
-    <dgm:txLinClrLst/>
-    <dgm:txFillClrLst meth="repeat">
-      <a:schemeClr val="dk1"/>
-    </dgm:txFillClrLst>
-    <dgm:txEffectClrLst/>
-  </dgm:styleLbl>
-  <dgm:styleLbl name="fgAccFollowNode1">
-    <dgm:fillClrLst meth="repeat">
-      <a:schemeClr val="accent3">
-        <a:alpha val="90000"/>
-        <a:tint val="40000"/>
-      </a:schemeClr>
-    </dgm:fillClrLst>
-    <dgm:linClrLst meth="repeat">
-      <a:schemeClr val="accent3">
-        <a:alpha val="90000"/>
-        <a:tint val="40000"/>
-      </a:schemeClr>
-    </dgm:linClrLst>
-    <dgm:effectClrLst/>
-    <dgm:txLinClrLst/>
-    <dgm:txFillClrLst meth="repeat">
-      <a:schemeClr val="dk1"/>
-    </dgm:txFillClrLst>
-    <dgm:txEffectClrLst/>
-  </dgm:styleLbl>
-  <dgm:styleLbl name="alignAccFollowNode1">
-    <dgm:fillClrLst meth="repeat">
-      <a:schemeClr val="accent3">
-        <a:alpha val="90000"/>
-        <a:tint val="40000"/>
-      </a:schemeClr>
-    </dgm:fillClrLst>
-    <dgm:linClrLst meth="repeat">
-      <a:schemeClr val="accent3">
-        <a:alpha val="90000"/>
-        <a:tint val="40000"/>
-      </a:schemeClr>
-    </dgm:linClrLst>
-    <dgm:effectClrLst/>
-    <dgm:txLinClrLst/>
-    <dgm:txFillClrLst meth="repeat">
-      <a:schemeClr val="dk1"/>
-    </dgm:txFillClrLst>
-    <dgm:txEffectClrLst/>
-  </dgm:styleLbl>
-  <dgm:styleLbl name="bgAccFollowNode1">
-    <dgm:fillClrLst meth="repeat">
-      <a:schemeClr val="accent3">
-        <a:alpha val="90000"/>
-        <a:tint val="40000"/>
-      </a:schemeClr>
-    </dgm:fillClrLst>
-    <dgm:linClrLst meth="repeat">
-      <a:schemeClr val="accent3">
-        <a:alpha val="90000"/>
-        <a:tint val="40000"/>
-      </a:schemeClr>
-    </dgm:linClrLst>
-    <dgm:effectClrLst/>
-    <dgm:txLinClrLst/>
-    <dgm:txFillClrLst meth="repeat">
-      <a:schemeClr val="dk1"/>
-    </dgm:txFillClrLst>
-    <dgm:txEffectClrLst/>
-  </dgm:styleLbl>
-  <dgm:styleLbl name="fgAcc0">
-    <dgm:fillClrLst meth="repeat">
-      <a:schemeClr val="lt1">
-        <a:alpha val="90000"/>
-      </a:schemeClr>
-    </dgm:fillClrLst>
-    <dgm:linClrLst meth="repeat">
-      <a:schemeClr val="accent3"/>
-    </dgm:linClrLst>
-    <dgm:effectClrLst/>
-    <dgm:txLinClrLst/>
-    <dgm:txFillClrLst meth="repeat">
-      <a:schemeClr val="dk1"/>
-    </dgm:txFillClrLst>
-    <dgm:txEffectClrLst/>
-  </dgm:styleLbl>
-  <dgm:styleLbl name="fgAcc2">
-    <dgm:fillClrLst meth="repeat">
-      <a:schemeClr val="lt1">
-        <a:alpha val="90000"/>
-      </a:schemeClr>
-    </dgm:fillClrLst>
-    <dgm:linClrLst meth="repeat">
-      <a:schemeClr val="accent3"/>
-    </dgm:linClrLst>
-    <dgm:effectClrLst/>
-    <dgm:txLinClrLst/>
-    <dgm:txFillClrLst meth="repeat">
-      <a:schemeClr val="dk1"/>
-    </dgm:txFillClrLst>
-    <dgm:txEffectClrLst/>
-  </dgm:styleLbl>
-  <dgm:styleLbl name="fgAcc3">
-    <dgm:fillClrLst meth="repeat">
-      <a:schemeClr val="lt1">
-        <a:alpha val="90000"/>
-      </a:schemeClr>
-    </dgm:fillClrLst>
-    <dgm:linClrLst meth="repeat">
-      <a:schemeClr val="accent3"/>
-    </dgm:linClrLst>
-    <dgm:effectClrLst/>
-    <dgm:txLinClrLst/>
-    <dgm:txFillClrLst meth="repeat">
-      <a:schemeClr val="dk1"/>
-    </dgm:txFillClrLst>
-    <dgm:txEffectClrLst/>
-  </dgm:styleLbl>
-  <dgm:styleLbl name="fgAcc4">
-    <dgm:fillClrLst meth="repeat">
-      <a:schemeClr val="lt1">
-        <a:alpha val="90000"/>
-      </a:schemeClr>
-    </dgm:fillClrLst>
-    <dgm:linClrLst meth="repeat">
-      <a:schemeClr val="accent3"/>
-    </dgm:linClrLst>
-    <dgm:effectClrLst/>
-    <dgm:txLinClrLst/>
-    <dgm:txFillClrLst meth="repeat">
-      <a:schemeClr val="dk1"/>
-    </dgm:txFillClrLst>
-    <dgm:txEffectClrLst/>
-  </dgm:styleLbl>
-  <dgm:styleLbl name="bgShp">
-    <dgm:fillClrLst meth="repeat">
-      <a:schemeClr val="accent3">
-        <a:tint val="40000"/>
-      </a:schemeClr>
-    </dgm:fillClrLst>
-    <dgm:linClrLst meth="repeat">
-      <a:schemeClr val="accent3"/>
-    </dgm:linClrLst>
-    <dgm:effectClrLst/>
-    <dgm:txLinClrLst/>
-    <dgm:txFillClrLst meth="repeat">
-      <a:schemeClr val="dk1"/>
-    </dgm:txFillClrLst>
-    <dgm:txEffectClrLst/>
-  </dgm:styleLbl>
-  <dgm:styleLbl name="dkBgShp">
-    <dgm:fillClrLst meth="repeat">
-      <a:schemeClr val="accent3">
-        <a:shade val="80000"/>
-      </a:schemeClr>
-    </dgm:fillClrLst>
-    <dgm:linClrLst meth="repeat">
-      <a:schemeClr val="accent3"/>
-    </dgm:linClrLst>
-    <dgm:effectClrLst/>
-    <dgm:txLinClrLst/>
-    <dgm:txFillClrLst meth="repeat">
-      <a:schemeClr val="lt1"/>
-    </dgm:txFillClrLst>
-    <dgm:txEffectClrLst/>
-  </dgm:styleLbl>
-  <dgm:styleLbl name="trBgShp">
-    <dgm:fillClrLst meth="repeat">
-      <a:schemeClr val="accent3">
-        <a:tint val="50000"/>
-        <a:alpha val="40000"/>
-      </a:schemeClr>
-    </dgm:fillClrLst>
-    <dgm:linClrLst meth="repeat">
-      <a:schemeClr val="accent3"/>
-    </dgm:linClrLst>
-    <dgm:effectClrLst/>
-    <dgm:txLinClrLst/>
-    <dgm:txFillClrLst meth="repeat">
-      <a:schemeClr val="lt1"/>
-    </dgm:txFillClrLst>
-    <dgm:txEffectClrLst/>
-  </dgm:styleLbl>
-  <dgm:styleLbl name="fgShp">
-    <dgm:fillClrLst meth="repeat">
-      <a:schemeClr val="accent3">
-        <a:tint val="60000"/>
-      </a:schemeClr>
-    </dgm:fillClrLst>
-    <dgm:linClrLst meth="repeat">
-      <a:schemeClr val="lt1"/>
-    </dgm:linClrLst>
-    <dgm:effectClrLst/>
-    <dgm:txLinClrLst/>
-    <dgm:txFillClrLst meth="repeat">
-      <a:schemeClr val="dk1"/>
-    </dgm:txFillClrLst>
-    <dgm:txEffectClrLst/>
-  </dgm:styleLbl>
-  <dgm:styleLbl name="revTx">
-    <dgm:fillClrLst meth="repeat">
-      <a:schemeClr val="lt1">
-        <a:alpha val="0"/>
-      </a:schemeClr>
-    </dgm:fillClrLst>
-    <dgm:linClrLst meth="repeat">
-      <a:schemeClr val="dk1">
-        <a:alpha val="0"/>
-      </a:schemeClr>
-    </dgm:linClrLst>
-    <dgm:effectClrLst/>
-    <dgm:txLinClrLst/>
-    <dgm:txFillClrLst meth="repeat">
-      <a:schemeClr val="tx1"/>
-    </dgm:txFillClrLst>
-    <dgm:txEffectClrLst/>
-  </dgm:styleLbl>
-</dgm:colorsDef>
-</file>
-
 <file path=ppt/diagrams/colors8.xml><?xml version="1.0" encoding="utf-8"?>
-<dgm:colorsDef xmlns:dgm="http://schemas.openxmlformats.org/drawingml/2006/diagram" xmlns:a="http://schemas.openxmlformats.org/drawingml/2006/main" uniqueId="urn:microsoft.com/office/officeart/2005/8/colors/accent1_2">
-  <dgm:title val=""/>
-  <dgm:desc val=""/>
-  <dgm:catLst>
-    <dgm:cat type="accent1" pri="11200"/>
-  </dgm:catLst>
-  <dgm:styleLbl name="node0">
-    <dgm:fillClrLst meth="repeat">
-      <a:schemeClr val="accent1"/>
-    </dgm:fillClrLst>
-    <dgm:linClrLst meth="repeat">
-      <a:schemeClr val="lt1"/>
-    </dgm:linClrLst>
-    <dgm:effectClrLst/>
-    <dgm:txLinClrLst/>
-    <dgm:txFillClrLst/>
-    <dgm:txEffectClrLst/>
-  </dgm:styleLbl>
-  <dgm:styleLbl name="alignNode1">
-    <dgm:fillClrLst meth="repeat">
-      <a:schemeClr val="accent1"/>
-    </dgm:fillClrLst>
-    <dgm:linClrLst meth="repeat">
-      <a:schemeClr val="accent1"/>
-    </dgm:linClrLst>
-    <dgm:effectClrLst/>
-    <dgm:txLinClrLst/>
-    <dgm:txFillClrLst/>
-    <dgm:txEffectClrLst/>
-  </dgm:styleLbl>
-  <dgm:styleLbl name="node1">
-    <dgm:fillClrLst meth="repeat">
-      <a:schemeClr val="accent1"/>
-    </dgm:fillClrLst>
-    <dgm:linClrLst meth="repeat">
-      <a:schemeClr val="lt1"/>
-    </dgm:linClrLst>
-    <dgm:effectClrLst/>
-    <dgm:txLinClrLst/>
-    <dgm:txFillClrLst/>
-    <dgm:txEffectClrLst/>
-  </dgm:styleLbl>
-  <dgm:styleLbl name="lnNode1">
-    <dgm:fillClrLst meth="repeat">
-      <a:schemeClr val="accent1"/>
-    </dgm:fillClrLst>
-    <dgm:linClrLst meth="repeat">
-      <a:schemeClr val="lt1"/>
-    </dgm:linClrLst>
-    <dgm:effectClrLst/>
-    <dgm:txLinClrLst/>
-    <dgm:txFillClrLst/>
-    <dgm:txEffectClrLst/>
-  </dgm:styleLbl>
-  <dgm:styleLbl name="vennNode1">
-    <dgm:fillClrLst meth="repeat">
-      <a:schemeClr val="accent1">
-        <a:alpha val="50000"/>
-      </a:schemeClr>
-    </dgm:fillClrLst>
-    <dgm:linClrLst meth="repeat">
-      <a:schemeClr val="lt1"/>
-    </dgm:linClrLst>
-    <dgm:effectClrLst/>
-    <dgm:txLinClrLst/>
-    <dgm:txFillClrLst/>
-    <dgm:txEffectClrLst/>
-  </dgm:styleLbl>
-  <dgm:styleLbl name="node2">
-    <dgm:fillClrLst meth="repeat">
-      <a:schemeClr val="accent1"/>
-    </dgm:fillClrLst>
-    <dgm:linClrLst meth="repeat">
-      <a:schemeClr val="lt1"/>
-    </dgm:linClrLst>
-    <dgm:effectClrLst/>
-    <dgm:txLinClrLst/>
-    <dgm:txFillClrLst/>
-    <dgm:txEffectClrLst/>
-  </dgm:styleLbl>
-  <dgm:styleLbl name="node3">
-    <dgm:fillClrLst meth="repeat">
-      <a:schemeClr val="accent1"/>
-    </dgm:fillClrLst>
-    <dgm:linClrLst meth="repeat">
-      <a:schemeClr val="lt1"/>
-    </dgm:linClrLst>
-    <dgm:effectClrLst/>
-    <dgm:txLinClrLst/>
-    <dgm:txFillClrLst/>
-    <dgm:txEffectClrLst/>
-  </dgm:styleLbl>
-  <dgm:styleLbl name="node4">
-    <dgm:fillClrLst meth="repeat">
-      <a:schemeClr val="accent1"/>
-    </dgm:fillClrLst>
-    <dgm:linClrLst meth="repeat">
-      <a:schemeClr val="lt1"/>
-    </dgm:linClrLst>
-    <dgm:effectClrLst/>
-    <dgm:txLinClrLst/>
-    <dgm:txFillClrLst/>
-    <dgm:txEffectClrLst/>
-  </dgm:styleLbl>
-  <dgm:styleLbl name="fgImgPlace1">
-    <dgm:fillClrLst meth="repeat">
-      <a:schemeClr val="accent1">
-        <a:tint val="50000"/>
-      </a:schemeClr>
-    </dgm:fillClrLst>
-    <dgm:linClrLst meth="repeat">
-      <a:schemeClr val="lt1"/>
-    </dgm:linClrLst>
-    <dgm:effectClrLst/>
-    <dgm:txLinClrLst/>
-    <dgm:txFillClrLst meth="repeat">
-      <a:schemeClr val="lt1"/>
-    </dgm:txFillClrLst>
-    <dgm:txEffectClrLst/>
-  </dgm:styleLbl>
-  <dgm:styleLbl name="alignImgPlace1">
-    <dgm:fillClrLst meth="repeat">
-      <a:schemeClr val="accent1">
-        <a:tint val="50000"/>
-      </a:schemeClr>
-    </dgm:fillClrLst>
-    <dgm:linClrLst meth="repeat">
-      <a:schemeClr val="lt1"/>
-    </dgm:linClrLst>
-    <dgm:effectClrLst/>
-    <dgm:txLinClrLst/>
-    <dgm:txFillClrLst meth="repeat">
-      <a:schemeClr val="lt1"/>
-    </dgm:txFillClrLst>
-    <dgm:txEffectClrLst/>
-  </dgm:styleLbl>
-  <dgm:styleLbl name="bgImgPlace1">
-    <dgm:fillClrLst meth="repeat">
-      <a:schemeClr val="accent1">
-        <a:tint val="50000"/>
-      </a:schemeClr>
-    </dgm:fillClrLst>
-    <dgm:linClrLst meth="repeat">
-      <a:schemeClr val="lt1"/>
-    </dgm:linClrLst>
-    <dgm:effectClrLst/>
-    <dgm:txLinClrLst/>
-    <dgm:txFillClrLst meth="repeat">
-      <a:schemeClr val="lt1"/>
-    </dgm:txFillClrLst>
-    <dgm:txEffectClrLst/>
-  </dgm:styleLbl>
-  <dgm:styleLbl name="sibTrans2D1">
-    <dgm:fillClrLst meth="repeat">
-      <a:schemeClr val="accent1">
-        <a:tint val="60000"/>
-      </a:schemeClr>
-    </dgm:fillClrLst>
-    <dgm:linClrLst meth="repeat">
-      <a:schemeClr val="accent1">
-        <a:tint val="60000"/>
-      </a:schemeClr>
-    </dgm:linClrLst>
-    <dgm:effectClrLst/>
-    <dgm:txLinClrLst/>
-    <dgm:txFillClrLst/>
-    <dgm:txEffectClrLst/>
-  </dgm:styleLbl>
-  <dgm:styleLbl name="fgSibTrans2D1">
-    <dgm:fillClrLst meth="repeat">
-      <a:schemeClr val="accent1">
-        <a:tint val="60000"/>
-      </a:schemeClr>
-    </dgm:fillClrLst>
-    <dgm:linClrLst meth="repeat">
-      <a:schemeClr val="accent1">
-        <a:tint val="60000"/>
-      </a:schemeClr>
-    </dgm:linClrLst>
-    <dgm:effectClrLst/>
-    <dgm:txLinClrLst/>
-    <dgm:txFillClrLst/>
-    <dgm:txEffectClrLst/>
-  </dgm:styleLbl>
-  <dgm:styleLbl name="bgSibTrans2D1">
-    <dgm:fillClrLst meth="repeat">
-      <a:schemeClr val="accent1">
-        <a:tint val="60000"/>
-      </a:schemeClr>
-    </dgm:fillClrLst>
-    <dgm:linClrLst meth="repeat">
-      <a:schemeClr val="accent1">
-        <a:tint val="60000"/>
-      </a:schemeClr>
-    </dgm:linClrLst>
-    <dgm:effectClrLst/>
-    <dgm:txLinClrLst/>
-    <dgm:txFillClrLst/>
-    <dgm:txEffectClrLst/>
-  </dgm:styleLbl>
-  <dgm:styleLbl name="sibTrans1D1">
-    <dgm:fillClrLst meth="repeat">
-      <a:schemeClr val="accent1"/>
-    </dgm:fillClrLst>
-    <dgm:linClrLst meth="repeat">
-      <a:schemeClr val="accent1"/>
-    </dgm:linClrLst>
-    <dgm:effectClrLst/>
-    <dgm:txLinClrLst/>
-    <dgm:txFillClrLst meth="repeat">
-      <a:schemeClr val="tx1"/>
-    </dgm:txFillClrLst>
-    <dgm:txEffectClrLst/>
-  </dgm:styleLbl>
-  <dgm:styleLbl name="callout">
-    <dgm:fillClrLst meth="repeat">
-      <a:schemeClr val="accent1"/>
-    </dgm:fillClrLst>
-    <dgm:linClrLst meth="repeat">
-      <a:schemeClr val="accent1">
-        <a:tint val="50000"/>
-      </a:schemeClr>
-    </dgm:linClrLst>
-    <dgm:effectClrLst/>
-    <dgm:txLinClrLst/>
-    <dgm:txFillClrLst meth="repeat">
-      <a:schemeClr val="tx1"/>
-    </dgm:txFillClrLst>
-    <dgm:txEffectClrLst/>
-  </dgm:styleLbl>
-  <dgm:styleLbl name="asst0">
-    <dgm:fillClrLst meth="repeat">
-      <a:schemeClr val="accent1"/>
-    </dgm:fillClrLst>
-    <dgm:linClrLst meth="repeat">
-      <a:schemeClr val="lt1"/>
-    </dgm:linClrLst>
-    <dgm:effectClrLst/>
-    <dgm:txLinClrLst/>
-    <dgm:txFillClrLst/>
-    <dgm:txEffectClrLst/>
-  </dgm:styleLbl>
-  <dgm:styleLbl name="asst1">
-    <dgm:fillClrLst meth="repeat">
-      <a:schemeClr val="accent1"/>
-    </dgm:fillClrLst>
-    <dgm:linClrLst meth="repeat">
-      <a:schemeClr val="lt1"/>
-    </dgm:linClrLst>
-    <dgm:effectClrLst/>
-    <dgm:txLinClrLst/>
-    <dgm:txFillClrLst/>
-    <dgm:txEffectClrLst/>
-  </dgm:styleLbl>
-  <dgm:styleLbl name="asst2">
-    <dgm:fillClrLst meth="repeat">
-      <a:schemeClr val="accent1"/>
-    </dgm:fillClrLst>
-    <dgm:linClrLst meth="repeat">
-      <a:schemeClr val="lt1"/>
-    </dgm:linClrLst>
-    <dgm:effectClrLst/>
-    <dgm:txLinClrLst/>
-    <dgm:txFillClrLst/>
-    <dgm:txEffectClrLst/>
-  </dgm:styleLbl>
-  <dgm:styleLbl name="asst3">
-    <dgm:fillClrLst meth="repeat">
-      <a:schemeClr val="accent1"/>
-    </dgm:fillClrLst>
-    <dgm:linClrLst meth="repeat">
-      <a:schemeClr val="lt1"/>
-    </dgm:linClrLst>
-    <dgm:effectClrLst/>
-    <dgm:txLinClrLst/>
-    <dgm:txFillClrLst/>
-    <dgm:txEffectClrLst/>
-  </dgm:styleLbl>
-  <dgm:styleLbl name="asst4">
-    <dgm:fillClrLst meth="repeat">
-      <a:schemeClr val="accent1"/>
-    </dgm:fillClrLst>
-    <dgm:linClrLst meth="repeat">
-      <a:schemeClr val="lt1"/>
-    </dgm:linClrLst>
-    <dgm:effectClrLst/>
-    <dgm:txLinClrLst/>
-    <dgm:txFillClrLst/>
-    <dgm:txEffectClrLst/>
-  </dgm:styleLbl>
-  <dgm:styleLbl name="parChTrans2D1">
-    <dgm:fillClrLst meth="repeat">
-      <a:schemeClr val="accent1">
-        <a:tint val="60000"/>
-      </a:schemeClr>
-    </dgm:fillClrLst>
-    <dgm:linClrLst meth="repeat">
-      <a:schemeClr val="accent1">
-        <a:tint val="60000"/>
-      </a:schemeClr>
-    </dgm:linClrLst>
-    <dgm:effectClrLst/>
-    <dgm:txLinClrLst/>
-    <dgm:txFillClrLst meth="repeat">
-      <a:schemeClr val="lt1"/>
-    </dgm:txFillClrLst>
-    <dgm:txEffectClrLst/>
-  </dgm:styleLbl>
-  <dgm:styleLbl name="parChTrans2D2">
-    <dgm:fillClrLst meth="repeat">
-      <a:schemeClr val="accent1"/>
-    </dgm:fillClrLst>
-    <dgm:linClrLst meth="repeat">
-      <a:schemeClr val="accent1"/>
-    </dgm:linClrLst>
-    <dgm:effectClrLst/>
-    <dgm:txLinClrLst/>
-    <dgm:txFillClrLst meth="repeat">
-      <a:schemeClr val="lt1"/>
-    </dgm:txFillClrLst>
-    <dgm:txEffectClrLst/>
-  </dgm:styleLbl>
-  <dgm:styleLbl name="parChTrans2D3">
-    <dgm:fillClrLst meth="repeat">
-      <a:schemeClr val="accent1"/>
-    </dgm:fillClrLst>
-    <dgm:linClrLst meth="repeat">
-      <a:schemeClr val="accent1"/>
-    </dgm:linClrLst>
-    <dgm:effectClrLst/>
-    <dgm:txLinClrLst/>
-    <dgm:txFillClrLst meth="repeat">
-      <a:schemeClr val="lt1"/>
-    </dgm:txFillClrLst>
-    <dgm:txEffectClrLst/>
-  </dgm:styleLbl>
-  <dgm:styleLbl name="parChTrans2D4">
-    <dgm:fillClrLst meth="repeat">
-      <a:schemeClr val="accent1"/>
-    </dgm:fillClrLst>
-    <dgm:linClrLst meth="repeat">
-      <a:schemeClr val="accent1"/>
-    </dgm:linClrLst>
-    <dgm:effectClrLst/>
-    <dgm:txLinClrLst/>
-    <dgm:txFillClrLst meth="repeat">
-      <a:schemeClr val="lt1"/>
-    </dgm:txFillClrLst>
-    <dgm:txEffectClrLst/>
-  </dgm:styleLbl>
-  <dgm:styleLbl name="parChTrans1D1">
-    <dgm:fillClrLst meth="repeat">
-      <a:schemeClr val="accent1"/>
-    </dgm:fillClrLst>
-    <dgm:linClrLst meth="repeat">
-      <a:schemeClr val="accent1">
-        <a:shade val="60000"/>
-      </a:schemeClr>
-    </dgm:linClrLst>
-    <dgm:effectClrLst/>
-    <dgm:txLinClrLst/>
-    <dgm:txFillClrLst meth="repeat">
-      <a:schemeClr val="tx1"/>
-    </dgm:txFillClrLst>
-    <dgm:txEffectClrLst/>
-  </dgm:styleLbl>
-  <dgm:styleLbl name="parChTrans1D2">
-    <dgm:fillClrLst meth="repeat">
-      <a:schemeClr val="accent1"/>
-    </dgm:fillClrLst>
-    <dgm:linClrLst meth="repeat">
-      <a:schemeClr val="accent1">
-        <a:shade val="60000"/>
-      </a:schemeClr>
-    </dgm:linClrLst>
-    <dgm:effectClrLst/>
-    <dgm:txLinClrLst/>
-    <dgm:txFillClrLst meth="repeat">
-      <a:schemeClr val="tx1"/>
-    </dgm:txFillClrLst>
-    <dgm:txEffectClrLst/>
-  </dgm:styleLbl>
-  <dgm:styleLbl name="parChTrans1D3">
-    <dgm:fillClrLst meth="repeat">
-      <a:schemeClr val="accent1"/>
-    </dgm:fillClrLst>
-    <dgm:linClrLst meth="repeat">
-      <a:schemeClr val="accent1">
-        <a:shade val="80000"/>
-      </a:schemeClr>
-    </dgm:linClrLst>
-    <dgm:effectClrLst/>
-    <dgm:txLinClrLst/>
-    <dgm:txFillClrLst meth="repeat">
-      <a:schemeClr val="tx1"/>
-    </dgm:txFillClrLst>
-    <dgm:txEffectClrLst/>
-  </dgm:styleLbl>
-  <dgm:styleLbl name="parChTrans1D4">
-    <dgm:fillClrLst meth="repeat">
-      <a:schemeClr val="accent1"/>
-    </dgm:fillClrLst>
-    <dgm:linClrLst meth="repeat">
-      <a:schemeClr val="accent1">
-        <a:shade val="80000"/>
-      </a:schemeClr>
-    </dgm:linClrLst>
-    <dgm:effectClrLst/>
-    <dgm:txLinClrLst/>
-    <dgm:txFillClrLst meth="repeat">
-      <a:schemeClr val="tx1"/>
-    </dgm:txFillClrLst>
-    <dgm:txEffectClrLst/>
-  </dgm:styleLbl>
-  <dgm:styleLbl name="fgAcc1">
-    <dgm:fillClrLst meth="repeat">
-      <a:schemeClr val="lt1">
-        <a:alpha val="90000"/>
-      </a:schemeClr>
-    </dgm:fillClrLst>
-    <dgm:linClrLst meth="repeat">
-      <a:schemeClr val="accent1"/>
-    </dgm:linClrLst>
-    <dgm:effectClrLst/>
-    <dgm:txLinClrLst/>
-    <dgm:txFillClrLst meth="repeat">
-      <a:schemeClr val="dk1"/>
-    </dgm:txFillClrLst>
-    <dgm:txEffectClrLst/>
-  </dgm:styleLbl>
-  <dgm:styleLbl name="conFgAcc1">
-    <dgm:fillClrLst meth="repeat">
-      <a:schemeClr val="lt1">
-        <a:alpha val="90000"/>
-      </a:schemeClr>
-    </dgm:fillClrLst>
-    <dgm:linClrLst meth="repeat">
-      <a:schemeClr val="accent1"/>
-    </dgm:linClrLst>
-    <dgm:effectClrLst/>
-    <dgm:txLinClrLst/>
-    <dgm:txFillClrLst meth="repeat">
-      <a:schemeClr val="dk1"/>
-    </dgm:txFillClrLst>
-    <dgm:txEffectClrLst/>
-  </dgm:styleLbl>
-  <dgm:styleLbl name="alignAcc1">
-    <dgm:fillClrLst meth="repeat">
-      <a:schemeClr val="lt1">
-        <a:alpha val="90000"/>
-      </a:schemeClr>
-    </dgm:fillClrLst>
-    <dgm:linClrLst meth="repeat">
-      <a:schemeClr val="accent1"/>
-    </dgm:linClrLst>
-    <dgm:effectClrLst/>
-    <dgm:txLinClrLst/>
-    <dgm:txFillClrLst meth="repeat">
-      <a:schemeClr val="dk1"/>
-    </dgm:txFillClrLst>
-    <dgm:txEffectClrLst/>
-  </dgm:styleLbl>
-  <dgm:styleLbl name="trAlignAcc1">
-    <dgm:fillClrLst meth="repeat">
-      <a:schemeClr val="lt1">
-        <a:alpha val="40000"/>
-      </a:schemeClr>
-    </dgm:fillClrLst>
-    <dgm:linClrLst meth="repeat">
-      <a:schemeClr val="accent1"/>
-    </dgm:linClrLst>
-    <dgm:effectClrLst/>
-    <dgm:txLinClrLst/>
-    <dgm:txFillClrLst meth="repeat">
-      <a:schemeClr val="dk1"/>
-    </dgm:txFillClrLst>
-    <dgm:txEffectClrLst/>
-  </dgm:styleLbl>
-  <dgm:styleLbl name="bgAcc1">
-    <dgm:fillClrLst meth="repeat">
-      <a:schemeClr val="lt1">
-        <a:alpha val="90000"/>
-      </a:schemeClr>
-    </dgm:fillClrLst>
-    <dgm:linClrLst meth="repeat">
-      <a:schemeClr val="accent1"/>
-    </dgm:linClrLst>
-    <dgm:effectClrLst/>
-    <dgm:txLinClrLst/>
-    <dgm:txFillClrLst meth="repeat">
-      <a:schemeClr val="dk1"/>
-    </dgm:txFillClrLst>
-    <dgm:txEffectClrLst/>
-  </dgm:styleLbl>
-  <dgm:styleLbl name="solidFgAcc1">
-    <dgm:fillClrLst meth="repeat">
-      <a:schemeClr val="lt1"/>
-    </dgm:fillClrLst>
-    <dgm:linClrLst meth="repeat">
-      <a:schemeClr val="accent1"/>
-    </dgm:linClrLst>
-    <dgm:effectClrLst/>
-    <dgm:txLinClrLst/>
-    <dgm:txFillClrLst meth="repeat">
-      <a:schemeClr val="dk1"/>
-    </dgm:txFillClrLst>
-    <dgm:txEffectClrLst/>
-  </dgm:styleLbl>
-  <dgm:styleLbl name="solidAlignAcc1">
-    <dgm:fillClrLst meth="repeat">
-      <a:schemeClr val="lt1"/>
-    </dgm:fillClrLst>
-    <dgm:linClrLst meth="repeat">
-      <a:schemeClr val="accent1"/>
-    </dgm:linClrLst>
-    <dgm:effectClrLst/>
-    <dgm:txLinClrLst/>
-    <dgm:txFillClrLst meth="repeat">
-      <a:schemeClr val="dk1"/>
-    </dgm:txFillClrLst>
-    <dgm:txEffectClrLst/>
-  </dgm:styleLbl>
-  <dgm:styleLbl name="solidBgAcc1">
-    <dgm:fillClrLst meth="repeat">
-      <a:schemeClr val="lt1"/>
-    </dgm:fillClrLst>
-    <dgm:linClrLst meth="repeat">
-      <a:schemeClr val="accent1"/>
-    </dgm:linClrLst>
-    <dgm:effectClrLst/>
-    <dgm:txLinClrLst/>
-    <dgm:txFillClrLst meth="repeat">
-      <a:schemeClr val="dk1"/>
-    </dgm:txFillClrLst>
-    <dgm:txEffectClrLst/>
-  </dgm:styleLbl>
-  <dgm:styleLbl name="fgAccFollowNode1">
-    <dgm:fillClrLst meth="repeat">
-      <a:schemeClr val="accent1">
-        <a:alpha val="90000"/>
-        <a:tint val="40000"/>
-      </a:schemeClr>
-    </dgm:fillClrLst>
-    <dgm:linClrLst meth="repeat">
-      <a:schemeClr val="accent1">
-        <a:alpha val="90000"/>
-        <a:tint val="40000"/>
-      </a:schemeClr>
-    </dgm:linClrLst>
-    <dgm:effectClrLst/>
-    <dgm:txLinClrLst/>
-    <dgm:txFillClrLst meth="repeat">
-      <a:schemeClr val="dk1"/>
-    </dgm:txFillClrLst>
-    <dgm:txEffectClrLst/>
-  </dgm:styleLbl>
-  <dgm:styleLbl name="alignAccFollowNode1">
-    <dgm:fillClrLst meth="repeat">
-      <a:schemeClr val="accent1">
-        <a:alpha val="90000"/>
-        <a:tint val="40000"/>
-      </a:schemeClr>
-    </dgm:fillClrLst>
-    <dgm:linClrLst meth="repeat">
-      <a:schemeClr val="accent1">
-        <a:alpha val="90000"/>
-        <a:tint val="40000"/>
-      </a:schemeClr>
-    </dgm:linClrLst>
-    <dgm:effectClrLst/>
-    <dgm:txLinClrLst/>
-    <dgm:txFillClrLst meth="repeat">
-      <a:schemeClr val="dk1"/>
-    </dgm:txFillClrLst>
-    <dgm:txEffectClrLst/>
-  </dgm:styleLbl>
-  <dgm:styleLbl name="bgAccFollowNode1">
-    <dgm:fillClrLst meth="repeat">
-      <a:schemeClr val="accent1">
-        <a:alpha val="90000"/>
-        <a:tint val="40000"/>
-      </a:schemeClr>
-    </dgm:fillClrLst>
-    <dgm:linClrLst meth="repeat">
-      <a:schemeClr val="accent1">
-        <a:alpha val="90000"/>
-        <a:tint val="40000"/>
-      </a:schemeClr>
-    </dgm:linClrLst>
-    <dgm:effectClrLst/>
-    <dgm:txLinClrLst/>
-    <dgm:txFillClrLst meth="repeat">
-      <a:schemeClr val="dk1"/>
-    </dgm:txFillClrLst>
-    <dgm:txEffectClrLst/>
-  </dgm:styleLbl>
-  <dgm:styleLbl name="fgAcc0">
-    <dgm:fillClrLst meth="repeat">
-      <a:schemeClr val="lt1">
-        <a:alpha val="90000"/>
-      </a:schemeClr>
-    </dgm:fillClrLst>
-    <dgm:linClrLst meth="repeat">
-      <a:schemeClr val="accent1"/>
-    </dgm:linClrLst>
-    <dgm:effectClrLst/>
-    <dgm:txLinClrLst/>
-    <dgm:txFillClrLst meth="repeat">
-      <a:schemeClr val="dk1"/>
-    </dgm:txFillClrLst>
-    <dgm:txEffectClrLst/>
-  </dgm:styleLbl>
-  <dgm:styleLbl name="fgAcc2">
-    <dgm:fillClrLst meth="repeat">
-      <a:schemeClr val="lt1">
-        <a:alpha val="90000"/>
-      </a:schemeClr>
-    </dgm:fillClrLst>
-    <dgm:linClrLst meth="repeat">
-      <a:schemeClr val="accent1"/>
-    </dgm:linClrLst>
-    <dgm:effectClrLst/>
-    <dgm:txLinClrLst/>
-    <dgm:txFillClrLst meth="repeat">
-      <a:schemeClr val="dk1"/>
-    </dgm:txFillClrLst>
-    <dgm:txEffectClrLst/>
-  </dgm:styleLbl>
-  <dgm:styleLbl name="fgAcc3">
-    <dgm:fillClrLst meth="repeat">
-      <a:schemeClr val="lt1">
-        <a:alpha val="90000"/>
-      </a:schemeClr>
-    </dgm:fillClrLst>
-    <dgm:linClrLst meth="repeat">
-      <a:schemeClr val="accent1"/>
-    </dgm:linClrLst>
-    <dgm:effectClrLst/>
-    <dgm:txLinClrLst/>
-    <dgm:txFillClrLst meth="repeat">
-      <a:schemeClr val="dk1"/>
-    </dgm:txFillClrLst>
-    <dgm:txEffectClrLst/>
-  </dgm:styleLbl>
-  <dgm:styleLbl name="fgAcc4">
-    <dgm:fillClrLst meth="repeat">
-      <a:schemeClr val="lt1">
-        <a:alpha val="90000"/>
-      </a:schemeClr>
-    </dgm:fillClrLst>
-    <dgm:linClrLst meth="repeat">
-      <a:schemeClr val="accent1"/>
-    </dgm:linClrLst>
-    <dgm:effectClrLst/>
-    <dgm:txLinClrLst/>
-    <dgm:txFillClrLst meth="repeat">
-      <a:schemeClr val="dk1"/>
-    </dgm:txFillClrLst>
-    <dgm:txEffectClrLst/>
-  </dgm:styleLbl>
-  <dgm:styleLbl name="bgShp">
-    <dgm:fillClrLst meth="repeat">
-      <a:schemeClr val="accent1">
-        <a:tint val="40000"/>
-      </a:schemeClr>
-    </dgm:fillClrLst>
-    <dgm:linClrLst meth="repeat">
-      <a:schemeClr val="accent1"/>
-    </dgm:linClrLst>
-    <dgm:effectClrLst/>
-    <dgm:txLinClrLst/>
-    <dgm:txFillClrLst meth="repeat">
-      <a:schemeClr val="dk1"/>
-    </dgm:txFillClrLst>
-    <dgm:txEffectClrLst/>
-  </dgm:styleLbl>
-  <dgm:styleLbl name="dkBgShp">
-    <dgm:fillClrLst meth="repeat">
-      <a:schemeClr val="accent1">
-        <a:shade val="80000"/>
-      </a:schemeClr>
-    </dgm:fillClrLst>
-    <dgm:linClrLst meth="repeat">
-      <a:schemeClr val="accent1"/>
-    </dgm:linClrLst>
-    <dgm:effectClrLst/>
-    <dgm:txLinClrLst/>
-    <dgm:txFillClrLst meth="repeat">
-      <a:schemeClr val="lt1"/>
-    </dgm:txFillClrLst>
-    <dgm:txEffectClrLst/>
-  </dgm:styleLbl>
-  <dgm:styleLbl name="trBgShp">
-    <dgm:fillClrLst meth="repeat">
-      <a:schemeClr val="accent1">
-        <a:tint val="50000"/>
-        <a:alpha val="40000"/>
-      </a:schemeClr>
-    </dgm:fillClrLst>
-    <dgm:linClrLst meth="repeat">
-      <a:schemeClr val="accent1"/>
-    </dgm:linClrLst>
-    <dgm:effectClrLst/>
-    <dgm:txLinClrLst/>
-    <dgm:txFillClrLst meth="repeat">
-      <a:schemeClr val="lt1"/>
-    </dgm:txFillClrLst>
-    <dgm:txEffectClrLst/>
-  </dgm:styleLbl>
-  <dgm:styleLbl name="fgShp">
-    <dgm:fillClrLst meth="repeat">
-      <a:schemeClr val="accent1">
-        <a:tint val="60000"/>
-      </a:schemeClr>
-    </dgm:fillClrLst>
-    <dgm:linClrLst meth="repeat">
-      <a:schemeClr val="lt1"/>
-    </dgm:linClrLst>
-    <dgm:effectClrLst/>
-    <dgm:txLinClrLst/>
-    <dgm:txFillClrLst meth="repeat">
-      <a:schemeClr val="dk1"/>
-    </dgm:txFillClrLst>
-    <dgm:txEffectClrLst/>
-  </dgm:styleLbl>
-  <dgm:styleLbl name="revTx">
-    <dgm:fillClrLst meth="repeat">
-      <a:schemeClr val="lt1">
-        <a:alpha val="0"/>
-      </a:schemeClr>
-    </dgm:fillClrLst>
-    <dgm:linClrLst meth="repeat">
-      <a:schemeClr val="dk1">
-        <a:alpha val="0"/>
-      </a:schemeClr>
-    </dgm:linClrLst>
-    <dgm:effectClrLst/>
-    <dgm:txLinClrLst/>
-    <dgm:txFillClrLst meth="repeat">
-      <a:schemeClr val="tx1"/>
-    </dgm:txFillClrLst>
-    <dgm:txEffectClrLst/>
-  </dgm:styleLbl>
-</dgm:colorsDef>
-</file>
-
-<file path=ppt/diagrams/colors9.xml><?xml version="1.0" encoding="utf-8"?>
 <dgm:colorsDef xmlns:dgm="http://schemas.openxmlformats.org/drawingml/2006/diagram" xmlns:a="http://schemas.openxmlformats.org/drawingml/2006/main" uniqueId="urn:microsoft.com/office/officeart/2005/8/colors/accent3_2">
   <dgm:title val=""/>
   <dgm:desc val=""/>
@@ -7205,6 +6458,284 @@
 <dgm:dataModel xmlns:dgm="http://schemas.openxmlformats.org/drawingml/2006/diagram" xmlns:a="http://schemas.openxmlformats.org/drawingml/2006/main">
   <dgm:ptLst>
     <dgm:pt modelId="{ED246D71-FEB8-4F4A-953E-E817C0782F58}" type="doc">
+      <dgm:prSet loTypeId="urn:microsoft.com/office/officeart/2005/8/layout/cycle6" loCatId="cycle" qsTypeId="urn:microsoft.com/office/officeart/2005/8/quickstyle/simple5" qsCatId="simple" csTypeId="urn:microsoft.com/office/officeart/2005/8/colors/accent3_2" csCatId="accent3" phldr="1"/>
+      <dgm:spPr/>
+      <dgm:t>
+        <a:bodyPr/>
+        <a:lstStyle/>
+        <a:p>
+          <a:endParaRPr kumimoji="1" lang="ja-JP" altLang="en-US"/>
+        </a:p>
+      </dgm:t>
+    </dgm:pt>
+    <dgm:pt modelId="{F696FC3D-CD48-408A-8117-86D35B499B07}">
+      <dgm:prSet phldrT="[テキスト]" custT="1"/>
+      <dgm:spPr/>
+      <dgm:t>
+        <a:bodyPr/>
+        <a:lstStyle/>
+        <a:p>
+          <a:r>
+            <a:rPr kumimoji="1" lang="en-US" altLang="ja-JP" sz="4800" dirty="0">
+              <a:latin typeface="Meiryo UI" panose="020B0604030504040204" pitchFamily="50" charset="-128"/>
+              <a:ea typeface="Meiryo UI" panose="020B0604030504040204" pitchFamily="50" charset="-128"/>
+            </a:rPr>
+            <a:t>Java</a:t>
+          </a:r>
+          <a:r>
+            <a:rPr kumimoji="1" lang="ja-JP" altLang="en-US" sz="4800" dirty="0">
+              <a:latin typeface="Meiryo UI" panose="020B0604030504040204" pitchFamily="50" charset="-128"/>
+              <a:ea typeface="Meiryo UI" panose="020B0604030504040204" pitchFamily="50" charset="-128"/>
+            </a:rPr>
+            <a:t>　</a:t>
+          </a:r>
+          <a:r>
+            <a:rPr kumimoji="1" lang="en-US" altLang="ja-JP" sz="4800" dirty="0">
+              <a:latin typeface="Meiryo UI" panose="020B0604030504040204" pitchFamily="50" charset="-128"/>
+              <a:ea typeface="Meiryo UI" panose="020B0604030504040204" pitchFamily="50" charset="-128"/>
+            </a:rPr>
+            <a:t>Script</a:t>
+          </a:r>
+          <a:endParaRPr kumimoji="1" lang="ja-JP" altLang="en-US" sz="4800" dirty="0">
+            <a:latin typeface="Meiryo UI" panose="020B0604030504040204" pitchFamily="50" charset="-128"/>
+            <a:ea typeface="Meiryo UI" panose="020B0604030504040204" pitchFamily="50" charset="-128"/>
+          </a:endParaRPr>
+        </a:p>
+      </dgm:t>
+    </dgm:pt>
+    <dgm:pt modelId="{377C9D0C-9892-4039-AF62-B8B22529D5E8}" type="parTrans" cxnId="{0152986E-6B45-404B-8442-880FBBE33911}">
+      <dgm:prSet/>
+      <dgm:spPr/>
+      <dgm:t>
+        <a:bodyPr/>
+        <a:lstStyle/>
+        <a:p>
+          <a:endParaRPr kumimoji="1" lang="ja-JP" altLang="en-US" sz="2400">
+            <a:latin typeface="Meiryo UI" panose="020B0604030504040204" pitchFamily="50" charset="-128"/>
+            <a:ea typeface="Meiryo UI" panose="020B0604030504040204" pitchFamily="50" charset="-128"/>
+          </a:endParaRPr>
+        </a:p>
+      </dgm:t>
+    </dgm:pt>
+    <dgm:pt modelId="{56C596DE-0885-4ACF-8BD0-1083D3349EF0}" type="sibTrans" cxnId="{0152986E-6B45-404B-8442-880FBBE33911}">
+      <dgm:prSet/>
+      <dgm:spPr/>
+      <dgm:t>
+        <a:bodyPr/>
+        <a:lstStyle/>
+        <a:p>
+          <a:endParaRPr kumimoji="1" lang="ja-JP" altLang="en-US" sz="2400">
+            <a:latin typeface="Meiryo UI" panose="020B0604030504040204" pitchFamily="50" charset="-128"/>
+            <a:ea typeface="Meiryo UI" panose="020B0604030504040204" pitchFamily="50" charset="-128"/>
+          </a:endParaRPr>
+        </a:p>
+      </dgm:t>
+    </dgm:pt>
+    <dgm:pt modelId="{AB86ABBB-F933-455A-ADEC-7AC1AF238BE6}">
+      <dgm:prSet phldrT="[テキスト]" custT="1"/>
+      <dgm:spPr/>
+      <dgm:t>
+        <a:bodyPr/>
+        <a:lstStyle/>
+        <a:p>
+          <a:r>
+            <a:rPr kumimoji="1" lang="en-US" altLang="ja-JP" sz="4800" dirty="0">
+              <a:latin typeface="Meiryo UI" panose="020B0604030504040204" pitchFamily="50" charset="-128"/>
+              <a:ea typeface="Meiryo UI" panose="020B0604030504040204" pitchFamily="50" charset="-128"/>
+            </a:rPr>
+            <a:t>Boot</a:t>
+          </a:r>
+          <a:r>
+            <a:rPr kumimoji="1" lang="ja-JP" altLang="en-US" sz="4800" dirty="0">
+              <a:latin typeface="Meiryo UI" panose="020B0604030504040204" pitchFamily="50" charset="-128"/>
+              <a:ea typeface="Meiryo UI" panose="020B0604030504040204" pitchFamily="50" charset="-128"/>
+            </a:rPr>
+            <a:t>　</a:t>
+          </a:r>
+          <a:r>
+            <a:rPr kumimoji="1" lang="en-US" altLang="ja-JP" sz="4800" dirty="0">
+              <a:latin typeface="Meiryo UI" panose="020B0604030504040204" pitchFamily="50" charset="-128"/>
+              <a:ea typeface="Meiryo UI" panose="020B0604030504040204" pitchFamily="50" charset="-128"/>
+            </a:rPr>
+            <a:t>Camp</a:t>
+          </a:r>
+          <a:endParaRPr kumimoji="1" lang="ja-JP" altLang="en-US" sz="4800" dirty="0">
+            <a:latin typeface="Meiryo UI" panose="020B0604030504040204" pitchFamily="50" charset="-128"/>
+            <a:ea typeface="Meiryo UI" panose="020B0604030504040204" pitchFamily="50" charset="-128"/>
+          </a:endParaRPr>
+        </a:p>
+      </dgm:t>
+    </dgm:pt>
+    <dgm:pt modelId="{86678A99-F91B-4478-B722-9BDDE1D8428B}" type="parTrans" cxnId="{3F0186BE-8FC9-4917-B2B6-76379F61283C}">
+      <dgm:prSet/>
+      <dgm:spPr/>
+      <dgm:t>
+        <a:bodyPr/>
+        <a:lstStyle/>
+        <a:p>
+          <a:endParaRPr kumimoji="1" lang="ja-JP" altLang="en-US" sz="2400">
+            <a:latin typeface="Meiryo UI" panose="020B0604030504040204" pitchFamily="50" charset="-128"/>
+            <a:ea typeface="Meiryo UI" panose="020B0604030504040204" pitchFamily="50" charset="-128"/>
+          </a:endParaRPr>
+        </a:p>
+      </dgm:t>
+    </dgm:pt>
+    <dgm:pt modelId="{0AD914D7-540C-4116-AF97-876A4F787FB0}" type="sibTrans" cxnId="{3F0186BE-8FC9-4917-B2B6-76379F61283C}">
+      <dgm:prSet/>
+      <dgm:spPr/>
+      <dgm:t>
+        <a:bodyPr/>
+        <a:lstStyle/>
+        <a:p>
+          <a:endParaRPr kumimoji="1" lang="ja-JP" altLang="en-US" sz="2400">
+            <a:latin typeface="Meiryo UI" panose="020B0604030504040204" pitchFamily="50" charset="-128"/>
+            <a:ea typeface="Meiryo UI" panose="020B0604030504040204" pitchFamily="50" charset="-128"/>
+          </a:endParaRPr>
+        </a:p>
+      </dgm:t>
+    </dgm:pt>
+    <dgm:pt modelId="{24AC27BA-BCAB-4F5A-BC14-ED67F9832EC0}">
+      <dgm:prSet phldrT="[テキスト]" custT="1"/>
+      <dgm:spPr/>
+      <dgm:t>
+        <a:bodyPr/>
+        <a:lstStyle/>
+        <a:p>
+          <a:r>
+            <a:rPr kumimoji="1" lang="en-US" altLang="ja-JP" sz="4800" dirty="0">
+              <a:latin typeface="Meiryo UI" panose="020B0604030504040204" pitchFamily="50" charset="-128"/>
+              <a:ea typeface="Meiryo UI" panose="020B0604030504040204" pitchFamily="50" charset="-128"/>
+            </a:rPr>
+            <a:t>DOM</a:t>
+          </a:r>
+          <a:endParaRPr kumimoji="1" lang="ja-JP" altLang="en-US" sz="4800" dirty="0">
+            <a:latin typeface="Meiryo UI" panose="020B0604030504040204" pitchFamily="50" charset="-128"/>
+            <a:ea typeface="Meiryo UI" panose="020B0604030504040204" pitchFamily="50" charset="-128"/>
+          </a:endParaRPr>
+        </a:p>
+      </dgm:t>
+    </dgm:pt>
+    <dgm:pt modelId="{76101482-1CC7-4A17-992F-D77B26140138}" type="parTrans" cxnId="{D59080A6-9E81-490B-BFA8-C4D51DD9E138}">
+      <dgm:prSet/>
+      <dgm:spPr/>
+      <dgm:t>
+        <a:bodyPr/>
+        <a:lstStyle/>
+        <a:p>
+          <a:endParaRPr kumimoji="1" lang="ja-JP" altLang="en-US" sz="2400">
+            <a:latin typeface="Meiryo UI" panose="020B0604030504040204" pitchFamily="50" charset="-128"/>
+            <a:ea typeface="Meiryo UI" panose="020B0604030504040204" pitchFamily="50" charset="-128"/>
+          </a:endParaRPr>
+        </a:p>
+      </dgm:t>
+    </dgm:pt>
+    <dgm:pt modelId="{437684DB-4BB5-4DA4-B4FF-F121989C712B}" type="sibTrans" cxnId="{D59080A6-9E81-490B-BFA8-C4D51DD9E138}">
+      <dgm:prSet/>
+      <dgm:spPr/>
+      <dgm:t>
+        <a:bodyPr/>
+        <a:lstStyle/>
+        <a:p>
+          <a:endParaRPr kumimoji="1" lang="ja-JP" altLang="en-US" sz="2400">
+            <a:latin typeface="Meiryo UI" panose="020B0604030504040204" pitchFamily="50" charset="-128"/>
+            <a:ea typeface="Meiryo UI" panose="020B0604030504040204" pitchFamily="50" charset="-128"/>
+          </a:endParaRPr>
+        </a:p>
+      </dgm:t>
+    </dgm:pt>
+    <dgm:pt modelId="{A2CC3BDE-100B-4B27-8DA9-AA9C2EFF795E}" type="pres">
+      <dgm:prSet presAssocID="{ED246D71-FEB8-4F4A-953E-E817C0782F58}" presName="cycle" presStyleCnt="0">
+        <dgm:presLayoutVars>
+          <dgm:dir/>
+          <dgm:resizeHandles val="exact"/>
+        </dgm:presLayoutVars>
+      </dgm:prSet>
+      <dgm:spPr/>
+    </dgm:pt>
+    <dgm:pt modelId="{6A709479-EF5A-47CE-925B-93E0E889C4C2}" type="pres">
+      <dgm:prSet presAssocID="{F696FC3D-CD48-408A-8117-86D35B499B07}" presName="node" presStyleLbl="node1" presStyleIdx="0" presStyleCnt="3">
+        <dgm:presLayoutVars>
+          <dgm:bulletEnabled val="1"/>
+        </dgm:presLayoutVars>
+      </dgm:prSet>
+      <dgm:spPr/>
+    </dgm:pt>
+    <dgm:pt modelId="{92271AC2-9A98-4200-892F-AF74D5E83A21}" type="pres">
+      <dgm:prSet presAssocID="{F696FC3D-CD48-408A-8117-86D35B499B07}" presName="spNode" presStyleCnt="0"/>
+      <dgm:spPr/>
+    </dgm:pt>
+    <dgm:pt modelId="{9F53B856-4CE9-4B0D-A3C2-667B786F47B9}" type="pres">
+      <dgm:prSet presAssocID="{56C596DE-0885-4ACF-8BD0-1083D3349EF0}" presName="sibTrans" presStyleLbl="sibTrans1D1" presStyleIdx="0" presStyleCnt="3"/>
+      <dgm:spPr/>
+    </dgm:pt>
+    <dgm:pt modelId="{32043D40-A051-486C-BB38-7E2878B6637A}" type="pres">
+      <dgm:prSet presAssocID="{AB86ABBB-F933-455A-ADEC-7AC1AF238BE6}" presName="node" presStyleLbl="node1" presStyleIdx="1" presStyleCnt="3">
+        <dgm:presLayoutVars>
+          <dgm:bulletEnabled val="1"/>
+        </dgm:presLayoutVars>
+      </dgm:prSet>
+      <dgm:spPr/>
+    </dgm:pt>
+    <dgm:pt modelId="{12524DA2-0A15-4E92-9D90-7DA9524F5451}" type="pres">
+      <dgm:prSet presAssocID="{AB86ABBB-F933-455A-ADEC-7AC1AF238BE6}" presName="spNode" presStyleCnt="0"/>
+      <dgm:spPr/>
+    </dgm:pt>
+    <dgm:pt modelId="{DF2CC9E3-9FCF-4586-96A5-56ED852418BB}" type="pres">
+      <dgm:prSet presAssocID="{0AD914D7-540C-4116-AF97-876A4F787FB0}" presName="sibTrans" presStyleLbl="sibTrans1D1" presStyleIdx="1" presStyleCnt="3"/>
+      <dgm:spPr/>
+    </dgm:pt>
+    <dgm:pt modelId="{CA12330D-A3B9-4A75-89C0-1315CF45C994}" type="pres">
+      <dgm:prSet presAssocID="{24AC27BA-BCAB-4F5A-BC14-ED67F9832EC0}" presName="node" presStyleLbl="node1" presStyleIdx="2" presStyleCnt="3">
+        <dgm:presLayoutVars>
+          <dgm:bulletEnabled val="1"/>
+        </dgm:presLayoutVars>
+      </dgm:prSet>
+      <dgm:spPr/>
+    </dgm:pt>
+    <dgm:pt modelId="{A4A2DC34-3FAC-4CD7-801F-C912988CB455}" type="pres">
+      <dgm:prSet presAssocID="{24AC27BA-BCAB-4F5A-BC14-ED67F9832EC0}" presName="spNode" presStyleCnt="0"/>
+      <dgm:spPr/>
+    </dgm:pt>
+    <dgm:pt modelId="{9194DA16-8F15-4552-BEAE-8E782BD7D8D8}" type="pres">
+      <dgm:prSet presAssocID="{437684DB-4BB5-4DA4-B4FF-F121989C712B}" presName="sibTrans" presStyleLbl="sibTrans1D1" presStyleIdx="2" presStyleCnt="3"/>
+      <dgm:spPr/>
+    </dgm:pt>
+  </dgm:ptLst>
+  <dgm:cxnLst>
+    <dgm:cxn modelId="{576F2400-805E-4247-A7D6-1BDBDDE6184A}" type="presOf" srcId="{56C596DE-0885-4ACF-8BD0-1083D3349EF0}" destId="{9F53B856-4CE9-4B0D-A3C2-667B786F47B9}" srcOrd="0" destOrd="0" presId="urn:microsoft.com/office/officeart/2005/8/layout/cycle6"/>
+    <dgm:cxn modelId="{0841FA13-0EEB-4B21-A362-CAA978E3620E}" type="presOf" srcId="{AB86ABBB-F933-455A-ADEC-7AC1AF238BE6}" destId="{32043D40-A051-486C-BB38-7E2878B6637A}" srcOrd="0" destOrd="0" presId="urn:microsoft.com/office/officeart/2005/8/layout/cycle6"/>
+    <dgm:cxn modelId="{0152986E-6B45-404B-8442-880FBBE33911}" srcId="{ED246D71-FEB8-4F4A-953E-E817C0782F58}" destId="{F696FC3D-CD48-408A-8117-86D35B499B07}" srcOrd="0" destOrd="0" parTransId="{377C9D0C-9892-4039-AF62-B8B22529D5E8}" sibTransId="{56C596DE-0885-4ACF-8BD0-1083D3349EF0}"/>
+    <dgm:cxn modelId="{FF49DD76-6FE4-4832-9925-5649BBF0959B}" type="presOf" srcId="{ED246D71-FEB8-4F4A-953E-E817C0782F58}" destId="{A2CC3BDE-100B-4B27-8DA9-AA9C2EFF795E}" srcOrd="0" destOrd="0" presId="urn:microsoft.com/office/officeart/2005/8/layout/cycle6"/>
+    <dgm:cxn modelId="{28FFEA56-E607-446E-AA4A-625298C4D763}" type="presOf" srcId="{F696FC3D-CD48-408A-8117-86D35B499B07}" destId="{6A709479-EF5A-47CE-925B-93E0E889C4C2}" srcOrd="0" destOrd="0" presId="urn:microsoft.com/office/officeart/2005/8/layout/cycle6"/>
+    <dgm:cxn modelId="{3D727A87-FBE2-4F95-A887-FA1A8FF0ADD3}" type="presOf" srcId="{437684DB-4BB5-4DA4-B4FF-F121989C712B}" destId="{9194DA16-8F15-4552-BEAE-8E782BD7D8D8}" srcOrd="0" destOrd="0" presId="urn:microsoft.com/office/officeart/2005/8/layout/cycle6"/>
+    <dgm:cxn modelId="{D59080A6-9E81-490B-BFA8-C4D51DD9E138}" srcId="{ED246D71-FEB8-4F4A-953E-E817C0782F58}" destId="{24AC27BA-BCAB-4F5A-BC14-ED67F9832EC0}" srcOrd="2" destOrd="0" parTransId="{76101482-1CC7-4A17-992F-D77B26140138}" sibTransId="{437684DB-4BB5-4DA4-B4FF-F121989C712B}"/>
+    <dgm:cxn modelId="{3F0186BE-8FC9-4917-B2B6-76379F61283C}" srcId="{ED246D71-FEB8-4F4A-953E-E817C0782F58}" destId="{AB86ABBB-F933-455A-ADEC-7AC1AF238BE6}" srcOrd="1" destOrd="0" parTransId="{86678A99-F91B-4478-B722-9BDDE1D8428B}" sibTransId="{0AD914D7-540C-4116-AF97-876A4F787FB0}"/>
+    <dgm:cxn modelId="{30CC9CC8-674F-4B44-9696-BC8C3FA984CE}" type="presOf" srcId="{24AC27BA-BCAB-4F5A-BC14-ED67F9832EC0}" destId="{CA12330D-A3B9-4A75-89C0-1315CF45C994}" srcOrd="0" destOrd="0" presId="urn:microsoft.com/office/officeart/2005/8/layout/cycle6"/>
+    <dgm:cxn modelId="{1F8CF4DE-C6F9-42B7-ADFB-6333EE00CB4B}" type="presOf" srcId="{0AD914D7-540C-4116-AF97-876A4F787FB0}" destId="{DF2CC9E3-9FCF-4586-96A5-56ED852418BB}" srcOrd="0" destOrd="0" presId="urn:microsoft.com/office/officeart/2005/8/layout/cycle6"/>
+    <dgm:cxn modelId="{30CAC527-FABC-4D38-A625-31878D195578}" type="presParOf" srcId="{A2CC3BDE-100B-4B27-8DA9-AA9C2EFF795E}" destId="{6A709479-EF5A-47CE-925B-93E0E889C4C2}" srcOrd="0" destOrd="0" presId="urn:microsoft.com/office/officeart/2005/8/layout/cycle6"/>
+    <dgm:cxn modelId="{FB037835-E41B-4663-A29E-A236FFD672DE}" type="presParOf" srcId="{A2CC3BDE-100B-4B27-8DA9-AA9C2EFF795E}" destId="{92271AC2-9A98-4200-892F-AF74D5E83A21}" srcOrd="1" destOrd="0" presId="urn:microsoft.com/office/officeart/2005/8/layout/cycle6"/>
+    <dgm:cxn modelId="{3F80CE35-A229-46DB-996C-7D8285016076}" type="presParOf" srcId="{A2CC3BDE-100B-4B27-8DA9-AA9C2EFF795E}" destId="{9F53B856-4CE9-4B0D-A3C2-667B786F47B9}" srcOrd="2" destOrd="0" presId="urn:microsoft.com/office/officeart/2005/8/layout/cycle6"/>
+    <dgm:cxn modelId="{65903434-D6AE-4750-9953-ABC11A95141D}" type="presParOf" srcId="{A2CC3BDE-100B-4B27-8DA9-AA9C2EFF795E}" destId="{32043D40-A051-486C-BB38-7E2878B6637A}" srcOrd="3" destOrd="0" presId="urn:microsoft.com/office/officeart/2005/8/layout/cycle6"/>
+    <dgm:cxn modelId="{9EAEB0CB-413D-44AD-9ADC-726EE9622958}" type="presParOf" srcId="{A2CC3BDE-100B-4B27-8DA9-AA9C2EFF795E}" destId="{12524DA2-0A15-4E92-9D90-7DA9524F5451}" srcOrd="4" destOrd="0" presId="urn:microsoft.com/office/officeart/2005/8/layout/cycle6"/>
+    <dgm:cxn modelId="{CBC63C64-C16E-49A6-A763-CCD0083AC7AD}" type="presParOf" srcId="{A2CC3BDE-100B-4B27-8DA9-AA9C2EFF795E}" destId="{DF2CC9E3-9FCF-4586-96A5-56ED852418BB}" srcOrd="5" destOrd="0" presId="urn:microsoft.com/office/officeart/2005/8/layout/cycle6"/>
+    <dgm:cxn modelId="{440B790D-06FC-42FF-AF3F-92F4FBA5CB20}" type="presParOf" srcId="{A2CC3BDE-100B-4B27-8DA9-AA9C2EFF795E}" destId="{CA12330D-A3B9-4A75-89C0-1315CF45C994}" srcOrd="6" destOrd="0" presId="urn:microsoft.com/office/officeart/2005/8/layout/cycle6"/>
+    <dgm:cxn modelId="{DCCBF315-7B4B-4373-8967-E8580608D158}" type="presParOf" srcId="{A2CC3BDE-100B-4B27-8DA9-AA9C2EFF795E}" destId="{A4A2DC34-3FAC-4CD7-801F-C912988CB455}" srcOrd="7" destOrd="0" presId="urn:microsoft.com/office/officeart/2005/8/layout/cycle6"/>
+    <dgm:cxn modelId="{5D76C3D6-92EC-455D-BCBA-DE01D9B1C2E9}" type="presParOf" srcId="{A2CC3BDE-100B-4B27-8DA9-AA9C2EFF795E}" destId="{9194DA16-8F15-4552-BEAE-8E782BD7D8D8}" srcOrd="8" destOrd="0" presId="urn:microsoft.com/office/officeart/2005/8/layout/cycle6"/>
+  </dgm:cxnLst>
+  <dgm:bg/>
+  <dgm:whole/>
+  <dgm:extLst>
+    <a:ext uri="http://schemas.microsoft.com/office/drawing/2008/diagram">
+      <dsp:dataModelExt xmlns:dsp="http://schemas.microsoft.com/office/drawing/2008/diagram" relId="rId11" minVer="http://schemas.openxmlformats.org/drawingml/2006/diagram"/>
+    </a:ext>
+  </dgm:extLst>
+</dgm:dataModel>
+</file>
+
+<file path=ppt/diagrams/data5.xml><?xml version="1.0" encoding="utf-8"?>
+<dgm:dataModel xmlns:dgm="http://schemas.openxmlformats.org/drawingml/2006/diagram" xmlns:a="http://schemas.openxmlformats.org/drawingml/2006/main">
+  <dgm:ptLst>
+    <dgm:pt modelId="{ED246D71-FEB8-4F4A-953E-E817C0782F58}" type="doc">
       <dgm:prSet loTypeId="urn:microsoft.com/office/officeart/2005/8/layout/cycle6" loCatId="cycle" qsTypeId="urn:microsoft.com/office/officeart/2005/8/quickstyle/simple1" qsCatId="simple" csTypeId="urn:microsoft.com/office/officeart/2005/8/colors/accent1_2" csCatId="accent1" phldr="1"/>
       <dgm:spPr/>
       <dgm:t>
@@ -7238,7 +6769,7 @@
 </dgm:dataModel>
 </file>
 
-<file path=ppt/diagrams/data5.xml><?xml version="1.0" encoding="utf-8"?>
+<file path=ppt/diagrams/data6.xml><?xml version="1.0" encoding="utf-8"?>
 <dgm:dataModel xmlns:dgm="http://schemas.openxmlformats.org/drawingml/2006/diagram" xmlns:a="http://schemas.openxmlformats.org/drawingml/2006/main">
   <dgm:ptLst>
     <dgm:pt modelId="{ED246D71-FEB8-4F4A-953E-E817C0782F58}" type="doc">
@@ -7516,7 +7047,7 @@
 </dgm:dataModel>
 </file>
 
-<file path=ppt/diagrams/data6.xml><?xml version="1.0" encoding="utf-8"?>
+<file path=ppt/diagrams/data7.xml><?xml version="1.0" encoding="utf-8"?>
 <dgm:dataModel xmlns:dgm="http://schemas.openxmlformats.org/drawingml/2006/diagram" xmlns:a="http://schemas.openxmlformats.org/drawingml/2006/main">
   <dgm:ptLst>
     <dgm:pt modelId="{ED246D71-FEB8-4F4A-953E-E817C0782F58}" type="doc">
@@ -7553,322 +7084,7 @@
 </dgm:dataModel>
 </file>
 
-<file path=ppt/diagrams/data7.xml><?xml version="1.0" encoding="utf-8"?>
-<dgm:dataModel xmlns:dgm="http://schemas.openxmlformats.org/drawingml/2006/diagram" xmlns:a="http://schemas.openxmlformats.org/drawingml/2006/main">
-  <dgm:ptLst>
-    <dgm:pt modelId="{ED246D71-FEB8-4F4A-953E-E817C0782F58}" type="doc">
-      <dgm:prSet loTypeId="urn:microsoft.com/office/officeart/2005/8/layout/cycle6" loCatId="cycle" qsTypeId="urn:microsoft.com/office/officeart/2005/8/quickstyle/simple5" qsCatId="simple" csTypeId="urn:microsoft.com/office/officeart/2005/8/colors/accent3_2" csCatId="accent3" phldr="1"/>
-      <dgm:spPr/>
-      <dgm:t>
-        <a:bodyPr/>
-        <a:lstStyle/>
-        <a:p>
-          <a:endParaRPr kumimoji="1" lang="ja-JP" altLang="en-US"/>
-        </a:p>
-      </dgm:t>
-    </dgm:pt>
-    <dgm:pt modelId="{F696FC3D-CD48-408A-8117-86D35B499B07}">
-      <dgm:prSet phldrT="[テキスト]" custT="1"/>
-      <dgm:spPr/>
-      <dgm:t>
-        <a:bodyPr/>
-        <a:lstStyle/>
-        <a:p>
-          <a:r>
-            <a:rPr kumimoji="1" lang="en-US" altLang="ja-JP" sz="4800" dirty="0">
-              <a:latin typeface="Meiryo UI" panose="020B0604030504040204" pitchFamily="50" charset="-128"/>
-              <a:ea typeface="Meiryo UI" panose="020B0604030504040204" pitchFamily="50" charset="-128"/>
-            </a:rPr>
-            <a:t>Java</a:t>
-          </a:r>
-          <a:r>
-            <a:rPr kumimoji="1" lang="ja-JP" altLang="en-US" sz="4800" dirty="0">
-              <a:latin typeface="Meiryo UI" panose="020B0604030504040204" pitchFamily="50" charset="-128"/>
-              <a:ea typeface="Meiryo UI" panose="020B0604030504040204" pitchFamily="50" charset="-128"/>
-            </a:rPr>
-            <a:t>　</a:t>
-          </a:r>
-          <a:r>
-            <a:rPr kumimoji="1" lang="en-US" altLang="ja-JP" sz="4800" dirty="0">
-              <a:latin typeface="Meiryo UI" panose="020B0604030504040204" pitchFamily="50" charset="-128"/>
-              <a:ea typeface="Meiryo UI" panose="020B0604030504040204" pitchFamily="50" charset="-128"/>
-            </a:rPr>
-            <a:t>Script</a:t>
-          </a:r>
-          <a:endParaRPr kumimoji="1" lang="ja-JP" altLang="en-US" sz="4800" dirty="0">
-            <a:latin typeface="Meiryo UI" panose="020B0604030504040204" pitchFamily="50" charset="-128"/>
-            <a:ea typeface="Meiryo UI" panose="020B0604030504040204" pitchFamily="50" charset="-128"/>
-          </a:endParaRPr>
-        </a:p>
-      </dgm:t>
-    </dgm:pt>
-    <dgm:pt modelId="{377C9D0C-9892-4039-AF62-B8B22529D5E8}" type="parTrans" cxnId="{0152986E-6B45-404B-8442-880FBBE33911}">
-      <dgm:prSet/>
-      <dgm:spPr/>
-      <dgm:t>
-        <a:bodyPr/>
-        <a:lstStyle/>
-        <a:p>
-          <a:endParaRPr kumimoji="1" lang="ja-JP" altLang="en-US" sz="2400">
-            <a:latin typeface="Meiryo UI" panose="020B0604030504040204" pitchFamily="50" charset="-128"/>
-            <a:ea typeface="Meiryo UI" panose="020B0604030504040204" pitchFamily="50" charset="-128"/>
-          </a:endParaRPr>
-        </a:p>
-      </dgm:t>
-    </dgm:pt>
-    <dgm:pt modelId="{56C596DE-0885-4ACF-8BD0-1083D3349EF0}" type="sibTrans" cxnId="{0152986E-6B45-404B-8442-880FBBE33911}">
-      <dgm:prSet/>
-      <dgm:spPr/>
-      <dgm:t>
-        <a:bodyPr/>
-        <a:lstStyle/>
-        <a:p>
-          <a:endParaRPr kumimoji="1" lang="ja-JP" altLang="en-US" sz="2400">
-            <a:latin typeface="Meiryo UI" panose="020B0604030504040204" pitchFamily="50" charset="-128"/>
-            <a:ea typeface="Meiryo UI" panose="020B0604030504040204" pitchFamily="50" charset="-128"/>
-          </a:endParaRPr>
-        </a:p>
-      </dgm:t>
-    </dgm:pt>
-    <dgm:pt modelId="{AB86ABBB-F933-455A-ADEC-7AC1AF238BE6}">
-      <dgm:prSet phldrT="[テキスト]" custT="1"/>
-      <dgm:spPr/>
-      <dgm:t>
-        <a:bodyPr/>
-        <a:lstStyle/>
-        <a:p>
-          <a:r>
-            <a:rPr kumimoji="1" lang="en-US" altLang="ja-JP" sz="4800" dirty="0">
-              <a:latin typeface="Meiryo UI" panose="020B0604030504040204" pitchFamily="50" charset="-128"/>
-              <a:ea typeface="Meiryo UI" panose="020B0604030504040204" pitchFamily="50" charset="-128"/>
-            </a:rPr>
-            <a:t>Boot</a:t>
-          </a:r>
-          <a:r>
-            <a:rPr kumimoji="1" lang="ja-JP" altLang="en-US" sz="4800" dirty="0">
-              <a:latin typeface="Meiryo UI" panose="020B0604030504040204" pitchFamily="50" charset="-128"/>
-              <a:ea typeface="Meiryo UI" panose="020B0604030504040204" pitchFamily="50" charset="-128"/>
-            </a:rPr>
-            <a:t>　</a:t>
-          </a:r>
-          <a:r>
-            <a:rPr kumimoji="1" lang="en-US" altLang="ja-JP" sz="4800" dirty="0">
-              <a:latin typeface="Meiryo UI" panose="020B0604030504040204" pitchFamily="50" charset="-128"/>
-              <a:ea typeface="Meiryo UI" panose="020B0604030504040204" pitchFamily="50" charset="-128"/>
-            </a:rPr>
-            <a:t>Camp</a:t>
-          </a:r>
-          <a:endParaRPr kumimoji="1" lang="ja-JP" altLang="en-US" sz="4800" dirty="0">
-            <a:latin typeface="Meiryo UI" panose="020B0604030504040204" pitchFamily="50" charset="-128"/>
-            <a:ea typeface="Meiryo UI" panose="020B0604030504040204" pitchFamily="50" charset="-128"/>
-          </a:endParaRPr>
-        </a:p>
-      </dgm:t>
-    </dgm:pt>
-    <dgm:pt modelId="{86678A99-F91B-4478-B722-9BDDE1D8428B}" type="parTrans" cxnId="{3F0186BE-8FC9-4917-B2B6-76379F61283C}">
-      <dgm:prSet/>
-      <dgm:spPr/>
-      <dgm:t>
-        <a:bodyPr/>
-        <a:lstStyle/>
-        <a:p>
-          <a:endParaRPr kumimoji="1" lang="ja-JP" altLang="en-US" sz="2400">
-            <a:latin typeface="Meiryo UI" panose="020B0604030504040204" pitchFamily="50" charset="-128"/>
-            <a:ea typeface="Meiryo UI" panose="020B0604030504040204" pitchFamily="50" charset="-128"/>
-          </a:endParaRPr>
-        </a:p>
-      </dgm:t>
-    </dgm:pt>
-    <dgm:pt modelId="{0AD914D7-540C-4116-AF97-876A4F787FB0}" type="sibTrans" cxnId="{3F0186BE-8FC9-4917-B2B6-76379F61283C}">
-      <dgm:prSet/>
-      <dgm:spPr/>
-      <dgm:t>
-        <a:bodyPr/>
-        <a:lstStyle/>
-        <a:p>
-          <a:endParaRPr kumimoji="1" lang="ja-JP" altLang="en-US" sz="2400">
-            <a:latin typeface="Meiryo UI" panose="020B0604030504040204" pitchFamily="50" charset="-128"/>
-            <a:ea typeface="Meiryo UI" panose="020B0604030504040204" pitchFamily="50" charset="-128"/>
-          </a:endParaRPr>
-        </a:p>
-      </dgm:t>
-    </dgm:pt>
-    <dgm:pt modelId="{24AC27BA-BCAB-4F5A-BC14-ED67F9832EC0}">
-      <dgm:prSet phldrT="[テキスト]" custT="1"/>
-      <dgm:spPr/>
-      <dgm:t>
-        <a:bodyPr/>
-        <a:lstStyle/>
-        <a:p>
-          <a:r>
-            <a:rPr kumimoji="1" lang="en-US" altLang="ja-JP" sz="4800" dirty="0">
-              <a:latin typeface="Meiryo UI" panose="020B0604030504040204" pitchFamily="50" charset="-128"/>
-              <a:ea typeface="Meiryo UI" panose="020B0604030504040204" pitchFamily="50" charset="-128"/>
-            </a:rPr>
-            <a:t>DOM</a:t>
-          </a:r>
-          <a:endParaRPr kumimoji="1" lang="ja-JP" altLang="en-US" sz="4800" dirty="0">
-            <a:latin typeface="Meiryo UI" panose="020B0604030504040204" pitchFamily="50" charset="-128"/>
-            <a:ea typeface="Meiryo UI" panose="020B0604030504040204" pitchFamily="50" charset="-128"/>
-          </a:endParaRPr>
-        </a:p>
-      </dgm:t>
-    </dgm:pt>
-    <dgm:pt modelId="{76101482-1CC7-4A17-992F-D77B26140138}" type="parTrans" cxnId="{D59080A6-9E81-490B-BFA8-C4D51DD9E138}">
-      <dgm:prSet/>
-      <dgm:spPr/>
-      <dgm:t>
-        <a:bodyPr/>
-        <a:lstStyle/>
-        <a:p>
-          <a:endParaRPr kumimoji="1" lang="ja-JP" altLang="en-US" sz="2400">
-            <a:latin typeface="Meiryo UI" panose="020B0604030504040204" pitchFamily="50" charset="-128"/>
-            <a:ea typeface="Meiryo UI" panose="020B0604030504040204" pitchFamily="50" charset="-128"/>
-          </a:endParaRPr>
-        </a:p>
-      </dgm:t>
-    </dgm:pt>
-    <dgm:pt modelId="{437684DB-4BB5-4DA4-B4FF-F121989C712B}" type="sibTrans" cxnId="{D59080A6-9E81-490B-BFA8-C4D51DD9E138}">
-      <dgm:prSet/>
-      <dgm:spPr/>
-      <dgm:t>
-        <a:bodyPr/>
-        <a:lstStyle/>
-        <a:p>
-          <a:endParaRPr kumimoji="1" lang="ja-JP" altLang="en-US" sz="2400">
-            <a:latin typeface="Meiryo UI" panose="020B0604030504040204" pitchFamily="50" charset="-128"/>
-            <a:ea typeface="Meiryo UI" panose="020B0604030504040204" pitchFamily="50" charset="-128"/>
-          </a:endParaRPr>
-        </a:p>
-      </dgm:t>
-    </dgm:pt>
-    <dgm:pt modelId="{A2CC3BDE-100B-4B27-8DA9-AA9C2EFF795E}" type="pres">
-      <dgm:prSet presAssocID="{ED246D71-FEB8-4F4A-953E-E817C0782F58}" presName="cycle" presStyleCnt="0">
-        <dgm:presLayoutVars>
-          <dgm:dir/>
-          <dgm:resizeHandles val="exact"/>
-        </dgm:presLayoutVars>
-      </dgm:prSet>
-      <dgm:spPr/>
-    </dgm:pt>
-    <dgm:pt modelId="{6A709479-EF5A-47CE-925B-93E0E889C4C2}" type="pres">
-      <dgm:prSet presAssocID="{F696FC3D-CD48-408A-8117-86D35B499B07}" presName="node" presStyleLbl="node1" presStyleIdx="0" presStyleCnt="3">
-        <dgm:presLayoutVars>
-          <dgm:bulletEnabled val="1"/>
-        </dgm:presLayoutVars>
-      </dgm:prSet>
-      <dgm:spPr/>
-    </dgm:pt>
-    <dgm:pt modelId="{92271AC2-9A98-4200-892F-AF74D5E83A21}" type="pres">
-      <dgm:prSet presAssocID="{F696FC3D-CD48-408A-8117-86D35B499B07}" presName="spNode" presStyleCnt="0"/>
-      <dgm:spPr/>
-    </dgm:pt>
-    <dgm:pt modelId="{9F53B856-4CE9-4B0D-A3C2-667B786F47B9}" type="pres">
-      <dgm:prSet presAssocID="{56C596DE-0885-4ACF-8BD0-1083D3349EF0}" presName="sibTrans" presStyleLbl="sibTrans1D1" presStyleIdx="0" presStyleCnt="3"/>
-      <dgm:spPr/>
-    </dgm:pt>
-    <dgm:pt modelId="{32043D40-A051-486C-BB38-7E2878B6637A}" type="pres">
-      <dgm:prSet presAssocID="{AB86ABBB-F933-455A-ADEC-7AC1AF238BE6}" presName="node" presStyleLbl="node1" presStyleIdx="1" presStyleCnt="3">
-        <dgm:presLayoutVars>
-          <dgm:bulletEnabled val="1"/>
-        </dgm:presLayoutVars>
-      </dgm:prSet>
-      <dgm:spPr/>
-    </dgm:pt>
-    <dgm:pt modelId="{12524DA2-0A15-4E92-9D90-7DA9524F5451}" type="pres">
-      <dgm:prSet presAssocID="{AB86ABBB-F933-455A-ADEC-7AC1AF238BE6}" presName="spNode" presStyleCnt="0"/>
-      <dgm:spPr/>
-    </dgm:pt>
-    <dgm:pt modelId="{DF2CC9E3-9FCF-4586-96A5-56ED852418BB}" type="pres">
-      <dgm:prSet presAssocID="{0AD914D7-540C-4116-AF97-876A4F787FB0}" presName="sibTrans" presStyleLbl="sibTrans1D1" presStyleIdx="1" presStyleCnt="3"/>
-      <dgm:spPr/>
-    </dgm:pt>
-    <dgm:pt modelId="{CA12330D-A3B9-4A75-89C0-1315CF45C994}" type="pres">
-      <dgm:prSet presAssocID="{24AC27BA-BCAB-4F5A-BC14-ED67F9832EC0}" presName="node" presStyleLbl="node1" presStyleIdx="2" presStyleCnt="3">
-        <dgm:presLayoutVars>
-          <dgm:bulletEnabled val="1"/>
-        </dgm:presLayoutVars>
-      </dgm:prSet>
-      <dgm:spPr/>
-    </dgm:pt>
-    <dgm:pt modelId="{A4A2DC34-3FAC-4CD7-801F-C912988CB455}" type="pres">
-      <dgm:prSet presAssocID="{24AC27BA-BCAB-4F5A-BC14-ED67F9832EC0}" presName="spNode" presStyleCnt="0"/>
-      <dgm:spPr/>
-    </dgm:pt>
-    <dgm:pt modelId="{9194DA16-8F15-4552-BEAE-8E782BD7D8D8}" type="pres">
-      <dgm:prSet presAssocID="{437684DB-4BB5-4DA4-B4FF-F121989C712B}" presName="sibTrans" presStyleLbl="sibTrans1D1" presStyleIdx="2" presStyleCnt="3"/>
-      <dgm:spPr/>
-    </dgm:pt>
-  </dgm:ptLst>
-  <dgm:cxnLst>
-    <dgm:cxn modelId="{576F2400-805E-4247-A7D6-1BDBDDE6184A}" type="presOf" srcId="{56C596DE-0885-4ACF-8BD0-1083D3349EF0}" destId="{9F53B856-4CE9-4B0D-A3C2-667B786F47B9}" srcOrd="0" destOrd="0" presId="urn:microsoft.com/office/officeart/2005/8/layout/cycle6"/>
-    <dgm:cxn modelId="{0841FA13-0EEB-4B21-A362-CAA978E3620E}" type="presOf" srcId="{AB86ABBB-F933-455A-ADEC-7AC1AF238BE6}" destId="{32043D40-A051-486C-BB38-7E2878B6637A}" srcOrd="0" destOrd="0" presId="urn:microsoft.com/office/officeart/2005/8/layout/cycle6"/>
-    <dgm:cxn modelId="{0152986E-6B45-404B-8442-880FBBE33911}" srcId="{ED246D71-FEB8-4F4A-953E-E817C0782F58}" destId="{F696FC3D-CD48-408A-8117-86D35B499B07}" srcOrd="0" destOrd="0" parTransId="{377C9D0C-9892-4039-AF62-B8B22529D5E8}" sibTransId="{56C596DE-0885-4ACF-8BD0-1083D3349EF0}"/>
-    <dgm:cxn modelId="{FF49DD76-6FE4-4832-9925-5649BBF0959B}" type="presOf" srcId="{ED246D71-FEB8-4F4A-953E-E817C0782F58}" destId="{A2CC3BDE-100B-4B27-8DA9-AA9C2EFF795E}" srcOrd="0" destOrd="0" presId="urn:microsoft.com/office/officeart/2005/8/layout/cycle6"/>
-    <dgm:cxn modelId="{28FFEA56-E607-446E-AA4A-625298C4D763}" type="presOf" srcId="{F696FC3D-CD48-408A-8117-86D35B499B07}" destId="{6A709479-EF5A-47CE-925B-93E0E889C4C2}" srcOrd="0" destOrd="0" presId="urn:microsoft.com/office/officeart/2005/8/layout/cycle6"/>
-    <dgm:cxn modelId="{3D727A87-FBE2-4F95-A887-FA1A8FF0ADD3}" type="presOf" srcId="{437684DB-4BB5-4DA4-B4FF-F121989C712B}" destId="{9194DA16-8F15-4552-BEAE-8E782BD7D8D8}" srcOrd="0" destOrd="0" presId="urn:microsoft.com/office/officeart/2005/8/layout/cycle6"/>
-    <dgm:cxn modelId="{D59080A6-9E81-490B-BFA8-C4D51DD9E138}" srcId="{ED246D71-FEB8-4F4A-953E-E817C0782F58}" destId="{24AC27BA-BCAB-4F5A-BC14-ED67F9832EC0}" srcOrd="2" destOrd="0" parTransId="{76101482-1CC7-4A17-992F-D77B26140138}" sibTransId="{437684DB-4BB5-4DA4-B4FF-F121989C712B}"/>
-    <dgm:cxn modelId="{3F0186BE-8FC9-4917-B2B6-76379F61283C}" srcId="{ED246D71-FEB8-4F4A-953E-E817C0782F58}" destId="{AB86ABBB-F933-455A-ADEC-7AC1AF238BE6}" srcOrd="1" destOrd="0" parTransId="{86678A99-F91B-4478-B722-9BDDE1D8428B}" sibTransId="{0AD914D7-540C-4116-AF97-876A4F787FB0}"/>
-    <dgm:cxn modelId="{30CC9CC8-674F-4B44-9696-BC8C3FA984CE}" type="presOf" srcId="{24AC27BA-BCAB-4F5A-BC14-ED67F9832EC0}" destId="{CA12330D-A3B9-4A75-89C0-1315CF45C994}" srcOrd="0" destOrd="0" presId="urn:microsoft.com/office/officeart/2005/8/layout/cycle6"/>
-    <dgm:cxn modelId="{1F8CF4DE-C6F9-42B7-ADFB-6333EE00CB4B}" type="presOf" srcId="{0AD914D7-540C-4116-AF97-876A4F787FB0}" destId="{DF2CC9E3-9FCF-4586-96A5-56ED852418BB}" srcOrd="0" destOrd="0" presId="urn:microsoft.com/office/officeart/2005/8/layout/cycle6"/>
-    <dgm:cxn modelId="{30CAC527-FABC-4D38-A625-31878D195578}" type="presParOf" srcId="{A2CC3BDE-100B-4B27-8DA9-AA9C2EFF795E}" destId="{6A709479-EF5A-47CE-925B-93E0E889C4C2}" srcOrd="0" destOrd="0" presId="urn:microsoft.com/office/officeart/2005/8/layout/cycle6"/>
-    <dgm:cxn modelId="{FB037835-E41B-4663-A29E-A236FFD672DE}" type="presParOf" srcId="{A2CC3BDE-100B-4B27-8DA9-AA9C2EFF795E}" destId="{92271AC2-9A98-4200-892F-AF74D5E83A21}" srcOrd="1" destOrd="0" presId="urn:microsoft.com/office/officeart/2005/8/layout/cycle6"/>
-    <dgm:cxn modelId="{3F80CE35-A229-46DB-996C-7D8285016076}" type="presParOf" srcId="{A2CC3BDE-100B-4B27-8DA9-AA9C2EFF795E}" destId="{9F53B856-4CE9-4B0D-A3C2-667B786F47B9}" srcOrd="2" destOrd="0" presId="urn:microsoft.com/office/officeart/2005/8/layout/cycle6"/>
-    <dgm:cxn modelId="{65903434-D6AE-4750-9953-ABC11A95141D}" type="presParOf" srcId="{A2CC3BDE-100B-4B27-8DA9-AA9C2EFF795E}" destId="{32043D40-A051-486C-BB38-7E2878B6637A}" srcOrd="3" destOrd="0" presId="urn:microsoft.com/office/officeart/2005/8/layout/cycle6"/>
-    <dgm:cxn modelId="{9EAEB0CB-413D-44AD-9ADC-726EE9622958}" type="presParOf" srcId="{A2CC3BDE-100B-4B27-8DA9-AA9C2EFF795E}" destId="{12524DA2-0A15-4E92-9D90-7DA9524F5451}" srcOrd="4" destOrd="0" presId="urn:microsoft.com/office/officeart/2005/8/layout/cycle6"/>
-    <dgm:cxn modelId="{CBC63C64-C16E-49A6-A763-CCD0083AC7AD}" type="presParOf" srcId="{A2CC3BDE-100B-4B27-8DA9-AA9C2EFF795E}" destId="{DF2CC9E3-9FCF-4586-96A5-56ED852418BB}" srcOrd="5" destOrd="0" presId="urn:microsoft.com/office/officeart/2005/8/layout/cycle6"/>
-    <dgm:cxn modelId="{440B790D-06FC-42FF-AF3F-92F4FBA5CB20}" type="presParOf" srcId="{A2CC3BDE-100B-4B27-8DA9-AA9C2EFF795E}" destId="{CA12330D-A3B9-4A75-89C0-1315CF45C994}" srcOrd="6" destOrd="0" presId="urn:microsoft.com/office/officeart/2005/8/layout/cycle6"/>
-    <dgm:cxn modelId="{DCCBF315-7B4B-4373-8967-E8580608D158}" type="presParOf" srcId="{A2CC3BDE-100B-4B27-8DA9-AA9C2EFF795E}" destId="{A4A2DC34-3FAC-4CD7-801F-C912988CB455}" srcOrd="7" destOrd="0" presId="urn:microsoft.com/office/officeart/2005/8/layout/cycle6"/>
-    <dgm:cxn modelId="{5D76C3D6-92EC-455D-BCBA-DE01D9B1C2E9}" type="presParOf" srcId="{A2CC3BDE-100B-4B27-8DA9-AA9C2EFF795E}" destId="{9194DA16-8F15-4552-BEAE-8E782BD7D8D8}" srcOrd="8" destOrd="0" presId="urn:microsoft.com/office/officeart/2005/8/layout/cycle6"/>
-  </dgm:cxnLst>
-  <dgm:bg/>
-  <dgm:whole/>
-  <dgm:extLst>
-    <a:ext uri="http://schemas.microsoft.com/office/drawing/2008/diagram">
-      <dsp:dataModelExt xmlns:dsp="http://schemas.microsoft.com/office/drawing/2008/diagram" relId="rId11" minVer="http://schemas.openxmlformats.org/drawingml/2006/diagram"/>
-    </a:ext>
-  </dgm:extLst>
-</dgm:dataModel>
-</file>
-
 <file path=ppt/diagrams/data8.xml><?xml version="1.0" encoding="utf-8"?>
-<dgm:dataModel xmlns:dgm="http://schemas.openxmlformats.org/drawingml/2006/diagram" xmlns:a="http://schemas.openxmlformats.org/drawingml/2006/main">
-  <dgm:ptLst>
-    <dgm:pt modelId="{ED246D71-FEB8-4F4A-953E-E817C0782F58}" type="doc">
-      <dgm:prSet loTypeId="urn:microsoft.com/office/officeart/2005/8/layout/cycle6" loCatId="cycle" qsTypeId="urn:microsoft.com/office/officeart/2005/8/quickstyle/simple1" qsCatId="simple" csTypeId="urn:microsoft.com/office/officeart/2005/8/colors/accent1_2" csCatId="accent1" phldr="1"/>
-      <dgm:spPr/>
-      <dgm:t>
-        <a:bodyPr/>
-        <a:lstStyle/>
-        <a:p>
-          <a:endParaRPr kumimoji="1" lang="ja-JP" altLang="en-US"/>
-        </a:p>
-      </dgm:t>
-    </dgm:pt>
-    <dgm:pt modelId="{A2CC3BDE-100B-4B27-8DA9-AA9C2EFF795E}" type="pres">
-      <dgm:prSet presAssocID="{ED246D71-FEB8-4F4A-953E-E817C0782F58}" presName="cycle" presStyleCnt="0">
-        <dgm:presLayoutVars>
-          <dgm:dir/>
-          <dgm:resizeHandles val="exact"/>
-        </dgm:presLayoutVars>
-      </dgm:prSet>
-      <dgm:spPr/>
-    </dgm:pt>
-  </dgm:ptLst>
-  <dgm:cxnLst>
-    <dgm:cxn modelId="{FF49DD76-6FE4-4832-9925-5649BBF0959B}" type="presOf" srcId="{ED246D71-FEB8-4F4A-953E-E817C0782F58}" destId="{A2CC3BDE-100B-4B27-8DA9-AA9C2EFF795E}" srcOrd="0" destOrd="0" presId="urn:microsoft.com/office/officeart/2005/8/layout/cycle6"/>
-  </dgm:cxnLst>
-  <dgm:bg/>
-  <dgm:whole/>
-  <dgm:extLst>
-    <a:ext uri="http://schemas.microsoft.com/office/drawing/2008/diagram">
-      <dsp:dataModelExt xmlns:dsp="http://schemas.microsoft.com/office/drawing/2008/diagram" relId="rId6" minVer="http://schemas.openxmlformats.org/drawingml/2006/diagram"/>
-    </a:ext>
-  </dgm:extLst>
-</dgm:dataModel>
-</file>
-
-<file path=ppt/diagrams/data9.xml><?xml version="1.0" encoding="utf-8"?>
 <dgm:dataModel xmlns:dgm="http://schemas.openxmlformats.org/drawingml/2006/diagram" xmlns:a="http://schemas.openxmlformats.org/drawingml/2006/main">
   <dgm:ptLst>
     <dgm:pt modelId="{ED246D71-FEB8-4F4A-953E-E817C0782F58}" type="doc">
@@ -8704,11 +7920,537 @@
       <dsp:cNvGrpSpPr/>
     </dsp:nvGrpSpPr>
     <dsp:grpSpPr/>
+    <dsp:sp modelId="{6A709479-EF5A-47CE-925B-93E0E889C4C2}">
+      <dsp:nvSpPr>
+        <dsp:cNvPr id="0" name=""/>
+        <dsp:cNvSpPr/>
+      </dsp:nvSpPr>
+      <dsp:spPr>
+        <a:xfrm>
+          <a:off x="2821781" y="1830"/>
+          <a:ext cx="2484437" cy="1614884"/>
+        </a:xfrm>
+        <a:prstGeom prst="roundRect">
+          <a:avLst/>
+        </a:prstGeom>
+        <a:gradFill rotWithShape="0">
+          <a:gsLst>
+            <a:gs pos="0">
+              <a:schemeClr val="accent3">
+                <a:hueOff val="0"/>
+                <a:satOff val="0"/>
+                <a:lumOff val="0"/>
+                <a:alphaOff val="0"/>
+                <a:tint val="98000"/>
+                <a:hueMod val="94000"/>
+                <a:satMod val="130000"/>
+                <a:lumMod val="128000"/>
+              </a:schemeClr>
+            </a:gs>
+            <a:gs pos="100000">
+              <a:schemeClr val="accent3">
+                <a:hueOff val="0"/>
+                <a:satOff val="0"/>
+                <a:lumOff val="0"/>
+                <a:alphaOff val="0"/>
+                <a:shade val="94000"/>
+                <a:lumMod val="88000"/>
+              </a:schemeClr>
+            </a:gs>
+          </a:gsLst>
+          <a:lin ang="5400000" scaled="0"/>
+        </a:gradFill>
+        <a:ln>
+          <a:noFill/>
+        </a:ln>
+        <a:effectLst>
+          <a:outerShdw blurRad="50800" dist="38100" dir="5400000" rotWithShape="0">
+            <a:srgbClr val="000000">
+              <a:alpha val="46000"/>
+            </a:srgbClr>
+          </a:outerShdw>
+        </a:effectLst>
+        <a:scene3d>
+          <a:camera prst="orthographicFront">
+            <a:rot lat="0" lon="0" rev="0"/>
+          </a:camera>
+          <a:lightRig rig="threePt" dir="t"/>
+        </a:scene3d>
+        <a:sp3d prstMaterial="plastic">
+          <a:bevelT w="25400" h="25400"/>
+        </a:sp3d>
+      </dsp:spPr>
+      <dsp:style>
+        <a:lnRef idx="0">
+          <a:scrgbClr r="0" g="0" b="0"/>
+        </a:lnRef>
+        <a:fillRef idx="3">
+          <a:scrgbClr r="0" g="0" b="0"/>
+        </a:fillRef>
+        <a:effectRef idx="3">
+          <a:scrgbClr r="0" g="0" b="0"/>
+        </a:effectRef>
+        <a:fontRef idx="minor">
+          <a:schemeClr val="lt1"/>
+        </a:fontRef>
+      </dsp:style>
+      <dsp:txBody>
+        <a:bodyPr spcFirstLastPara="0" vert="horz" wrap="square" lIns="182880" tIns="182880" rIns="182880" bIns="182880" numCol="1" spcCol="1270" anchor="ctr" anchorCtr="0">
+          <a:noAutofit/>
+        </a:bodyPr>
+        <a:lstStyle/>
+        <a:p>
+          <a:pPr marL="0" lvl="0" indent="0" algn="ctr" defTabSz="2133600">
+            <a:lnSpc>
+              <a:spcPct val="90000"/>
+            </a:lnSpc>
+            <a:spcBef>
+              <a:spcPct val="0"/>
+            </a:spcBef>
+            <a:spcAft>
+              <a:spcPct val="35000"/>
+            </a:spcAft>
+            <a:buNone/>
+          </a:pPr>
+          <a:r>
+            <a:rPr kumimoji="1" lang="en-US" altLang="ja-JP" sz="4800" kern="1200" dirty="0">
+              <a:latin typeface="Meiryo UI" panose="020B0604030504040204" pitchFamily="50" charset="-128"/>
+              <a:ea typeface="Meiryo UI" panose="020B0604030504040204" pitchFamily="50" charset="-128"/>
+            </a:rPr>
+            <a:t>Java</a:t>
+          </a:r>
+          <a:r>
+            <a:rPr kumimoji="1" lang="ja-JP" altLang="en-US" sz="4800" kern="1200" dirty="0">
+              <a:latin typeface="Meiryo UI" panose="020B0604030504040204" pitchFamily="50" charset="-128"/>
+              <a:ea typeface="Meiryo UI" panose="020B0604030504040204" pitchFamily="50" charset="-128"/>
+            </a:rPr>
+            <a:t>　</a:t>
+          </a:r>
+          <a:r>
+            <a:rPr kumimoji="1" lang="en-US" altLang="ja-JP" sz="4800" kern="1200" dirty="0">
+              <a:latin typeface="Meiryo UI" panose="020B0604030504040204" pitchFamily="50" charset="-128"/>
+              <a:ea typeface="Meiryo UI" panose="020B0604030504040204" pitchFamily="50" charset="-128"/>
+            </a:rPr>
+            <a:t>Script</a:t>
+          </a:r>
+          <a:endParaRPr kumimoji="1" lang="ja-JP" altLang="en-US" sz="4800" kern="1200" dirty="0">
+            <a:latin typeface="Meiryo UI" panose="020B0604030504040204" pitchFamily="50" charset="-128"/>
+            <a:ea typeface="Meiryo UI" panose="020B0604030504040204" pitchFamily="50" charset="-128"/>
+          </a:endParaRPr>
+        </a:p>
+      </dsp:txBody>
+      <dsp:txXfrm>
+        <a:off x="2900613" y="80662"/>
+        <a:ext cx="2326773" cy="1457220"/>
+      </dsp:txXfrm>
+    </dsp:sp>
+    <dsp:sp modelId="{9F53B856-4CE9-4B0D-A3C2-667B786F47B9}">
+      <dsp:nvSpPr>
+        <dsp:cNvPr id="0" name=""/>
+        <dsp:cNvSpPr/>
+      </dsp:nvSpPr>
+      <dsp:spPr>
+        <a:xfrm>
+          <a:off x="1909284" y="809272"/>
+          <a:ext cx="4309431" cy="4309431"/>
+        </a:xfrm>
+        <a:custGeom>
+          <a:avLst/>
+          <a:gdLst/>
+          <a:ahLst/>
+          <a:cxnLst/>
+          <a:rect l="0" t="0" r="0" b="0"/>
+          <a:pathLst>
+            <a:path>
+              <a:moveTo>
+                <a:pt x="3415001" y="407008"/>
+              </a:moveTo>
+              <a:arcTo wR="2154715" hR="2154715" stAng="18347740" swAng="3648625"/>
+            </a:path>
+          </a:pathLst>
+        </a:custGeom>
+        <a:noFill/>
+        <a:ln w="9525" cap="rnd" cmpd="sng" algn="ctr">
+          <a:solidFill>
+            <a:schemeClr val="accent3">
+              <a:hueOff val="0"/>
+              <a:satOff val="0"/>
+              <a:lumOff val="0"/>
+              <a:alphaOff val="0"/>
+            </a:schemeClr>
+          </a:solidFill>
+          <a:prstDash val="solid"/>
+        </a:ln>
+        <a:effectLst/>
+      </dsp:spPr>
+      <dsp:style>
+        <a:lnRef idx="1">
+          <a:scrgbClr r="0" g="0" b="0"/>
+        </a:lnRef>
+        <a:fillRef idx="0">
+          <a:scrgbClr r="0" g="0" b="0"/>
+        </a:fillRef>
+        <a:effectRef idx="0">
+          <a:scrgbClr r="0" g="0" b="0"/>
+        </a:effectRef>
+        <a:fontRef idx="minor"/>
+      </dsp:style>
+    </dsp:sp>
+    <dsp:sp modelId="{32043D40-A051-486C-BB38-7E2878B6637A}">
+      <dsp:nvSpPr>
+        <dsp:cNvPr id="0" name=""/>
+        <dsp:cNvSpPr/>
+      </dsp:nvSpPr>
+      <dsp:spPr>
+        <a:xfrm>
+          <a:off x="4687819" y="3233904"/>
+          <a:ext cx="2484437" cy="1614884"/>
+        </a:xfrm>
+        <a:prstGeom prst="roundRect">
+          <a:avLst/>
+        </a:prstGeom>
+        <a:gradFill rotWithShape="0">
+          <a:gsLst>
+            <a:gs pos="0">
+              <a:schemeClr val="accent3">
+                <a:hueOff val="0"/>
+                <a:satOff val="0"/>
+                <a:lumOff val="0"/>
+                <a:alphaOff val="0"/>
+                <a:tint val="98000"/>
+                <a:hueMod val="94000"/>
+                <a:satMod val="130000"/>
+                <a:lumMod val="128000"/>
+              </a:schemeClr>
+            </a:gs>
+            <a:gs pos="100000">
+              <a:schemeClr val="accent3">
+                <a:hueOff val="0"/>
+                <a:satOff val="0"/>
+                <a:lumOff val="0"/>
+                <a:alphaOff val="0"/>
+                <a:shade val="94000"/>
+                <a:lumMod val="88000"/>
+              </a:schemeClr>
+            </a:gs>
+          </a:gsLst>
+          <a:lin ang="5400000" scaled="0"/>
+        </a:gradFill>
+        <a:ln>
+          <a:noFill/>
+        </a:ln>
+        <a:effectLst>
+          <a:outerShdw blurRad="50800" dist="38100" dir="5400000" rotWithShape="0">
+            <a:srgbClr val="000000">
+              <a:alpha val="46000"/>
+            </a:srgbClr>
+          </a:outerShdw>
+        </a:effectLst>
+        <a:scene3d>
+          <a:camera prst="orthographicFront">
+            <a:rot lat="0" lon="0" rev="0"/>
+          </a:camera>
+          <a:lightRig rig="threePt" dir="t"/>
+        </a:scene3d>
+        <a:sp3d prstMaterial="plastic">
+          <a:bevelT w="25400" h="25400"/>
+        </a:sp3d>
+      </dsp:spPr>
+      <dsp:style>
+        <a:lnRef idx="0">
+          <a:scrgbClr r="0" g="0" b="0"/>
+        </a:lnRef>
+        <a:fillRef idx="3">
+          <a:scrgbClr r="0" g="0" b="0"/>
+        </a:fillRef>
+        <a:effectRef idx="3">
+          <a:scrgbClr r="0" g="0" b="0"/>
+        </a:effectRef>
+        <a:fontRef idx="minor">
+          <a:schemeClr val="lt1"/>
+        </a:fontRef>
+      </dsp:style>
+      <dsp:txBody>
+        <a:bodyPr spcFirstLastPara="0" vert="horz" wrap="square" lIns="182880" tIns="182880" rIns="182880" bIns="182880" numCol="1" spcCol="1270" anchor="ctr" anchorCtr="0">
+          <a:noAutofit/>
+        </a:bodyPr>
+        <a:lstStyle/>
+        <a:p>
+          <a:pPr marL="0" lvl="0" indent="0" algn="ctr" defTabSz="2133600">
+            <a:lnSpc>
+              <a:spcPct val="90000"/>
+            </a:lnSpc>
+            <a:spcBef>
+              <a:spcPct val="0"/>
+            </a:spcBef>
+            <a:spcAft>
+              <a:spcPct val="35000"/>
+            </a:spcAft>
+            <a:buNone/>
+          </a:pPr>
+          <a:r>
+            <a:rPr kumimoji="1" lang="en-US" altLang="ja-JP" sz="4800" kern="1200" dirty="0">
+              <a:latin typeface="Meiryo UI" panose="020B0604030504040204" pitchFamily="50" charset="-128"/>
+              <a:ea typeface="Meiryo UI" panose="020B0604030504040204" pitchFamily="50" charset="-128"/>
+            </a:rPr>
+            <a:t>Boot</a:t>
+          </a:r>
+          <a:r>
+            <a:rPr kumimoji="1" lang="ja-JP" altLang="en-US" sz="4800" kern="1200" dirty="0">
+              <a:latin typeface="Meiryo UI" panose="020B0604030504040204" pitchFamily="50" charset="-128"/>
+              <a:ea typeface="Meiryo UI" panose="020B0604030504040204" pitchFamily="50" charset="-128"/>
+            </a:rPr>
+            <a:t>　</a:t>
+          </a:r>
+          <a:r>
+            <a:rPr kumimoji="1" lang="en-US" altLang="ja-JP" sz="4800" kern="1200" dirty="0">
+              <a:latin typeface="Meiryo UI" panose="020B0604030504040204" pitchFamily="50" charset="-128"/>
+              <a:ea typeface="Meiryo UI" panose="020B0604030504040204" pitchFamily="50" charset="-128"/>
+            </a:rPr>
+            <a:t>Camp</a:t>
+          </a:r>
+          <a:endParaRPr kumimoji="1" lang="ja-JP" altLang="en-US" sz="4800" kern="1200" dirty="0">
+            <a:latin typeface="Meiryo UI" panose="020B0604030504040204" pitchFamily="50" charset="-128"/>
+            <a:ea typeface="Meiryo UI" panose="020B0604030504040204" pitchFamily="50" charset="-128"/>
+          </a:endParaRPr>
+        </a:p>
+      </dsp:txBody>
+      <dsp:txXfrm>
+        <a:off x="4766651" y="3312736"/>
+        <a:ext cx="2326773" cy="1457220"/>
+      </dsp:txXfrm>
+    </dsp:sp>
+    <dsp:sp modelId="{DF2CC9E3-9FCF-4586-96A5-56ED852418BB}">
+      <dsp:nvSpPr>
+        <dsp:cNvPr id="0" name=""/>
+        <dsp:cNvSpPr/>
+      </dsp:nvSpPr>
+      <dsp:spPr>
+        <a:xfrm>
+          <a:off x="1909284" y="809272"/>
+          <a:ext cx="4309431" cy="4309431"/>
+        </a:xfrm>
+        <a:custGeom>
+          <a:avLst/>
+          <a:gdLst/>
+          <a:ahLst/>
+          <a:cxnLst/>
+          <a:rect l="0" t="0" r="0" b="0"/>
+          <a:pathLst>
+            <a:path>
+              <a:moveTo>
+                <a:pt x="3180587" y="4049547"/>
+              </a:moveTo>
+              <a:arcTo wR="2154715" hR="2154715" stAng="3694120" swAng="3411761"/>
+            </a:path>
+          </a:pathLst>
+        </a:custGeom>
+        <a:noFill/>
+        <a:ln w="9525" cap="rnd" cmpd="sng" algn="ctr">
+          <a:solidFill>
+            <a:schemeClr val="accent3">
+              <a:hueOff val="0"/>
+              <a:satOff val="0"/>
+              <a:lumOff val="0"/>
+              <a:alphaOff val="0"/>
+            </a:schemeClr>
+          </a:solidFill>
+          <a:prstDash val="solid"/>
+        </a:ln>
+        <a:effectLst/>
+      </dsp:spPr>
+      <dsp:style>
+        <a:lnRef idx="1">
+          <a:scrgbClr r="0" g="0" b="0"/>
+        </a:lnRef>
+        <a:fillRef idx="0">
+          <a:scrgbClr r="0" g="0" b="0"/>
+        </a:fillRef>
+        <a:effectRef idx="0">
+          <a:scrgbClr r="0" g="0" b="0"/>
+        </a:effectRef>
+        <a:fontRef idx="minor"/>
+      </dsp:style>
+    </dsp:sp>
+    <dsp:sp modelId="{CA12330D-A3B9-4A75-89C0-1315CF45C994}">
+      <dsp:nvSpPr>
+        <dsp:cNvPr id="0" name=""/>
+        <dsp:cNvSpPr/>
+      </dsp:nvSpPr>
+      <dsp:spPr>
+        <a:xfrm>
+          <a:off x="955742" y="3233904"/>
+          <a:ext cx="2484437" cy="1614884"/>
+        </a:xfrm>
+        <a:prstGeom prst="roundRect">
+          <a:avLst/>
+        </a:prstGeom>
+        <a:gradFill rotWithShape="0">
+          <a:gsLst>
+            <a:gs pos="0">
+              <a:schemeClr val="accent3">
+                <a:hueOff val="0"/>
+                <a:satOff val="0"/>
+                <a:lumOff val="0"/>
+                <a:alphaOff val="0"/>
+                <a:tint val="98000"/>
+                <a:hueMod val="94000"/>
+                <a:satMod val="130000"/>
+                <a:lumMod val="128000"/>
+              </a:schemeClr>
+            </a:gs>
+            <a:gs pos="100000">
+              <a:schemeClr val="accent3">
+                <a:hueOff val="0"/>
+                <a:satOff val="0"/>
+                <a:lumOff val="0"/>
+                <a:alphaOff val="0"/>
+                <a:shade val="94000"/>
+                <a:lumMod val="88000"/>
+              </a:schemeClr>
+            </a:gs>
+          </a:gsLst>
+          <a:lin ang="5400000" scaled="0"/>
+        </a:gradFill>
+        <a:ln>
+          <a:noFill/>
+        </a:ln>
+        <a:effectLst>
+          <a:outerShdw blurRad="50800" dist="38100" dir="5400000" rotWithShape="0">
+            <a:srgbClr val="000000">
+              <a:alpha val="46000"/>
+            </a:srgbClr>
+          </a:outerShdw>
+        </a:effectLst>
+        <a:scene3d>
+          <a:camera prst="orthographicFront">
+            <a:rot lat="0" lon="0" rev="0"/>
+          </a:camera>
+          <a:lightRig rig="threePt" dir="t"/>
+        </a:scene3d>
+        <a:sp3d prstMaterial="plastic">
+          <a:bevelT w="25400" h="25400"/>
+        </a:sp3d>
+      </dsp:spPr>
+      <dsp:style>
+        <a:lnRef idx="0">
+          <a:scrgbClr r="0" g="0" b="0"/>
+        </a:lnRef>
+        <a:fillRef idx="3">
+          <a:scrgbClr r="0" g="0" b="0"/>
+        </a:fillRef>
+        <a:effectRef idx="3">
+          <a:scrgbClr r="0" g="0" b="0"/>
+        </a:effectRef>
+        <a:fontRef idx="minor">
+          <a:schemeClr val="lt1"/>
+        </a:fontRef>
+      </dsp:style>
+      <dsp:txBody>
+        <a:bodyPr spcFirstLastPara="0" vert="horz" wrap="square" lIns="182880" tIns="182880" rIns="182880" bIns="182880" numCol="1" spcCol="1270" anchor="ctr" anchorCtr="0">
+          <a:noAutofit/>
+        </a:bodyPr>
+        <a:lstStyle/>
+        <a:p>
+          <a:pPr marL="0" lvl="0" indent="0" algn="ctr" defTabSz="2133600">
+            <a:lnSpc>
+              <a:spcPct val="90000"/>
+            </a:lnSpc>
+            <a:spcBef>
+              <a:spcPct val="0"/>
+            </a:spcBef>
+            <a:spcAft>
+              <a:spcPct val="35000"/>
+            </a:spcAft>
+            <a:buNone/>
+          </a:pPr>
+          <a:r>
+            <a:rPr kumimoji="1" lang="en-US" altLang="ja-JP" sz="4800" kern="1200" dirty="0">
+              <a:latin typeface="Meiryo UI" panose="020B0604030504040204" pitchFamily="50" charset="-128"/>
+              <a:ea typeface="Meiryo UI" panose="020B0604030504040204" pitchFamily="50" charset="-128"/>
+            </a:rPr>
+            <a:t>DOM</a:t>
+          </a:r>
+          <a:endParaRPr kumimoji="1" lang="ja-JP" altLang="en-US" sz="4800" kern="1200" dirty="0">
+            <a:latin typeface="Meiryo UI" panose="020B0604030504040204" pitchFamily="50" charset="-128"/>
+            <a:ea typeface="Meiryo UI" panose="020B0604030504040204" pitchFamily="50" charset="-128"/>
+          </a:endParaRPr>
+        </a:p>
+      </dsp:txBody>
+      <dsp:txXfrm>
+        <a:off x="1034574" y="3312736"/>
+        <a:ext cx="2326773" cy="1457220"/>
+      </dsp:txXfrm>
+    </dsp:sp>
+    <dsp:sp modelId="{9194DA16-8F15-4552-BEAE-8E782BD7D8D8}">
+      <dsp:nvSpPr>
+        <dsp:cNvPr id="0" name=""/>
+        <dsp:cNvSpPr/>
+      </dsp:nvSpPr>
+      <dsp:spPr>
+        <a:xfrm>
+          <a:off x="1909284" y="809272"/>
+          <a:ext cx="4309431" cy="4309431"/>
+        </a:xfrm>
+        <a:custGeom>
+          <a:avLst/>
+          <a:gdLst/>
+          <a:ahLst/>
+          <a:cxnLst/>
+          <a:rect l="0" t="0" r="0" b="0"/>
+          <a:pathLst>
+            <a:path>
+              <a:moveTo>
+                <a:pt x="14306" y="2402600"/>
+              </a:moveTo>
+              <a:arcTo wR="2154715" hR="2154715" stAng="10403635" swAng="3648625"/>
+            </a:path>
+          </a:pathLst>
+        </a:custGeom>
+        <a:noFill/>
+        <a:ln w="9525" cap="rnd" cmpd="sng" algn="ctr">
+          <a:solidFill>
+            <a:schemeClr val="accent3">
+              <a:hueOff val="0"/>
+              <a:satOff val="0"/>
+              <a:lumOff val="0"/>
+              <a:alphaOff val="0"/>
+            </a:schemeClr>
+          </a:solidFill>
+          <a:prstDash val="solid"/>
+        </a:ln>
+        <a:effectLst/>
+      </dsp:spPr>
+      <dsp:style>
+        <a:lnRef idx="1">
+          <a:scrgbClr r="0" g="0" b="0"/>
+        </a:lnRef>
+        <a:fillRef idx="0">
+          <a:scrgbClr r="0" g="0" b="0"/>
+        </a:fillRef>
+        <a:effectRef idx="0">
+          <a:scrgbClr r="0" g="0" b="0"/>
+        </a:effectRef>
+        <a:fontRef idx="minor"/>
+      </dsp:style>
+    </dsp:sp>
   </dsp:spTree>
 </dsp:drawing>
 </file>
 
 <file path=ppt/diagrams/drawing5.xml><?xml version="1.0" encoding="utf-8"?>
+<dsp:drawing xmlns:dgm="http://schemas.openxmlformats.org/drawingml/2006/diagram" xmlns:dsp="http://schemas.microsoft.com/office/drawing/2008/diagram" xmlns:a="http://schemas.openxmlformats.org/drawingml/2006/main">
+  <dsp:spTree>
+    <dsp:nvGrpSpPr>
+      <dsp:cNvPr id="0" name=""/>
+      <dsp:cNvGrpSpPr/>
+    </dsp:nvGrpSpPr>
+    <dsp:grpSpPr/>
+  </dsp:spTree>
+</dsp:drawing>
+</file>
+
+<file path=ppt/diagrams/drawing6.xml><?xml version="1.0" encoding="utf-8"?>
 <dsp:drawing xmlns:dgm="http://schemas.openxmlformats.org/drawingml/2006/diagram" xmlns:dsp="http://schemas.microsoft.com/office/drawing/2008/diagram" xmlns:a="http://schemas.openxmlformats.org/drawingml/2006/main">
   <dsp:spTree>
     <dsp:nvGrpSpPr>
@@ -9234,7 +8976,7 @@
 </dsp:drawing>
 </file>
 
-<file path=ppt/diagrams/drawing6.xml><?xml version="1.0" encoding="utf-8"?>
+<file path=ppt/diagrams/drawing7.xml><?xml version="1.0" encoding="utf-8"?>
 <dsp:drawing xmlns:dgm="http://schemas.openxmlformats.org/drawingml/2006/diagram" xmlns:dsp="http://schemas.microsoft.com/office/drawing/2008/diagram" xmlns:a="http://schemas.openxmlformats.org/drawingml/2006/main">
   <dsp:spTree>
     <dsp:nvGrpSpPr>
@@ -9246,545 +8988,7 @@
 </dsp:drawing>
 </file>
 
-<file path=ppt/diagrams/drawing7.xml><?xml version="1.0" encoding="utf-8"?>
-<dsp:drawing xmlns:dgm="http://schemas.openxmlformats.org/drawingml/2006/diagram" xmlns:dsp="http://schemas.microsoft.com/office/drawing/2008/diagram" xmlns:a="http://schemas.openxmlformats.org/drawingml/2006/main">
-  <dsp:spTree>
-    <dsp:nvGrpSpPr>
-      <dsp:cNvPr id="0" name=""/>
-      <dsp:cNvGrpSpPr/>
-    </dsp:nvGrpSpPr>
-    <dsp:grpSpPr/>
-    <dsp:sp modelId="{6A709479-EF5A-47CE-925B-93E0E889C4C2}">
-      <dsp:nvSpPr>
-        <dsp:cNvPr id="0" name=""/>
-        <dsp:cNvSpPr/>
-      </dsp:nvSpPr>
-      <dsp:spPr>
-        <a:xfrm>
-          <a:off x="2821781" y="1830"/>
-          <a:ext cx="2484437" cy="1614884"/>
-        </a:xfrm>
-        <a:prstGeom prst="roundRect">
-          <a:avLst/>
-        </a:prstGeom>
-        <a:gradFill rotWithShape="0">
-          <a:gsLst>
-            <a:gs pos="0">
-              <a:schemeClr val="accent3">
-                <a:hueOff val="0"/>
-                <a:satOff val="0"/>
-                <a:lumOff val="0"/>
-                <a:alphaOff val="0"/>
-                <a:tint val="98000"/>
-                <a:hueMod val="94000"/>
-                <a:satMod val="130000"/>
-                <a:lumMod val="128000"/>
-              </a:schemeClr>
-            </a:gs>
-            <a:gs pos="100000">
-              <a:schemeClr val="accent3">
-                <a:hueOff val="0"/>
-                <a:satOff val="0"/>
-                <a:lumOff val="0"/>
-                <a:alphaOff val="0"/>
-                <a:shade val="94000"/>
-                <a:lumMod val="88000"/>
-              </a:schemeClr>
-            </a:gs>
-          </a:gsLst>
-          <a:lin ang="5400000" scaled="0"/>
-        </a:gradFill>
-        <a:ln>
-          <a:noFill/>
-        </a:ln>
-        <a:effectLst>
-          <a:outerShdw blurRad="50800" dist="38100" dir="5400000" rotWithShape="0">
-            <a:srgbClr val="000000">
-              <a:alpha val="46000"/>
-            </a:srgbClr>
-          </a:outerShdw>
-        </a:effectLst>
-        <a:scene3d>
-          <a:camera prst="orthographicFront">
-            <a:rot lat="0" lon="0" rev="0"/>
-          </a:camera>
-          <a:lightRig rig="threePt" dir="t"/>
-        </a:scene3d>
-        <a:sp3d prstMaterial="plastic">
-          <a:bevelT w="25400" h="25400"/>
-        </a:sp3d>
-      </dsp:spPr>
-      <dsp:style>
-        <a:lnRef idx="0">
-          <a:scrgbClr r="0" g="0" b="0"/>
-        </a:lnRef>
-        <a:fillRef idx="3">
-          <a:scrgbClr r="0" g="0" b="0"/>
-        </a:fillRef>
-        <a:effectRef idx="3">
-          <a:scrgbClr r="0" g="0" b="0"/>
-        </a:effectRef>
-        <a:fontRef idx="minor">
-          <a:schemeClr val="lt1"/>
-        </a:fontRef>
-      </dsp:style>
-      <dsp:txBody>
-        <a:bodyPr spcFirstLastPara="0" vert="horz" wrap="square" lIns="182880" tIns="182880" rIns="182880" bIns="182880" numCol="1" spcCol="1270" anchor="ctr" anchorCtr="0">
-          <a:noAutofit/>
-        </a:bodyPr>
-        <a:lstStyle/>
-        <a:p>
-          <a:pPr marL="0" lvl="0" indent="0" algn="ctr" defTabSz="2133600">
-            <a:lnSpc>
-              <a:spcPct val="90000"/>
-            </a:lnSpc>
-            <a:spcBef>
-              <a:spcPct val="0"/>
-            </a:spcBef>
-            <a:spcAft>
-              <a:spcPct val="35000"/>
-            </a:spcAft>
-            <a:buNone/>
-          </a:pPr>
-          <a:r>
-            <a:rPr kumimoji="1" lang="en-US" altLang="ja-JP" sz="4800" kern="1200" dirty="0">
-              <a:latin typeface="Meiryo UI" panose="020B0604030504040204" pitchFamily="50" charset="-128"/>
-              <a:ea typeface="Meiryo UI" panose="020B0604030504040204" pitchFamily="50" charset="-128"/>
-            </a:rPr>
-            <a:t>Java</a:t>
-          </a:r>
-          <a:r>
-            <a:rPr kumimoji="1" lang="ja-JP" altLang="en-US" sz="4800" kern="1200" dirty="0">
-              <a:latin typeface="Meiryo UI" panose="020B0604030504040204" pitchFamily="50" charset="-128"/>
-              <a:ea typeface="Meiryo UI" panose="020B0604030504040204" pitchFamily="50" charset="-128"/>
-            </a:rPr>
-            <a:t>　</a:t>
-          </a:r>
-          <a:r>
-            <a:rPr kumimoji="1" lang="en-US" altLang="ja-JP" sz="4800" kern="1200" dirty="0">
-              <a:latin typeface="Meiryo UI" panose="020B0604030504040204" pitchFamily="50" charset="-128"/>
-              <a:ea typeface="Meiryo UI" panose="020B0604030504040204" pitchFamily="50" charset="-128"/>
-            </a:rPr>
-            <a:t>Script</a:t>
-          </a:r>
-          <a:endParaRPr kumimoji="1" lang="ja-JP" altLang="en-US" sz="4800" kern="1200" dirty="0">
-            <a:latin typeface="Meiryo UI" panose="020B0604030504040204" pitchFamily="50" charset="-128"/>
-            <a:ea typeface="Meiryo UI" panose="020B0604030504040204" pitchFamily="50" charset="-128"/>
-          </a:endParaRPr>
-        </a:p>
-      </dsp:txBody>
-      <dsp:txXfrm>
-        <a:off x="2900613" y="80662"/>
-        <a:ext cx="2326773" cy="1457220"/>
-      </dsp:txXfrm>
-    </dsp:sp>
-    <dsp:sp modelId="{9F53B856-4CE9-4B0D-A3C2-667B786F47B9}">
-      <dsp:nvSpPr>
-        <dsp:cNvPr id="0" name=""/>
-        <dsp:cNvSpPr/>
-      </dsp:nvSpPr>
-      <dsp:spPr>
-        <a:xfrm>
-          <a:off x="1909284" y="809272"/>
-          <a:ext cx="4309431" cy="4309431"/>
-        </a:xfrm>
-        <a:custGeom>
-          <a:avLst/>
-          <a:gdLst/>
-          <a:ahLst/>
-          <a:cxnLst/>
-          <a:rect l="0" t="0" r="0" b="0"/>
-          <a:pathLst>
-            <a:path>
-              <a:moveTo>
-                <a:pt x="3415001" y="407008"/>
-              </a:moveTo>
-              <a:arcTo wR="2154715" hR="2154715" stAng="18347740" swAng="3648625"/>
-            </a:path>
-          </a:pathLst>
-        </a:custGeom>
-        <a:noFill/>
-        <a:ln w="9525" cap="rnd" cmpd="sng" algn="ctr">
-          <a:solidFill>
-            <a:schemeClr val="accent3">
-              <a:hueOff val="0"/>
-              <a:satOff val="0"/>
-              <a:lumOff val="0"/>
-              <a:alphaOff val="0"/>
-            </a:schemeClr>
-          </a:solidFill>
-          <a:prstDash val="solid"/>
-        </a:ln>
-        <a:effectLst/>
-      </dsp:spPr>
-      <dsp:style>
-        <a:lnRef idx="1">
-          <a:scrgbClr r="0" g="0" b="0"/>
-        </a:lnRef>
-        <a:fillRef idx="0">
-          <a:scrgbClr r="0" g="0" b="0"/>
-        </a:fillRef>
-        <a:effectRef idx="0">
-          <a:scrgbClr r="0" g="0" b="0"/>
-        </a:effectRef>
-        <a:fontRef idx="minor"/>
-      </dsp:style>
-    </dsp:sp>
-    <dsp:sp modelId="{32043D40-A051-486C-BB38-7E2878B6637A}">
-      <dsp:nvSpPr>
-        <dsp:cNvPr id="0" name=""/>
-        <dsp:cNvSpPr/>
-      </dsp:nvSpPr>
-      <dsp:spPr>
-        <a:xfrm>
-          <a:off x="4687819" y="3233904"/>
-          <a:ext cx="2484437" cy="1614884"/>
-        </a:xfrm>
-        <a:prstGeom prst="roundRect">
-          <a:avLst/>
-        </a:prstGeom>
-        <a:gradFill rotWithShape="0">
-          <a:gsLst>
-            <a:gs pos="0">
-              <a:schemeClr val="accent3">
-                <a:hueOff val="0"/>
-                <a:satOff val="0"/>
-                <a:lumOff val="0"/>
-                <a:alphaOff val="0"/>
-                <a:tint val="98000"/>
-                <a:hueMod val="94000"/>
-                <a:satMod val="130000"/>
-                <a:lumMod val="128000"/>
-              </a:schemeClr>
-            </a:gs>
-            <a:gs pos="100000">
-              <a:schemeClr val="accent3">
-                <a:hueOff val="0"/>
-                <a:satOff val="0"/>
-                <a:lumOff val="0"/>
-                <a:alphaOff val="0"/>
-                <a:shade val="94000"/>
-                <a:lumMod val="88000"/>
-              </a:schemeClr>
-            </a:gs>
-          </a:gsLst>
-          <a:lin ang="5400000" scaled="0"/>
-        </a:gradFill>
-        <a:ln>
-          <a:noFill/>
-        </a:ln>
-        <a:effectLst>
-          <a:outerShdw blurRad="50800" dist="38100" dir="5400000" rotWithShape="0">
-            <a:srgbClr val="000000">
-              <a:alpha val="46000"/>
-            </a:srgbClr>
-          </a:outerShdw>
-        </a:effectLst>
-        <a:scene3d>
-          <a:camera prst="orthographicFront">
-            <a:rot lat="0" lon="0" rev="0"/>
-          </a:camera>
-          <a:lightRig rig="threePt" dir="t"/>
-        </a:scene3d>
-        <a:sp3d prstMaterial="plastic">
-          <a:bevelT w="25400" h="25400"/>
-        </a:sp3d>
-      </dsp:spPr>
-      <dsp:style>
-        <a:lnRef idx="0">
-          <a:scrgbClr r="0" g="0" b="0"/>
-        </a:lnRef>
-        <a:fillRef idx="3">
-          <a:scrgbClr r="0" g="0" b="0"/>
-        </a:fillRef>
-        <a:effectRef idx="3">
-          <a:scrgbClr r="0" g="0" b="0"/>
-        </a:effectRef>
-        <a:fontRef idx="minor">
-          <a:schemeClr val="lt1"/>
-        </a:fontRef>
-      </dsp:style>
-      <dsp:txBody>
-        <a:bodyPr spcFirstLastPara="0" vert="horz" wrap="square" lIns="182880" tIns="182880" rIns="182880" bIns="182880" numCol="1" spcCol="1270" anchor="ctr" anchorCtr="0">
-          <a:noAutofit/>
-        </a:bodyPr>
-        <a:lstStyle/>
-        <a:p>
-          <a:pPr marL="0" lvl="0" indent="0" algn="ctr" defTabSz="2133600">
-            <a:lnSpc>
-              <a:spcPct val="90000"/>
-            </a:lnSpc>
-            <a:spcBef>
-              <a:spcPct val="0"/>
-            </a:spcBef>
-            <a:spcAft>
-              <a:spcPct val="35000"/>
-            </a:spcAft>
-            <a:buNone/>
-          </a:pPr>
-          <a:r>
-            <a:rPr kumimoji="1" lang="en-US" altLang="ja-JP" sz="4800" kern="1200" dirty="0">
-              <a:latin typeface="Meiryo UI" panose="020B0604030504040204" pitchFamily="50" charset="-128"/>
-              <a:ea typeface="Meiryo UI" panose="020B0604030504040204" pitchFamily="50" charset="-128"/>
-            </a:rPr>
-            <a:t>Boot</a:t>
-          </a:r>
-          <a:r>
-            <a:rPr kumimoji="1" lang="ja-JP" altLang="en-US" sz="4800" kern="1200" dirty="0">
-              <a:latin typeface="Meiryo UI" panose="020B0604030504040204" pitchFamily="50" charset="-128"/>
-              <a:ea typeface="Meiryo UI" panose="020B0604030504040204" pitchFamily="50" charset="-128"/>
-            </a:rPr>
-            <a:t>　</a:t>
-          </a:r>
-          <a:r>
-            <a:rPr kumimoji="1" lang="en-US" altLang="ja-JP" sz="4800" kern="1200" dirty="0">
-              <a:latin typeface="Meiryo UI" panose="020B0604030504040204" pitchFamily="50" charset="-128"/>
-              <a:ea typeface="Meiryo UI" panose="020B0604030504040204" pitchFamily="50" charset="-128"/>
-            </a:rPr>
-            <a:t>Camp</a:t>
-          </a:r>
-          <a:endParaRPr kumimoji="1" lang="ja-JP" altLang="en-US" sz="4800" kern="1200" dirty="0">
-            <a:latin typeface="Meiryo UI" panose="020B0604030504040204" pitchFamily="50" charset="-128"/>
-            <a:ea typeface="Meiryo UI" panose="020B0604030504040204" pitchFamily="50" charset="-128"/>
-          </a:endParaRPr>
-        </a:p>
-      </dsp:txBody>
-      <dsp:txXfrm>
-        <a:off x="4766651" y="3312736"/>
-        <a:ext cx="2326773" cy="1457220"/>
-      </dsp:txXfrm>
-    </dsp:sp>
-    <dsp:sp modelId="{DF2CC9E3-9FCF-4586-96A5-56ED852418BB}">
-      <dsp:nvSpPr>
-        <dsp:cNvPr id="0" name=""/>
-        <dsp:cNvSpPr/>
-      </dsp:nvSpPr>
-      <dsp:spPr>
-        <a:xfrm>
-          <a:off x="1909284" y="809272"/>
-          <a:ext cx="4309431" cy="4309431"/>
-        </a:xfrm>
-        <a:custGeom>
-          <a:avLst/>
-          <a:gdLst/>
-          <a:ahLst/>
-          <a:cxnLst/>
-          <a:rect l="0" t="0" r="0" b="0"/>
-          <a:pathLst>
-            <a:path>
-              <a:moveTo>
-                <a:pt x="3180587" y="4049547"/>
-              </a:moveTo>
-              <a:arcTo wR="2154715" hR="2154715" stAng="3694120" swAng="3411761"/>
-            </a:path>
-          </a:pathLst>
-        </a:custGeom>
-        <a:noFill/>
-        <a:ln w="9525" cap="rnd" cmpd="sng" algn="ctr">
-          <a:solidFill>
-            <a:schemeClr val="accent3">
-              <a:hueOff val="0"/>
-              <a:satOff val="0"/>
-              <a:lumOff val="0"/>
-              <a:alphaOff val="0"/>
-            </a:schemeClr>
-          </a:solidFill>
-          <a:prstDash val="solid"/>
-        </a:ln>
-        <a:effectLst/>
-      </dsp:spPr>
-      <dsp:style>
-        <a:lnRef idx="1">
-          <a:scrgbClr r="0" g="0" b="0"/>
-        </a:lnRef>
-        <a:fillRef idx="0">
-          <a:scrgbClr r="0" g="0" b="0"/>
-        </a:fillRef>
-        <a:effectRef idx="0">
-          <a:scrgbClr r="0" g="0" b="0"/>
-        </a:effectRef>
-        <a:fontRef idx="minor"/>
-      </dsp:style>
-    </dsp:sp>
-    <dsp:sp modelId="{CA12330D-A3B9-4A75-89C0-1315CF45C994}">
-      <dsp:nvSpPr>
-        <dsp:cNvPr id="0" name=""/>
-        <dsp:cNvSpPr/>
-      </dsp:nvSpPr>
-      <dsp:spPr>
-        <a:xfrm>
-          <a:off x="955742" y="3233904"/>
-          <a:ext cx="2484437" cy="1614884"/>
-        </a:xfrm>
-        <a:prstGeom prst="roundRect">
-          <a:avLst/>
-        </a:prstGeom>
-        <a:gradFill rotWithShape="0">
-          <a:gsLst>
-            <a:gs pos="0">
-              <a:schemeClr val="accent3">
-                <a:hueOff val="0"/>
-                <a:satOff val="0"/>
-                <a:lumOff val="0"/>
-                <a:alphaOff val="0"/>
-                <a:tint val="98000"/>
-                <a:hueMod val="94000"/>
-                <a:satMod val="130000"/>
-                <a:lumMod val="128000"/>
-              </a:schemeClr>
-            </a:gs>
-            <a:gs pos="100000">
-              <a:schemeClr val="accent3">
-                <a:hueOff val="0"/>
-                <a:satOff val="0"/>
-                <a:lumOff val="0"/>
-                <a:alphaOff val="0"/>
-                <a:shade val="94000"/>
-                <a:lumMod val="88000"/>
-              </a:schemeClr>
-            </a:gs>
-          </a:gsLst>
-          <a:lin ang="5400000" scaled="0"/>
-        </a:gradFill>
-        <a:ln>
-          <a:noFill/>
-        </a:ln>
-        <a:effectLst>
-          <a:outerShdw blurRad="50800" dist="38100" dir="5400000" rotWithShape="0">
-            <a:srgbClr val="000000">
-              <a:alpha val="46000"/>
-            </a:srgbClr>
-          </a:outerShdw>
-        </a:effectLst>
-        <a:scene3d>
-          <a:camera prst="orthographicFront">
-            <a:rot lat="0" lon="0" rev="0"/>
-          </a:camera>
-          <a:lightRig rig="threePt" dir="t"/>
-        </a:scene3d>
-        <a:sp3d prstMaterial="plastic">
-          <a:bevelT w="25400" h="25400"/>
-        </a:sp3d>
-      </dsp:spPr>
-      <dsp:style>
-        <a:lnRef idx="0">
-          <a:scrgbClr r="0" g="0" b="0"/>
-        </a:lnRef>
-        <a:fillRef idx="3">
-          <a:scrgbClr r="0" g="0" b="0"/>
-        </a:fillRef>
-        <a:effectRef idx="3">
-          <a:scrgbClr r="0" g="0" b="0"/>
-        </a:effectRef>
-        <a:fontRef idx="minor">
-          <a:schemeClr val="lt1"/>
-        </a:fontRef>
-      </dsp:style>
-      <dsp:txBody>
-        <a:bodyPr spcFirstLastPara="0" vert="horz" wrap="square" lIns="182880" tIns="182880" rIns="182880" bIns="182880" numCol="1" spcCol="1270" anchor="ctr" anchorCtr="0">
-          <a:noAutofit/>
-        </a:bodyPr>
-        <a:lstStyle/>
-        <a:p>
-          <a:pPr marL="0" lvl="0" indent="0" algn="ctr" defTabSz="2133600">
-            <a:lnSpc>
-              <a:spcPct val="90000"/>
-            </a:lnSpc>
-            <a:spcBef>
-              <a:spcPct val="0"/>
-            </a:spcBef>
-            <a:spcAft>
-              <a:spcPct val="35000"/>
-            </a:spcAft>
-            <a:buNone/>
-          </a:pPr>
-          <a:r>
-            <a:rPr kumimoji="1" lang="en-US" altLang="ja-JP" sz="4800" kern="1200" dirty="0">
-              <a:latin typeface="Meiryo UI" panose="020B0604030504040204" pitchFamily="50" charset="-128"/>
-              <a:ea typeface="Meiryo UI" panose="020B0604030504040204" pitchFamily="50" charset="-128"/>
-            </a:rPr>
-            <a:t>DOM</a:t>
-          </a:r>
-          <a:endParaRPr kumimoji="1" lang="ja-JP" altLang="en-US" sz="4800" kern="1200" dirty="0">
-            <a:latin typeface="Meiryo UI" panose="020B0604030504040204" pitchFamily="50" charset="-128"/>
-            <a:ea typeface="Meiryo UI" panose="020B0604030504040204" pitchFamily="50" charset="-128"/>
-          </a:endParaRPr>
-        </a:p>
-      </dsp:txBody>
-      <dsp:txXfrm>
-        <a:off x="1034574" y="3312736"/>
-        <a:ext cx="2326773" cy="1457220"/>
-      </dsp:txXfrm>
-    </dsp:sp>
-    <dsp:sp modelId="{9194DA16-8F15-4552-BEAE-8E782BD7D8D8}">
-      <dsp:nvSpPr>
-        <dsp:cNvPr id="0" name=""/>
-        <dsp:cNvSpPr/>
-      </dsp:nvSpPr>
-      <dsp:spPr>
-        <a:xfrm>
-          <a:off x="1909284" y="809272"/>
-          <a:ext cx="4309431" cy="4309431"/>
-        </a:xfrm>
-        <a:custGeom>
-          <a:avLst/>
-          <a:gdLst/>
-          <a:ahLst/>
-          <a:cxnLst/>
-          <a:rect l="0" t="0" r="0" b="0"/>
-          <a:pathLst>
-            <a:path>
-              <a:moveTo>
-                <a:pt x="14306" y="2402600"/>
-              </a:moveTo>
-              <a:arcTo wR="2154715" hR="2154715" stAng="10403635" swAng="3648625"/>
-            </a:path>
-          </a:pathLst>
-        </a:custGeom>
-        <a:noFill/>
-        <a:ln w="9525" cap="rnd" cmpd="sng" algn="ctr">
-          <a:solidFill>
-            <a:schemeClr val="accent3">
-              <a:hueOff val="0"/>
-              <a:satOff val="0"/>
-              <a:lumOff val="0"/>
-              <a:alphaOff val="0"/>
-            </a:schemeClr>
-          </a:solidFill>
-          <a:prstDash val="solid"/>
-        </a:ln>
-        <a:effectLst/>
-      </dsp:spPr>
-      <dsp:style>
-        <a:lnRef idx="1">
-          <a:scrgbClr r="0" g="0" b="0"/>
-        </a:lnRef>
-        <a:fillRef idx="0">
-          <a:scrgbClr r="0" g="0" b="0"/>
-        </a:fillRef>
-        <a:effectRef idx="0">
-          <a:scrgbClr r="0" g="0" b="0"/>
-        </a:effectRef>
-        <a:fontRef idx="minor"/>
-      </dsp:style>
-    </dsp:sp>
-  </dsp:spTree>
-</dsp:drawing>
-</file>
-
 <file path=ppt/diagrams/drawing8.xml><?xml version="1.0" encoding="utf-8"?>
-<dsp:drawing xmlns:dgm="http://schemas.openxmlformats.org/drawingml/2006/diagram" xmlns:dsp="http://schemas.microsoft.com/office/drawing/2008/diagram" xmlns:a="http://schemas.openxmlformats.org/drawingml/2006/main">
-  <dsp:spTree>
-    <dsp:nvGrpSpPr>
-      <dsp:cNvPr id="0" name=""/>
-      <dsp:cNvGrpSpPr/>
-    </dsp:nvGrpSpPr>
-    <dsp:grpSpPr/>
-  </dsp:spTree>
-</dsp:drawing>
-</file>
-
-<file path=ppt/diagrams/drawing9.xml><?xml version="1.0" encoding="utf-8"?>
 <dsp:drawing xmlns:dgm="http://schemas.openxmlformats.org/drawingml/2006/diagram" xmlns:dsp="http://schemas.microsoft.com/office/drawing/2008/diagram" xmlns:a="http://schemas.openxmlformats.org/drawingml/2006/main">
   <dsp:spTree>
     <dsp:nvGrpSpPr>
@@ -11982,215 +11186,6 @@
 </dgm:layoutDef>
 </file>
 
-<file path=ppt/diagrams/layout9.xml><?xml version="1.0" encoding="utf-8"?>
-<dgm:layoutDef xmlns:dgm="http://schemas.openxmlformats.org/drawingml/2006/diagram" xmlns:a="http://schemas.openxmlformats.org/drawingml/2006/main" uniqueId="urn:microsoft.com/office/officeart/2005/8/layout/cycle6">
-  <dgm:title val=""/>
-  <dgm:desc val=""/>
-  <dgm:catLst>
-    <dgm:cat type="cycle" pri="4000"/>
-    <dgm:cat type="relationship" pri="24000"/>
-  </dgm:catLst>
-  <dgm:sampData>
-    <dgm:dataModel>
-      <dgm:ptLst>
-        <dgm:pt modelId="0" type="doc"/>
-        <dgm:pt modelId="1">
-          <dgm:prSet phldr="1"/>
-        </dgm:pt>
-        <dgm:pt modelId="2">
-          <dgm:prSet phldr="1"/>
-        </dgm:pt>
-        <dgm:pt modelId="3">
-          <dgm:prSet phldr="1"/>
-        </dgm:pt>
-        <dgm:pt modelId="4">
-          <dgm:prSet phldr="1"/>
-        </dgm:pt>
-        <dgm:pt modelId="5">
-          <dgm:prSet phldr="1"/>
-        </dgm:pt>
-      </dgm:ptLst>
-      <dgm:cxnLst>
-        <dgm:cxn modelId="6" srcId="0" destId="1" srcOrd="0" destOrd="0"/>
-        <dgm:cxn modelId="7" srcId="0" destId="2" srcOrd="1" destOrd="0"/>
-        <dgm:cxn modelId="8" srcId="0" destId="3" srcOrd="2" destOrd="0"/>
-        <dgm:cxn modelId="9" srcId="0" destId="4" srcOrd="3" destOrd="0"/>
-        <dgm:cxn modelId="10" srcId="0" destId="5" srcOrd="4" destOrd="0"/>
-      </dgm:cxnLst>
-      <dgm:bg/>
-      <dgm:whole/>
-    </dgm:dataModel>
-  </dgm:sampData>
-  <dgm:styleData>
-    <dgm:dataModel>
-      <dgm:ptLst>
-        <dgm:pt modelId="0" type="doc"/>
-        <dgm:pt modelId="1"/>
-        <dgm:pt modelId="2"/>
-        <dgm:pt modelId="3"/>
-      </dgm:ptLst>
-      <dgm:cxnLst>
-        <dgm:cxn modelId="4" srcId="0" destId="1" srcOrd="0" destOrd="0"/>
-        <dgm:cxn modelId="5" srcId="0" destId="2" srcOrd="1" destOrd="0"/>
-        <dgm:cxn modelId="6" srcId="0" destId="3" srcOrd="2" destOrd="0"/>
-      </dgm:cxnLst>
-      <dgm:bg/>
-      <dgm:whole/>
-    </dgm:dataModel>
-  </dgm:styleData>
-  <dgm:clrData>
-    <dgm:dataModel>
-      <dgm:ptLst>
-        <dgm:pt modelId="0" type="doc"/>
-        <dgm:pt modelId="1"/>
-        <dgm:pt modelId="2"/>
-        <dgm:pt modelId="3"/>
-        <dgm:pt modelId="4"/>
-        <dgm:pt modelId="5"/>
-        <dgm:pt modelId="6"/>
-      </dgm:ptLst>
-      <dgm:cxnLst>
-        <dgm:cxn modelId="7" srcId="0" destId="1" srcOrd="0" destOrd="0"/>
-        <dgm:cxn modelId="8" srcId="0" destId="2" srcOrd="1" destOrd="0"/>
-        <dgm:cxn modelId="9" srcId="0" destId="3" srcOrd="2" destOrd="0"/>
-        <dgm:cxn modelId="10" srcId="0" destId="4" srcOrd="3" destOrd="0"/>
-        <dgm:cxn modelId="11" srcId="0" destId="5" srcOrd="4" destOrd="0"/>
-        <dgm:cxn modelId="12" srcId="0" destId="6" srcOrd="5" destOrd="0"/>
-      </dgm:cxnLst>
-      <dgm:bg/>
-      <dgm:whole/>
-    </dgm:dataModel>
-  </dgm:clrData>
-  <dgm:layoutNode name="cycle">
-    <dgm:varLst>
-      <dgm:dir/>
-      <dgm:resizeHandles val="exact"/>
-    </dgm:varLst>
-    <dgm:choose name="Name0">
-      <dgm:if name="Name1" func="var" arg="dir" op="equ" val="norm">
-        <dgm:choose name="Name2">
-          <dgm:if name="Name3" axis="ch" ptType="node" func="cnt" op="gt" val="2">
-            <dgm:alg type="cycle">
-              <dgm:param type="stAng" val="0"/>
-              <dgm:param type="spanAng" val="360"/>
-            </dgm:alg>
-          </dgm:if>
-          <dgm:else name="Name4">
-            <dgm:alg type="cycle">
-              <dgm:param type="stAng" val="-90"/>
-              <dgm:param type="spanAng" val="360"/>
-            </dgm:alg>
-          </dgm:else>
-        </dgm:choose>
-      </dgm:if>
-      <dgm:else name="Name5">
-        <dgm:choose name="Name6">
-          <dgm:if name="Name7" axis="ch" ptType="node" func="cnt" op="gt" val="2">
-            <dgm:alg type="cycle">
-              <dgm:param type="stAng" val="0"/>
-              <dgm:param type="spanAng" val="-360"/>
-            </dgm:alg>
-          </dgm:if>
-          <dgm:else name="Name8">
-            <dgm:alg type="cycle">
-              <dgm:param type="stAng" val="90"/>
-              <dgm:param type="spanAng" val="-360"/>
-            </dgm:alg>
-          </dgm:else>
-        </dgm:choose>
-      </dgm:else>
-    </dgm:choose>
-    <dgm:shape xmlns:r="http://schemas.openxmlformats.org/officeDocument/2006/relationships" r:blip="">
-      <dgm:adjLst/>
-    </dgm:shape>
-    <dgm:presOf/>
-    <dgm:choose name="Name9">
-      <dgm:if name="Name10" func="var" arg="dir" op="equ" val="norm">
-        <dgm:constrLst>
-          <dgm:constr type="w" for="ch" forName="node" refType="w"/>
-          <dgm:constr type="w" for="ch" ptType="sibTrans" refType="w" refFor="ch" refForName="node" op="equ" fact="0.3"/>
-          <dgm:constr type="diam" for="ch" ptType="sibTrans" refType="diam" op="equ"/>
-          <dgm:constr type="sibSp" refType="w" refFor="ch" refForName="node" op="equ" fact="0.15"/>
-          <dgm:constr type="w" for="ch" forName="spNode" refType="sibSp" fact="1.6"/>
-          <dgm:constr type="primFontSz" for="ch" forName="node" op="equ" val="65"/>
-        </dgm:constrLst>
-      </dgm:if>
-      <dgm:else name="Name11">
-        <dgm:constrLst>
-          <dgm:constr type="w" for="ch" forName="node" refType="w"/>
-          <dgm:constr type="w" for="ch" ptType="sibTrans" refType="w" refFor="ch" refForName="node" op="equ" fact="0.3"/>
-          <dgm:constr type="diam" for="ch" ptType="sibTrans" refType="diam" op="equ" fact="-1"/>
-          <dgm:constr type="sibSp" refType="w" refFor="ch" refForName="node" op="equ" fact="0.15"/>
-          <dgm:constr type="w" for="ch" forName="spNode" refType="sibSp" fact="1.6"/>
-          <dgm:constr type="primFontSz" for="ch" forName="node" op="equ" val="65"/>
-        </dgm:constrLst>
-      </dgm:else>
-    </dgm:choose>
-    <dgm:ruleLst/>
-    <dgm:forEach name="Name12" axis="ch" ptType="node">
-      <dgm:layoutNode name="node">
-        <dgm:varLst>
-          <dgm:bulletEnabled val="1"/>
-        </dgm:varLst>
-        <dgm:alg type="tx"/>
-        <dgm:shape xmlns:r="http://schemas.openxmlformats.org/officeDocument/2006/relationships" type="roundRect" r:blip="">
-          <dgm:adjLst/>
-        </dgm:shape>
-        <dgm:presOf axis="desOrSelf" ptType="node"/>
-        <dgm:constrLst>
-          <dgm:constr type="h" refType="w" fact="0.65"/>
-          <dgm:constr type="tMarg" refType="primFontSz" fact="0.3"/>
-          <dgm:constr type="bMarg" refType="primFontSz" fact="0.3"/>
-          <dgm:constr type="lMarg" refType="primFontSz" fact="0.3"/>
-          <dgm:constr type="rMarg" refType="primFontSz" fact="0.3"/>
-        </dgm:constrLst>
-        <dgm:ruleLst>
-          <dgm:rule type="primFontSz" val="5" fact="NaN" max="NaN"/>
-        </dgm:ruleLst>
-      </dgm:layoutNode>
-      <dgm:choose name="Name13">
-        <dgm:if name="Name14" axis="par ch" ptType="doc node" func="cnt" op="gt" val="1">
-          <dgm:layoutNode name="spNode">
-            <dgm:alg type="sp"/>
-            <dgm:shape xmlns:r="http://schemas.openxmlformats.org/officeDocument/2006/relationships" r:blip="">
-              <dgm:adjLst/>
-            </dgm:shape>
-            <dgm:presOf/>
-            <dgm:constrLst>
-              <dgm:constr type="h" refType="w"/>
-            </dgm:constrLst>
-            <dgm:ruleLst/>
-          </dgm:layoutNode>
-          <dgm:forEach name="Name15" axis="followSib" ptType="sibTrans" hideLastTrans="0" cnt="1">
-            <dgm:layoutNode name="sibTrans">
-              <dgm:alg type="conn">
-                <dgm:param type="dim" val="1D"/>
-                <dgm:param type="connRout" val="curve"/>
-                <dgm:param type="begPts" val="radial"/>
-                <dgm:param type="endPts" val="radial"/>
-                <dgm:param type="endSty" val="noArr"/>
-              </dgm:alg>
-              <dgm:shape xmlns:r="http://schemas.openxmlformats.org/officeDocument/2006/relationships" type="conn" r:blip="">
-                <dgm:adjLst/>
-              </dgm:shape>
-              <dgm:presOf axis="self"/>
-              <dgm:constrLst>
-                <dgm:constr type="h" refType="w" fact="0.65"/>
-                <dgm:constr type="connDist"/>
-                <dgm:constr type="begPad" refType="connDist" fact="0.01"/>
-                <dgm:constr type="endPad" refType="connDist" fact="0.01"/>
-              </dgm:constrLst>
-              <dgm:ruleLst/>
-            </dgm:layoutNode>
-          </dgm:forEach>
-        </dgm:if>
-        <dgm:else name="Name16"/>
-      </dgm:choose>
-    </dgm:forEach>
-  </dgm:layoutNode>
-</dgm:layoutDef>
-</file>
-
 <file path=ppt/diagrams/quickStyle1.xml><?xml version="1.0" encoding="utf-8"?>
 <dgm:styleDef xmlns:dgm="http://schemas.openxmlformats.org/drawingml/2006/diagram" xmlns:a="http://schemas.openxmlformats.org/drawingml/2006/main" uniqueId="urn:microsoft.com/office/officeart/2005/8/quickstyle/simple5">
   <dgm:title val=""/>
@@ -15294,6 +14289,1040 @@
 </file>
 
 <file path=ppt/diagrams/quickStyle4.xml><?xml version="1.0" encoding="utf-8"?>
+<dgm:styleDef xmlns:dgm="http://schemas.openxmlformats.org/drawingml/2006/diagram" xmlns:a="http://schemas.openxmlformats.org/drawingml/2006/main" uniqueId="urn:microsoft.com/office/officeart/2005/8/quickstyle/simple5">
+  <dgm:title val=""/>
+  <dgm:desc val=""/>
+  <dgm:catLst>
+    <dgm:cat type="simple" pri="10500"/>
+  </dgm:catLst>
+  <dgm:scene3d>
+    <a:camera prst="orthographicFront"/>
+    <a:lightRig rig="threePt" dir="t"/>
+  </dgm:scene3d>
+  <dgm:styleLbl name="node0">
+    <dgm:scene3d>
+      <a:camera prst="orthographicFront"/>
+      <a:lightRig rig="threePt" dir="t"/>
+    </dgm:scene3d>
+    <dgm:sp3d/>
+    <dgm:txPr/>
+    <dgm:style>
+      <a:lnRef idx="0">
+        <a:scrgbClr r="0" g="0" b="0"/>
+      </a:lnRef>
+      <a:fillRef idx="3">
+        <a:scrgbClr r="0" g="0" b="0"/>
+      </a:fillRef>
+      <a:effectRef idx="3">
+        <a:scrgbClr r="0" g="0" b="0"/>
+      </a:effectRef>
+      <a:fontRef idx="minor">
+        <a:schemeClr val="lt1"/>
+      </a:fontRef>
+    </dgm:style>
+  </dgm:styleLbl>
+  <dgm:styleLbl name="lnNode1">
+    <dgm:scene3d>
+      <a:camera prst="orthographicFront"/>
+      <a:lightRig rig="threePt" dir="t"/>
+    </dgm:scene3d>
+    <dgm:sp3d/>
+    <dgm:txPr/>
+    <dgm:style>
+      <a:lnRef idx="0">
+        <a:scrgbClr r="0" g="0" b="0"/>
+      </a:lnRef>
+      <a:fillRef idx="3">
+        <a:scrgbClr r="0" g="0" b="0"/>
+      </a:fillRef>
+      <a:effectRef idx="3">
+        <a:scrgbClr r="0" g="0" b="0"/>
+      </a:effectRef>
+      <a:fontRef idx="minor">
+        <a:schemeClr val="lt1"/>
+      </a:fontRef>
+    </dgm:style>
+  </dgm:styleLbl>
+  <dgm:styleLbl name="vennNode1">
+    <dgm:scene3d>
+      <a:camera prst="orthographicFront"/>
+      <a:lightRig rig="threePt" dir="t"/>
+    </dgm:scene3d>
+    <dgm:sp3d/>
+    <dgm:txPr/>
+    <dgm:style>
+      <a:lnRef idx="0">
+        <a:scrgbClr r="0" g="0" b="0"/>
+      </a:lnRef>
+      <a:fillRef idx="3">
+        <a:scrgbClr r="0" g="0" b="0"/>
+      </a:fillRef>
+      <a:effectRef idx="3">
+        <a:scrgbClr r="0" g="0" b="0"/>
+      </a:effectRef>
+      <a:fontRef idx="minor">
+        <a:schemeClr val="tx1"/>
+      </a:fontRef>
+    </dgm:style>
+  </dgm:styleLbl>
+  <dgm:styleLbl name="alignNode1">
+    <dgm:scene3d>
+      <a:camera prst="orthographicFront"/>
+      <a:lightRig rig="threePt" dir="t"/>
+    </dgm:scene3d>
+    <dgm:sp3d/>
+    <dgm:txPr/>
+    <dgm:style>
+      <a:lnRef idx="1">
+        <a:scrgbClr r="0" g="0" b="0"/>
+      </a:lnRef>
+      <a:fillRef idx="3">
+        <a:scrgbClr r="0" g="0" b="0"/>
+      </a:fillRef>
+      <a:effectRef idx="3">
+        <a:scrgbClr r="0" g="0" b="0"/>
+      </a:effectRef>
+      <a:fontRef idx="minor">
+        <a:schemeClr val="lt1"/>
+      </a:fontRef>
+    </dgm:style>
+  </dgm:styleLbl>
+  <dgm:styleLbl name="node1">
+    <dgm:scene3d>
+      <a:camera prst="orthographicFront"/>
+      <a:lightRig rig="threePt" dir="t"/>
+    </dgm:scene3d>
+    <dgm:sp3d/>
+    <dgm:txPr/>
+    <dgm:style>
+      <a:lnRef idx="0">
+        <a:scrgbClr r="0" g="0" b="0"/>
+      </a:lnRef>
+      <a:fillRef idx="3">
+        <a:scrgbClr r="0" g="0" b="0"/>
+      </a:fillRef>
+      <a:effectRef idx="3">
+        <a:scrgbClr r="0" g="0" b="0"/>
+      </a:effectRef>
+      <a:fontRef idx="minor">
+        <a:schemeClr val="lt1"/>
+      </a:fontRef>
+    </dgm:style>
+  </dgm:styleLbl>
+  <dgm:styleLbl name="node2">
+    <dgm:scene3d>
+      <a:camera prst="orthographicFront"/>
+      <a:lightRig rig="threePt" dir="t"/>
+    </dgm:scene3d>
+    <dgm:sp3d/>
+    <dgm:txPr/>
+    <dgm:style>
+      <a:lnRef idx="0">
+        <a:scrgbClr r="0" g="0" b="0"/>
+      </a:lnRef>
+      <a:fillRef idx="3">
+        <a:scrgbClr r="0" g="0" b="0"/>
+      </a:fillRef>
+      <a:effectRef idx="3">
+        <a:scrgbClr r="0" g="0" b="0"/>
+      </a:effectRef>
+      <a:fontRef idx="minor">
+        <a:schemeClr val="lt1"/>
+      </a:fontRef>
+    </dgm:style>
+  </dgm:styleLbl>
+  <dgm:styleLbl name="node3">
+    <dgm:scene3d>
+      <a:camera prst="orthographicFront"/>
+      <a:lightRig rig="threePt" dir="t"/>
+    </dgm:scene3d>
+    <dgm:sp3d/>
+    <dgm:txPr/>
+    <dgm:style>
+      <a:lnRef idx="0">
+        <a:scrgbClr r="0" g="0" b="0"/>
+      </a:lnRef>
+      <a:fillRef idx="3">
+        <a:scrgbClr r="0" g="0" b="0"/>
+      </a:fillRef>
+      <a:effectRef idx="3">
+        <a:scrgbClr r="0" g="0" b="0"/>
+      </a:effectRef>
+      <a:fontRef idx="minor">
+        <a:schemeClr val="lt1"/>
+      </a:fontRef>
+    </dgm:style>
+  </dgm:styleLbl>
+  <dgm:styleLbl name="node4">
+    <dgm:scene3d>
+      <a:camera prst="orthographicFront"/>
+      <a:lightRig rig="threePt" dir="t"/>
+    </dgm:scene3d>
+    <dgm:sp3d/>
+    <dgm:txPr/>
+    <dgm:style>
+      <a:lnRef idx="0">
+        <a:scrgbClr r="0" g="0" b="0"/>
+      </a:lnRef>
+      <a:fillRef idx="3">
+        <a:scrgbClr r="0" g="0" b="0"/>
+      </a:fillRef>
+      <a:effectRef idx="3">
+        <a:scrgbClr r="0" g="0" b="0"/>
+      </a:effectRef>
+      <a:fontRef idx="minor">
+        <a:schemeClr val="lt1"/>
+      </a:fontRef>
+    </dgm:style>
+  </dgm:styleLbl>
+  <dgm:styleLbl name="fgImgPlace1">
+    <dgm:scene3d>
+      <a:camera prst="orthographicFront"/>
+      <a:lightRig rig="threePt" dir="t"/>
+    </dgm:scene3d>
+    <dgm:sp3d/>
+    <dgm:txPr/>
+    <dgm:style>
+      <a:lnRef idx="0">
+        <a:scrgbClr r="0" g="0" b="0"/>
+      </a:lnRef>
+      <a:fillRef idx="1">
+        <a:scrgbClr r="0" g="0" b="0"/>
+      </a:fillRef>
+      <a:effectRef idx="3">
+        <a:scrgbClr r="0" g="0" b="0"/>
+      </a:effectRef>
+      <a:fontRef idx="minor"/>
+    </dgm:style>
+  </dgm:styleLbl>
+  <dgm:styleLbl name="alignImgPlace1">
+    <dgm:scene3d>
+      <a:camera prst="orthographicFront"/>
+      <a:lightRig rig="threePt" dir="t"/>
+    </dgm:scene3d>
+    <dgm:sp3d/>
+    <dgm:txPr/>
+    <dgm:style>
+      <a:lnRef idx="0">
+        <a:scrgbClr r="0" g="0" b="0"/>
+      </a:lnRef>
+      <a:fillRef idx="1">
+        <a:scrgbClr r="0" g="0" b="0"/>
+      </a:fillRef>
+      <a:effectRef idx="3">
+        <a:scrgbClr r="0" g="0" b="0"/>
+      </a:effectRef>
+      <a:fontRef idx="minor"/>
+    </dgm:style>
+  </dgm:styleLbl>
+  <dgm:styleLbl name="bgImgPlace1">
+    <dgm:scene3d>
+      <a:camera prst="orthographicFront"/>
+      <a:lightRig rig="threePt" dir="t"/>
+    </dgm:scene3d>
+    <dgm:sp3d/>
+    <dgm:txPr/>
+    <dgm:style>
+      <a:lnRef idx="0">
+        <a:scrgbClr r="0" g="0" b="0"/>
+      </a:lnRef>
+      <a:fillRef idx="1">
+        <a:scrgbClr r="0" g="0" b="0"/>
+      </a:fillRef>
+      <a:effectRef idx="3">
+        <a:scrgbClr r="0" g="0" b="0"/>
+      </a:effectRef>
+      <a:fontRef idx="minor"/>
+    </dgm:style>
+  </dgm:styleLbl>
+  <dgm:styleLbl name="sibTrans2D1">
+    <dgm:scene3d>
+      <a:camera prst="orthographicFront"/>
+      <a:lightRig rig="threePt" dir="t"/>
+    </dgm:scene3d>
+    <dgm:sp3d/>
+    <dgm:txPr/>
+    <dgm:style>
+      <a:lnRef idx="0">
+        <a:scrgbClr r="0" g="0" b="0"/>
+      </a:lnRef>
+      <a:fillRef idx="3">
+        <a:scrgbClr r="0" g="0" b="0"/>
+      </a:fillRef>
+      <a:effectRef idx="3">
+        <a:scrgbClr r="0" g="0" b="0"/>
+      </a:effectRef>
+      <a:fontRef idx="minor">
+        <a:schemeClr val="lt1"/>
+      </a:fontRef>
+    </dgm:style>
+  </dgm:styleLbl>
+  <dgm:styleLbl name="fgSibTrans2D1">
+    <dgm:scene3d>
+      <a:camera prst="orthographicFront"/>
+      <a:lightRig rig="threePt" dir="t"/>
+    </dgm:scene3d>
+    <dgm:sp3d/>
+    <dgm:txPr/>
+    <dgm:style>
+      <a:lnRef idx="0">
+        <a:scrgbClr r="0" g="0" b="0"/>
+      </a:lnRef>
+      <a:fillRef idx="3">
+        <a:scrgbClr r="0" g="0" b="0"/>
+      </a:fillRef>
+      <a:effectRef idx="3">
+        <a:scrgbClr r="0" g="0" b="0"/>
+      </a:effectRef>
+      <a:fontRef idx="minor">
+        <a:schemeClr val="lt1"/>
+      </a:fontRef>
+    </dgm:style>
+  </dgm:styleLbl>
+  <dgm:styleLbl name="bgSibTrans2D1">
+    <dgm:scene3d>
+      <a:camera prst="orthographicFront"/>
+      <a:lightRig rig="threePt" dir="t"/>
+    </dgm:scene3d>
+    <dgm:sp3d/>
+    <dgm:txPr/>
+    <dgm:style>
+      <a:lnRef idx="0">
+        <a:scrgbClr r="0" g="0" b="0"/>
+      </a:lnRef>
+      <a:fillRef idx="3">
+        <a:scrgbClr r="0" g="0" b="0"/>
+      </a:fillRef>
+      <a:effectRef idx="3">
+        <a:scrgbClr r="0" g="0" b="0"/>
+      </a:effectRef>
+      <a:fontRef idx="minor">
+        <a:schemeClr val="lt1"/>
+      </a:fontRef>
+    </dgm:style>
+  </dgm:styleLbl>
+  <dgm:styleLbl name="sibTrans1D1">
+    <dgm:scene3d>
+      <a:camera prst="orthographicFront"/>
+      <a:lightRig rig="threePt" dir="t"/>
+    </dgm:scene3d>
+    <dgm:sp3d/>
+    <dgm:txPr/>
+    <dgm:style>
+      <a:lnRef idx="1">
+        <a:scrgbClr r="0" g="0" b="0"/>
+      </a:lnRef>
+      <a:fillRef idx="0">
+        <a:scrgbClr r="0" g="0" b="0"/>
+      </a:fillRef>
+      <a:effectRef idx="0">
+        <a:scrgbClr r="0" g="0" b="0"/>
+      </a:effectRef>
+      <a:fontRef idx="minor"/>
+    </dgm:style>
+  </dgm:styleLbl>
+  <dgm:styleLbl name="callout">
+    <dgm:scene3d>
+      <a:camera prst="orthographicFront"/>
+      <a:lightRig rig="threePt" dir="t"/>
+    </dgm:scene3d>
+    <dgm:sp3d/>
+    <dgm:txPr/>
+    <dgm:style>
+      <a:lnRef idx="1">
+        <a:scrgbClr r="0" g="0" b="0"/>
+      </a:lnRef>
+      <a:fillRef idx="0">
+        <a:scrgbClr r="0" g="0" b="0"/>
+      </a:fillRef>
+      <a:effectRef idx="1">
+        <a:scrgbClr r="0" g="0" b="0"/>
+      </a:effectRef>
+      <a:fontRef idx="minor"/>
+    </dgm:style>
+  </dgm:styleLbl>
+  <dgm:styleLbl name="asst0">
+    <dgm:scene3d>
+      <a:camera prst="orthographicFront"/>
+      <a:lightRig rig="threePt" dir="t"/>
+    </dgm:scene3d>
+    <dgm:sp3d/>
+    <dgm:txPr/>
+    <dgm:style>
+      <a:lnRef idx="0">
+        <a:scrgbClr r="0" g="0" b="0"/>
+      </a:lnRef>
+      <a:fillRef idx="3">
+        <a:scrgbClr r="0" g="0" b="0"/>
+      </a:fillRef>
+      <a:effectRef idx="3">
+        <a:scrgbClr r="0" g="0" b="0"/>
+      </a:effectRef>
+      <a:fontRef idx="minor">
+        <a:schemeClr val="lt1"/>
+      </a:fontRef>
+    </dgm:style>
+  </dgm:styleLbl>
+  <dgm:styleLbl name="asst1">
+    <dgm:scene3d>
+      <a:camera prst="orthographicFront"/>
+      <a:lightRig rig="threePt" dir="t"/>
+    </dgm:scene3d>
+    <dgm:sp3d/>
+    <dgm:txPr/>
+    <dgm:style>
+      <a:lnRef idx="0">
+        <a:scrgbClr r="0" g="0" b="0"/>
+      </a:lnRef>
+      <a:fillRef idx="3">
+        <a:scrgbClr r="0" g="0" b="0"/>
+      </a:fillRef>
+      <a:effectRef idx="3">
+        <a:scrgbClr r="0" g="0" b="0"/>
+      </a:effectRef>
+      <a:fontRef idx="minor">
+        <a:schemeClr val="lt1"/>
+      </a:fontRef>
+    </dgm:style>
+  </dgm:styleLbl>
+  <dgm:styleLbl name="asst2">
+    <dgm:scene3d>
+      <a:camera prst="orthographicFront"/>
+      <a:lightRig rig="threePt" dir="t"/>
+    </dgm:scene3d>
+    <dgm:sp3d/>
+    <dgm:txPr/>
+    <dgm:style>
+      <a:lnRef idx="0">
+        <a:scrgbClr r="0" g="0" b="0"/>
+      </a:lnRef>
+      <a:fillRef idx="3">
+        <a:scrgbClr r="0" g="0" b="0"/>
+      </a:fillRef>
+      <a:effectRef idx="3">
+        <a:scrgbClr r="0" g="0" b="0"/>
+      </a:effectRef>
+      <a:fontRef idx="minor">
+        <a:schemeClr val="lt1"/>
+      </a:fontRef>
+    </dgm:style>
+  </dgm:styleLbl>
+  <dgm:styleLbl name="asst3">
+    <dgm:scene3d>
+      <a:camera prst="orthographicFront"/>
+      <a:lightRig rig="threePt" dir="t"/>
+    </dgm:scene3d>
+    <dgm:sp3d/>
+    <dgm:txPr/>
+    <dgm:style>
+      <a:lnRef idx="0">
+        <a:scrgbClr r="0" g="0" b="0"/>
+      </a:lnRef>
+      <a:fillRef idx="3">
+        <a:scrgbClr r="0" g="0" b="0"/>
+      </a:fillRef>
+      <a:effectRef idx="3">
+        <a:scrgbClr r="0" g="0" b="0"/>
+      </a:effectRef>
+      <a:fontRef idx="minor">
+        <a:schemeClr val="lt1"/>
+      </a:fontRef>
+    </dgm:style>
+  </dgm:styleLbl>
+  <dgm:styleLbl name="asst4">
+    <dgm:scene3d>
+      <a:camera prst="orthographicFront"/>
+      <a:lightRig rig="threePt" dir="t"/>
+    </dgm:scene3d>
+    <dgm:sp3d/>
+    <dgm:txPr/>
+    <dgm:style>
+      <a:lnRef idx="0">
+        <a:scrgbClr r="0" g="0" b="0"/>
+      </a:lnRef>
+      <a:fillRef idx="3">
+        <a:scrgbClr r="0" g="0" b="0"/>
+      </a:fillRef>
+      <a:effectRef idx="3">
+        <a:scrgbClr r="0" g="0" b="0"/>
+      </a:effectRef>
+      <a:fontRef idx="minor">
+        <a:schemeClr val="lt1"/>
+      </a:fontRef>
+    </dgm:style>
+  </dgm:styleLbl>
+  <dgm:styleLbl name="parChTrans2D1">
+    <dgm:scene3d>
+      <a:camera prst="orthographicFront"/>
+      <a:lightRig rig="threePt" dir="t"/>
+    </dgm:scene3d>
+    <dgm:sp3d/>
+    <dgm:txPr/>
+    <dgm:style>
+      <a:lnRef idx="0">
+        <a:scrgbClr r="0" g="0" b="0"/>
+      </a:lnRef>
+      <a:fillRef idx="3">
+        <a:scrgbClr r="0" g="0" b="0"/>
+      </a:fillRef>
+      <a:effectRef idx="3">
+        <a:scrgbClr r="0" g="0" b="0"/>
+      </a:effectRef>
+      <a:fontRef idx="minor">
+        <a:schemeClr val="lt1"/>
+      </a:fontRef>
+    </dgm:style>
+  </dgm:styleLbl>
+  <dgm:styleLbl name="parChTrans2D2">
+    <dgm:scene3d>
+      <a:camera prst="orthographicFront"/>
+      <a:lightRig rig="threePt" dir="t"/>
+    </dgm:scene3d>
+    <dgm:sp3d/>
+    <dgm:txPr/>
+    <dgm:style>
+      <a:lnRef idx="0">
+        <a:scrgbClr r="0" g="0" b="0"/>
+      </a:lnRef>
+      <a:fillRef idx="3">
+        <a:scrgbClr r="0" g="0" b="0"/>
+      </a:fillRef>
+      <a:effectRef idx="3">
+        <a:scrgbClr r="0" g="0" b="0"/>
+      </a:effectRef>
+      <a:fontRef idx="minor">
+        <a:schemeClr val="lt1"/>
+      </a:fontRef>
+    </dgm:style>
+  </dgm:styleLbl>
+  <dgm:styleLbl name="parChTrans2D3">
+    <dgm:scene3d>
+      <a:camera prst="orthographicFront"/>
+      <a:lightRig rig="threePt" dir="t"/>
+    </dgm:scene3d>
+    <dgm:sp3d/>
+    <dgm:txPr/>
+    <dgm:style>
+      <a:lnRef idx="0">
+        <a:scrgbClr r="0" g="0" b="0"/>
+      </a:lnRef>
+      <a:fillRef idx="3">
+        <a:scrgbClr r="0" g="0" b="0"/>
+      </a:fillRef>
+      <a:effectRef idx="3">
+        <a:scrgbClr r="0" g="0" b="0"/>
+      </a:effectRef>
+      <a:fontRef idx="minor">
+        <a:schemeClr val="lt1"/>
+      </a:fontRef>
+    </dgm:style>
+  </dgm:styleLbl>
+  <dgm:styleLbl name="parChTrans2D4">
+    <dgm:scene3d>
+      <a:camera prst="orthographicFront"/>
+      <a:lightRig rig="threePt" dir="t"/>
+    </dgm:scene3d>
+    <dgm:sp3d/>
+    <dgm:txPr/>
+    <dgm:style>
+      <a:lnRef idx="0">
+        <a:scrgbClr r="0" g="0" b="0"/>
+      </a:lnRef>
+      <a:fillRef idx="3">
+        <a:scrgbClr r="0" g="0" b="0"/>
+      </a:fillRef>
+      <a:effectRef idx="3">
+        <a:scrgbClr r="0" g="0" b="0"/>
+      </a:effectRef>
+      <a:fontRef idx="minor">
+        <a:schemeClr val="lt1"/>
+      </a:fontRef>
+    </dgm:style>
+  </dgm:styleLbl>
+  <dgm:styleLbl name="parChTrans1D1">
+    <dgm:scene3d>
+      <a:camera prst="orthographicFront"/>
+      <a:lightRig rig="threePt" dir="t"/>
+    </dgm:scene3d>
+    <dgm:sp3d/>
+    <dgm:txPr/>
+    <dgm:style>
+      <a:lnRef idx="2">
+        <a:scrgbClr r="0" g="0" b="0"/>
+      </a:lnRef>
+      <a:fillRef idx="0">
+        <a:scrgbClr r="0" g="0" b="0"/>
+      </a:fillRef>
+      <a:effectRef idx="0">
+        <a:scrgbClr r="0" g="0" b="0"/>
+      </a:effectRef>
+      <a:fontRef idx="minor"/>
+    </dgm:style>
+  </dgm:styleLbl>
+  <dgm:styleLbl name="parChTrans1D2">
+    <dgm:scene3d>
+      <a:camera prst="orthographicFront"/>
+      <a:lightRig rig="threePt" dir="t"/>
+    </dgm:scene3d>
+    <dgm:sp3d/>
+    <dgm:txPr/>
+    <dgm:style>
+      <a:lnRef idx="2">
+        <a:scrgbClr r="0" g="0" b="0"/>
+      </a:lnRef>
+      <a:fillRef idx="0">
+        <a:scrgbClr r="0" g="0" b="0"/>
+      </a:fillRef>
+      <a:effectRef idx="0">
+        <a:scrgbClr r="0" g="0" b="0"/>
+      </a:effectRef>
+      <a:fontRef idx="minor"/>
+    </dgm:style>
+  </dgm:styleLbl>
+  <dgm:styleLbl name="parChTrans1D3">
+    <dgm:scene3d>
+      <a:camera prst="orthographicFront"/>
+      <a:lightRig rig="threePt" dir="t"/>
+    </dgm:scene3d>
+    <dgm:sp3d/>
+    <dgm:txPr/>
+    <dgm:style>
+      <a:lnRef idx="2">
+        <a:scrgbClr r="0" g="0" b="0"/>
+      </a:lnRef>
+      <a:fillRef idx="0">
+        <a:scrgbClr r="0" g="0" b="0"/>
+      </a:fillRef>
+      <a:effectRef idx="0">
+        <a:scrgbClr r="0" g="0" b="0"/>
+      </a:effectRef>
+      <a:fontRef idx="minor"/>
+    </dgm:style>
+  </dgm:styleLbl>
+  <dgm:styleLbl name="parChTrans1D4">
+    <dgm:scene3d>
+      <a:camera prst="orthographicFront"/>
+      <a:lightRig rig="threePt" dir="t"/>
+    </dgm:scene3d>
+    <dgm:sp3d/>
+    <dgm:txPr/>
+    <dgm:style>
+      <a:lnRef idx="2">
+        <a:scrgbClr r="0" g="0" b="0"/>
+      </a:lnRef>
+      <a:fillRef idx="0">
+        <a:scrgbClr r="0" g="0" b="0"/>
+      </a:fillRef>
+      <a:effectRef idx="0">
+        <a:scrgbClr r="0" g="0" b="0"/>
+      </a:effectRef>
+      <a:fontRef idx="minor"/>
+    </dgm:style>
+  </dgm:styleLbl>
+  <dgm:styleLbl name="fgAcc1">
+    <dgm:scene3d>
+      <a:camera prst="orthographicFront"/>
+      <a:lightRig rig="threePt" dir="t"/>
+    </dgm:scene3d>
+    <dgm:sp3d/>
+    <dgm:txPr/>
+    <dgm:style>
+      <a:lnRef idx="1">
+        <a:scrgbClr r="0" g="0" b="0"/>
+      </a:lnRef>
+      <a:fillRef idx="1">
+        <a:scrgbClr r="0" g="0" b="0"/>
+      </a:fillRef>
+      <a:effectRef idx="2">
+        <a:scrgbClr r="0" g="0" b="0"/>
+      </a:effectRef>
+      <a:fontRef idx="minor"/>
+    </dgm:style>
+  </dgm:styleLbl>
+  <dgm:styleLbl name="conFgAcc1">
+    <dgm:scene3d>
+      <a:camera prst="orthographicFront"/>
+      <a:lightRig rig="threePt" dir="t"/>
+    </dgm:scene3d>
+    <dgm:sp3d/>
+    <dgm:txPr/>
+    <dgm:style>
+      <a:lnRef idx="1">
+        <a:scrgbClr r="0" g="0" b="0"/>
+      </a:lnRef>
+      <a:fillRef idx="1">
+        <a:scrgbClr r="0" g="0" b="0"/>
+      </a:fillRef>
+      <a:effectRef idx="2">
+        <a:scrgbClr r="0" g="0" b="0"/>
+      </a:effectRef>
+      <a:fontRef idx="minor"/>
+    </dgm:style>
+  </dgm:styleLbl>
+  <dgm:styleLbl name="alignAcc1">
+    <dgm:scene3d>
+      <a:camera prst="orthographicFront"/>
+      <a:lightRig rig="threePt" dir="t"/>
+    </dgm:scene3d>
+    <dgm:sp3d/>
+    <dgm:txPr/>
+    <dgm:style>
+      <a:lnRef idx="1">
+        <a:scrgbClr r="0" g="0" b="0"/>
+      </a:lnRef>
+      <a:fillRef idx="1">
+        <a:scrgbClr r="0" g="0" b="0"/>
+      </a:fillRef>
+      <a:effectRef idx="2">
+        <a:scrgbClr r="0" g="0" b="0"/>
+      </a:effectRef>
+      <a:fontRef idx="minor"/>
+    </dgm:style>
+  </dgm:styleLbl>
+  <dgm:styleLbl name="trAlignAcc1">
+    <dgm:scene3d>
+      <a:camera prst="orthographicFront"/>
+      <a:lightRig rig="threePt" dir="t"/>
+    </dgm:scene3d>
+    <dgm:sp3d/>
+    <dgm:txPr/>
+    <dgm:style>
+      <a:lnRef idx="1">
+        <a:scrgbClr r="0" g="0" b="0"/>
+      </a:lnRef>
+      <a:fillRef idx="1">
+        <a:scrgbClr r="0" g="0" b="0"/>
+      </a:fillRef>
+      <a:effectRef idx="0">
+        <a:scrgbClr r="0" g="0" b="0"/>
+      </a:effectRef>
+      <a:fontRef idx="minor"/>
+    </dgm:style>
+  </dgm:styleLbl>
+  <dgm:styleLbl name="bgAcc1">
+    <dgm:scene3d>
+      <a:camera prst="orthographicFront"/>
+      <a:lightRig rig="threePt" dir="t"/>
+    </dgm:scene3d>
+    <dgm:sp3d/>
+    <dgm:txPr/>
+    <dgm:style>
+      <a:lnRef idx="1">
+        <a:scrgbClr r="0" g="0" b="0"/>
+      </a:lnRef>
+      <a:fillRef idx="1">
+        <a:scrgbClr r="0" g="0" b="0"/>
+      </a:fillRef>
+      <a:effectRef idx="2">
+        <a:scrgbClr r="0" g="0" b="0"/>
+      </a:effectRef>
+      <a:fontRef idx="minor"/>
+    </dgm:style>
+  </dgm:styleLbl>
+  <dgm:styleLbl name="solidFgAcc1">
+    <dgm:scene3d>
+      <a:camera prst="orthographicFront"/>
+      <a:lightRig rig="threePt" dir="t"/>
+    </dgm:scene3d>
+    <dgm:sp3d/>
+    <dgm:txPr/>
+    <dgm:style>
+      <a:lnRef idx="1">
+        <a:scrgbClr r="0" g="0" b="0"/>
+      </a:lnRef>
+      <a:fillRef idx="1">
+        <a:scrgbClr r="0" g="0" b="0"/>
+      </a:fillRef>
+      <a:effectRef idx="2">
+        <a:scrgbClr r="0" g="0" b="0"/>
+      </a:effectRef>
+      <a:fontRef idx="minor"/>
+    </dgm:style>
+  </dgm:styleLbl>
+  <dgm:styleLbl name="solidAlignAcc1">
+    <dgm:scene3d>
+      <a:camera prst="orthographicFront"/>
+      <a:lightRig rig="threePt" dir="t"/>
+    </dgm:scene3d>
+    <dgm:sp3d/>
+    <dgm:txPr/>
+    <dgm:style>
+      <a:lnRef idx="1">
+        <a:scrgbClr r="0" g="0" b="0"/>
+      </a:lnRef>
+      <a:fillRef idx="1">
+        <a:scrgbClr r="0" g="0" b="0"/>
+      </a:fillRef>
+      <a:effectRef idx="3">
+        <a:scrgbClr r="0" g="0" b="0"/>
+      </a:effectRef>
+      <a:fontRef idx="minor"/>
+    </dgm:style>
+  </dgm:styleLbl>
+  <dgm:styleLbl name="solidBgAcc1">
+    <dgm:scene3d>
+      <a:camera prst="orthographicFront"/>
+      <a:lightRig rig="threePt" dir="t"/>
+    </dgm:scene3d>
+    <dgm:sp3d/>
+    <dgm:txPr/>
+    <dgm:style>
+      <a:lnRef idx="1">
+        <a:scrgbClr r="0" g="0" b="0"/>
+      </a:lnRef>
+      <a:fillRef idx="1">
+        <a:scrgbClr r="0" g="0" b="0"/>
+      </a:fillRef>
+      <a:effectRef idx="3">
+        <a:scrgbClr r="0" g="0" b="0"/>
+      </a:effectRef>
+      <a:fontRef idx="minor"/>
+    </dgm:style>
+  </dgm:styleLbl>
+  <dgm:styleLbl name="fgAccFollowNode1">
+    <dgm:scene3d>
+      <a:camera prst="orthographicFront"/>
+      <a:lightRig rig="threePt" dir="t"/>
+    </dgm:scene3d>
+    <dgm:sp3d/>
+    <dgm:txPr/>
+    <dgm:style>
+      <a:lnRef idx="1">
+        <a:scrgbClr r="0" g="0" b="0"/>
+      </a:lnRef>
+      <a:fillRef idx="1">
+        <a:scrgbClr r="0" g="0" b="0"/>
+      </a:fillRef>
+      <a:effectRef idx="2">
+        <a:scrgbClr r="0" g="0" b="0"/>
+      </a:effectRef>
+      <a:fontRef idx="minor"/>
+    </dgm:style>
+  </dgm:styleLbl>
+  <dgm:styleLbl name="alignAccFollowNode1">
+    <dgm:scene3d>
+      <a:camera prst="orthographicFront"/>
+      <a:lightRig rig="threePt" dir="t"/>
+    </dgm:scene3d>
+    <dgm:sp3d/>
+    <dgm:txPr/>
+    <dgm:style>
+      <a:lnRef idx="1">
+        <a:scrgbClr r="0" g="0" b="0"/>
+      </a:lnRef>
+      <a:fillRef idx="1">
+        <a:scrgbClr r="0" g="0" b="0"/>
+      </a:fillRef>
+      <a:effectRef idx="2">
+        <a:scrgbClr r="0" g="0" b="0"/>
+      </a:effectRef>
+      <a:fontRef idx="minor"/>
+    </dgm:style>
+  </dgm:styleLbl>
+  <dgm:styleLbl name="bgAccFollowNode1">
+    <dgm:scene3d>
+      <a:camera prst="orthographicFront"/>
+      <a:lightRig rig="threePt" dir="t"/>
+    </dgm:scene3d>
+    <dgm:sp3d/>
+    <dgm:txPr/>
+    <dgm:style>
+      <a:lnRef idx="1">
+        <a:scrgbClr r="0" g="0" b="0"/>
+      </a:lnRef>
+      <a:fillRef idx="1">
+        <a:scrgbClr r="0" g="0" b="0"/>
+      </a:fillRef>
+      <a:effectRef idx="2">
+        <a:scrgbClr r="0" g="0" b="0"/>
+      </a:effectRef>
+      <a:fontRef idx="minor"/>
+    </dgm:style>
+  </dgm:styleLbl>
+  <dgm:styleLbl name="fgAcc0">
+    <dgm:scene3d>
+      <a:camera prst="orthographicFront"/>
+      <a:lightRig rig="threePt" dir="t"/>
+    </dgm:scene3d>
+    <dgm:sp3d/>
+    <dgm:txPr/>
+    <dgm:style>
+      <a:lnRef idx="1">
+        <a:scrgbClr r="0" g="0" b="0"/>
+      </a:lnRef>
+      <a:fillRef idx="1">
+        <a:scrgbClr r="0" g="0" b="0"/>
+      </a:fillRef>
+      <a:effectRef idx="2">
+        <a:scrgbClr r="0" g="0" b="0"/>
+      </a:effectRef>
+      <a:fontRef idx="minor"/>
+    </dgm:style>
+  </dgm:styleLbl>
+  <dgm:styleLbl name="fgAcc2">
+    <dgm:scene3d>
+      <a:camera prst="orthographicFront"/>
+      <a:lightRig rig="threePt" dir="t"/>
+    </dgm:scene3d>
+    <dgm:sp3d/>
+    <dgm:txPr/>
+    <dgm:style>
+      <a:lnRef idx="1">
+        <a:scrgbClr r="0" g="0" b="0"/>
+      </a:lnRef>
+      <a:fillRef idx="1">
+        <a:scrgbClr r="0" g="0" b="0"/>
+      </a:fillRef>
+      <a:effectRef idx="2">
+        <a:scrgbClr r="0" g="0" b="0"/>
+      </a:effectRef>
+      <a:fontRef idx="minor"/>
+    </dgm:style>
+  </dgm:styleLbl>
+  <dgm:styleLbl name="fgAcc3">
+    <dgm:scene3d>
+      <a:camera prst="orthographicFront"/>
+      <a:lightRig rig="threePt" dir="t"/>
+    </dgm:scene3d>
+    <dgm:sp3d/>
+    <dgm:txPr/>
+    <dgm:style>
+      <a:lnRef idx="1">
+        <a:scrgbClr r="0" g="0" b="0"/>
+      </a:lnRef>
+      <a:fillRef idx="1">
+        <a:scrgbClr r="0" g="0" b="0"/>
+      </a:fillRef>
+      <a:effectRef idx="2">
+        <a:scrgbClr r="0" g="0" b="0"/>
+      </a:effectRef>
+      <a:fontRef idx="minor"/>
+    </dgm:style>
+  </dgm:styleLbl>
+  <dgm:styleLbl name="fgAcc4">
+    <dgm:scene3d>
+      <a:camera prst="orthographicFront"/>
+      <a:lightRig rig="threePt" dir="t"/>
+    </dgm:scene3d>
+    <dgm:sp3d/>
+    <dgm:txPr/>
+    <dgm:style>
+      <a:lnRef idx="1">
+        <a:scrgbClr r="0" g="0" b="0"/>
+      </a:lnRef>
+      <a:fillRef idx="1">
+        <a:scrgbClr r="0" g="0" b="0"/>
+      </a:fillRef>
+      <a:effectRef idx="2">
+        <a:scrgbClr r="0" g="0" b="0"/>
+      </a:effectRef>
+      <a:fontRef idx="minor"/>
+    </dgm:style>
+  </dgm:styleLbl>
+  <dgm:styleLbl name="bgShp">
+    <dgm:scene3d>
+      <a:camera prst="orthographicFront"/>
+      <a:lightRig rig="threePt" dir="t"/>
+    </dgm:scene3d>
+    <dgm:sp3d/>
+    <dgm:txPr/>
+    <dgm:style>
+      <a:lnRef idx="0">
+        <a:scrgbClr r="0" g="0" b="0"/>
+      </a:lnRef>
+      <a:fillRef idx="1">
+        <a:scrgbClr r="0" g="0" b="0"/>
+      </a:fillRef>
+      <a:effectRef idx="2">
+        <a:scrgbClr r="0" g="0" b="0"/>
+      </a:effectRef>
+      <a:fontRef idx="minor"/>
+    </dgm:style>
+  </dgm:styleLbl>
+  <dgm:styleLbl name="dkBgShp">
+    <dgm:scene3d>
+      <a:camera prst="orthographicFront"/>
+      <a:lightRig rig="threePt" dir="t"/>
+    </dgm:scene3d>
+    <dgm:sp3d/>
+    <dgm:txPr/>
+    <dgm:style>
+      <a:lnRef idx="0">
+        <a:scrgbClr r="0" g="0" b="0"/>
+      </a:lnRef>
+      <a:fillRef idx="1">
+        <a:scrgbClr r="0" g="0" b="0"/>
+      </a:fillRef>
+      <a:effectRef idx="3">
+        <a:scrgbClr r="0" g="0" b="0"/>
+      </a:effectRef>
+      <a:fontRef idx="minor"/>
+    </dgm:style>
+  </dgm:styleLbl>
+  <dgm:styleLbl name="trBgShp">
+    <dgm:scene3d>
+      <a:camera prst="orthographicFront"/>
+      <a:lightRig rig="threePt" dir="t"/>
+    </dgm:scene3d>
+    <dgm:sp3d/>
+    <dgm:txPr/>
+    <dgm:style>
+      <a:lnRef idx="0">
+        <a:scrgbClr r="0" g="0" b="0"/>
+      </a:lnRef>
+      <a:fillRef idx="1">
+        <a:scrgbClr r="0" g="0" b="0"/>
+      </a:fillRef>
+      <a:effectRef idx="0">
+        <a:scrgbClr r="0" g="0" b="0"/>
+      </a:effectRef>
+      <a:fontRef idx="minor"/>
+    </dgm:style>
+  </dgm:styleLbl>
+  <dgm:styleLbl name="fgShp">
+    <dgm:scene3d>
+      <a:camera prst="orthographicFront"/>
+      <a:lightRig rig="threePt" dir="t"/>
+    </dgm:scene3d>
+    <dgm:sp3d/>
+    <dgm:txPr/>
+    <dgm:style>
+      <a:lnRef idx="0">
+        <a:scrgbClr r="0" g="0" b="0"/>
+      </a:lnRef>
+      <a:fillRef idx="3">
+        <a:scrgbClr r="0" g="0" b="0"/>
+      </a:fillRef>
+      <a:effectRef idx="3">
+        <a:scrgbClr r="0" g="0" b="0"/>
+      </a:effectRef>
+      <a:fontRef idx="minor"/>
+    </dgm:style>
+  </dgm:styleLbl>
+  <dgm:styleLbl name="revTx">
+    <dgm:scene3d>
+      <a:camera prst="orthographicFront"/>
+      <a:lightRig rig="threePt" dir="t"/>
+    </dgm:scene3d>
+    <dgm:sp3d/>
+    <dgm:txPr/>
+    <dgm:style>
+      <a:lnRef idx="0">
+        <a:scrgbClr r="0" g="0" b="0"/>
+      </a:lnRef>
+      <a:fillRef idx="0">
+        <a:scrgbClr r="0" g="0" b="0"/>
+      </a:fillRef>
+      <a:effectRef idx="0">
+        <a:scrgbClr r="0" g="0" b="0"/>
+      </a:effectRef>
+      <a:fontRef idx="minor"/>
+    </dgm:style>
+  </dgm:styleLbl>
+</dgm:styleDef>
+</file>
+
+<file path=ppt/diagrams/quickStyle5.xml><?xml version="1.0" encoding="utf-8"?>
 <dgm:styleDef xmlns:dgm="http://schemas.openxmlformats.org/drawingml/2006/diagram" xmlns:a="http://schemas.openxmlformats.org/drawingml/2006/main" uniqueId="urn:microsoft.com/office/officeart/2005/8/quickstyle/simple1">
   <dgm:title val=""/>
   <dgm:desc val=""/>
@@ -16327,7 +16356,7 @@
 </dgm:styleDef>
 </file>
 
-<file path=ppt/diagrams/quickStyle5.xml><?xml version="1.0" encoding="utf-8"?>
+<file path=ppt/diagrams/quickStyle6.xml><?xml version="1.0" encoding="utf-8"?>
 <dgm:styleDef xmlns:dgm="http://schemas.openxmlformats.org/drawingml/2006/diagram" xmlns:a="http://schemas.openxmlformats.org/drawingml/2006/main" uniqueId="urn:microsoft.com/office/officeart/2005/8/quickstyle/simple5">
   <dgm:title val=""/>
   <dgm:desc val=""/>
@@ -17361,7 +17390,7 @@
 </dgm:styleDef>
 </file>
 
-<file path=ppt/diagrams/quickStyle6.xml><?xml version="1.0" encoding="utf-8"?>
+<file path=ppt/diagrams/quickStyle7.xml><?xml version="1.0" encoding="utf-8"?>
 <dgm:styleDef xmlns:dgm="http://schemas.openxmlformats.org/drawingml/2006/diagram" xmlns:a="http://schemas.openxmlformats.org/drawingml/2006/main" uniqueId="urn:microsoft.com/office/officeart/2005/8/quickstyle/simple1">
   <dgm:title val=""/>
   <dgm:desc val=""/>
@@ -18395,2075 +18424,7 @@
 </dgm:styleDef>
 </file>
 
-<file path=ppt/diagrams/quickStyle7.xml><?xml version="1.0" encoding="utf-8"?>
-<dgm:styleDef xmlns:dgm="http://schemas.openxmlformats.org/drawingml/2006/diagram" xmlns:a="http://schemas.openxmlformats.org/drawingml/2006/main" uniqueId="urn:microsoft.com/office/officeart/2005/8/quickstyle/simple5">
-  <dgm:title val=""/>
-  <dgm:desc val=""/>
-  <dgm:catLst>
-    <dgm:cat type="simple" pri="10500"/>
-  </dgm:catLst>
-  <dgm:scene3d>
-    <a:camera prst="orthographicFront"/>
-    <a:lightRig rig="threePt" dir="t"/>
-  </dgm:scene3d>
-  <dgm:styleLbl name="node0">
-    <dgm:scene3d>
-      <a:camera prst="orthographicFront"/>
-      <a:lightRig rig="threePt" dir="t"/>
-    </dgm:scene3d>
-    <dgm:sp3d/>
-    <dgm:txPr/>
-    <dgm:style>
-      <a:lnRef idx="0">
-        <a:scrgbClr r="0" g="0" b="0"/>
-      </a:lnRef>
-      <a:fillRef idx="3">
-        <a:scrgbClr r="0" g="0" b="0"/>
-      </a:fillRef>
-      <a:effectRef idx="3">
-        <a:scrgbClr r="0" g="0" b="0"/>
-      </a:effectRef>
-      <a:fontRef idx="minor">
-        <a:schemeClr val="lt1"/>
-      </a:fontRef>
-    </dgm:style>
-  </dgm:styleLbl>
-  <dgm:styleLbl name="lnNode1">
-    <dgm:scene3d>
-      <a:camera prst="orthographicFront"/>
-      <a:lightRig rig="threePt" dir="t"/>
-    </dgm:scene3d>
-    <dgm:sp3d/>
-    <dgm:txPr/>
-    <dgm:style>
-      <a:lnRef idx="0">
-        <a:scrgbClr r="0" g="0" b="0"/>
-      </a:lnRef>
-      <a:fillRef idx="3">
-        <a:scrgbClr r="0" g="0" b="0"/>
-      </a:fillRef>
-      <a:effectRef idx="3">
-        <a:scrgbClr r="0" g="0" b="0"/>
-      </a:effectRef>
-      <a:fontRef idx="minor">
-        <a:schemeClr val="lt1"/>
-      </a:fontRef>
-    </dgm:style>
-  </dgm:styleLbl>
-  <dgm:styleLbl name="vennNode1">
-    <dgm:scene3d>
-      <a:camera prst="orthographicFront"/>
-      <a:lightRig rig="threePt" dir="t"/>
-    </dgm:scene3d>
-    <dgm:sp3d/>
-    <dgm:txPr/>
-    <dgm:style>
-      <a:lnRef idx="0">
-        <a:scrgbClr r="0" g="0" b="0"/>
-      </a:lnRef>
-      <a:fillRef idx="3">
-        <a:scrgbClr r="0" g="0" b="0"/>
-      </a:fillRef>
-      <a:effectRef idx="3">
-        <a:scrgbClr r="0" g="0" b="0"/>
-      </a:effectRef>
-      <a:fontRef idx="minor">
-        <a:schemeClr val="tx1"/>
-      </a:fontRef>
-    </dgm:style>
-  </dgm:styleLbl>
-  <dgm:styleLbl name="alignNode1">
-    <dgm:scene3d>
-      <a:camera prst="orthographicFront"/>
-      <a:lightRig rig="threePt" dir="t"/>
-    </dgm:scene3d>
-    <dgm:sp3d/>
-    <dgm:txPr/>
-    <dgm:style>
-      <a:lnRef idx="1">
-        <a:scrgbClr r="0" g="0" b="0"/>
-      </a:lnRef>
-      <a:fillRef idx="3">
-        <a:scrgbClr r="0" g="0" b="0"/>
-      </a:fillRef>
-      <a:effectRef idx="3">
-        <a:scrgbClr r="0" g="0" b="0"/>
-      </a:effectRef>
-      <a:fontRef idx="minor">
-        <a:schemeClr val="lt1"/>
-      </a:fontRef>
-    </dgm:style>
-  </dgm:styleLbl>
-  <dgm:styleLbl name="node1">
-    <dgm:scene3d>
-      <a:camera prst="orthographicFront"/>
-      <a:lightRig rig="threePt" dir="t"/>
-    </dgm:scene3d>
-    <dgm:sp3d/>
-    <dgm:txPr/>
-    <dgm:style>
-      <a:lnRef idx="0">
-        <a:scrgbClr r="0" g="0" b="0"/>
-      </a:lnRef>
-      <a:fillRef idx="3">
-        <a:scrgbClr r="0" g="0" b="0"/>
-      </a:fillRef>
-      <a:effectRef idx="3">
-        <a:scrgbClr r="0" g="0" b="0"/>
-      </a:effectRef>
-      <a:fontRef idx="minor">
-        <a:schemeClr val="lt1"/>
-      </a:fontRef>
-    </dgm:style>
-  </dgm:styleLbl>
-  <dgm:styleLbl name="node2">
-    <dgm:scene3d>
-      <a:camera prst="orthographicFront"/>
-      <a:lightRig rig="threePt" dir="t"/>
-    </dgm:scene3d>
-    <dgm:sp3d/>
-    <dgm:txPr/>
-    <dgm:style>
-      <a:lnRef idx="0">
-        <a:scrgbClr r="0" g="0" b="0"/>
-      </a:lnRef>
-      <a:fillRef idx="3">
-        <a:scrgbClr r="0" g="0" b="0"/>
-      </a:fillRef>
-      <a:effectRef idx="3">
-        <a:scrgbClr r="0" g="0" b="0"/>
-      </a:effectRef>
-      <a:fontRef idx="minor">
-        <a:schemeClr val="lt1"/>
-      </a:fontRef>
-    </dgm:style>
-  </dgm:styleLbl>
-  <dgm:styleLbl name="node3">
-    <dgm:scene3d>
-      <a:camera prst="orthographicFront"/>
-      <a:lightRig rig="threePt" dir="t"/>
-    </dgm:scene3d>
-    <dgm:sp3d/>
-    <dgm:txPr/>
-    <dgm:style>
-      <a:lnRef idx="0">
-        <a:scrgbClr r="0" g="0" b="0"/>
-      </a:lnRef>
-      <a:fillRef idx="3">
-        <a:scrgbClr r="0" g="0" b="0"/>
-      </a:fillRef>
-      <a:effectRef idx="3">
-        <a:scrgbClr r="0" g="0" b="0"/>
-      </a:effectRef>
-      <a:fontRef idx="minor">
-        <a:schemeClr val="lt1"/>
-      </a:fontRef>
-    </dgm:style>
-  </dgm:styleLbl>
-  <dgm:styleLbl name="node4">
-    <dgm:scene3d>
-      <a:camera prst="orthographicFront"/>
-      <a:lightRig rig="threePt" dir="t"/>
-    </dgm:scene3d>
-    <dgm:sp3d/>
-    <dgm:txPr/>
-    <dgm:style>
-      <a:lnRef idx="0">
-        <a:scrgbClr r="0" g="0" b="0"/>
-      </a:lnRef>
-      <a:fillRef idx="3">
-        <a:scrgbClr r="0" g="0" b="0"/>
-      </a:fillRef>
-      <a:effectRef idx="3">
-        <a:scrgbClr r="0" g="0" b="0"/>
-      </a:effectRef>
-      <a:fontRef idx="minor">
-        <a:schemeClr val="lt1"/>
-      </a:fontRef>
-    </dgm:style>
-  </dgm:styleLbl>
-  <dgm:styleLbl name="fgImgPlace1">
-    <dgm:scene3d>
-      <a:camera prst="orthographicFront"/>
-      <a:lightRig rig="threePt" dir="t"/>
-    </dgm:scene3d>
-    <dgm:sp3d/>
-    <dgm:txPr/>
-    <dgm:style>
-      <a:lnRef idx="0">
-        <a:scrgbClr r="0" g="0" b="0"/>
-      </a:lnRef>
-      <a:fillRef idx="1">
-        <a:scrgbClr r="0" g="0" b="0"/>
-      </a:fillRef>
-      <a:effectRef idx="3">
-        <a:scrgbClr r="0" g="0" b="0"/>
-      </a:effectRef>
-      <a:fontRef idx="minor"/>
-    </dgm:style>
-  </dgm:styleLbl>
-  <dgm:styleLbl name="alignImgPlace1">
-    <dgm:scene3d>
-      <a:camera prst="orthographicFront"/>
-      <a:lightRig rig="threePt" dir="t"/>
-    </dgm:scene3d>
-    <dgm:sp3d/>
-    <dgm:txPr/>
-    <dgm:style>
-      <a:lnRef idx="0">
-        <a:scrgbClr r="0" g="0" b="0"/>
-      </a:lnRef>
-      <a:fillRef idx="1">
-        <a:scrgbClr r="0" g="0" b="0"/>
-      </a:fillRef>
-      <a:effectRef idx="3">
-        <a:scrgbClr r="0" g="0" b="0"/>
-      </a:effectRef>
-      <a:fontRef idx="minor"/>
-    </dgm:style>
-  </dgm:styleLbl>
-  <dgm:styleLbl name="bgImgPlace1">
-    <dgm:scene3d>
-      <a:camera prst="orthographicFront"/>
-      <a:lightRig rig="threePt" dir="t"/>
-    </dgm:scene3d>
-    <dgm:sp3d/>
-    <dgm:txPr/>
-    <dgm:style>
-      <a:lnRef idx="0">
-        <a:scrgbClr r="0" g="0" b="0"/>
-      </a:lnRef>
-      <a:fillRef idx="1">
-        <a:scrgbClr r="0" g="0" b="0"/>
-      </a:fillRef>
-      <a:effectRef idx="3">
-        <a:scrgbClr r="0" g="0" b="0"/>
-      </a:effectRef>
-      <a:fontRef idx="minor"/>
-    </dgm:style>
-  </dgm:styleLbl>
-  <dgm:styleLbl name="sibTrans2D1">
-    <dgm:scene3d>
-      <a:camera prst="orthographicFront"/>
-      <a:lightRig rig="threePt" dir="t"/>
-    </dgm:scene3d>
-    <dgm:sp3d/>
-    <dgm:txPr/>
-    <dgm:style>
-      <a:lnRef idx="0">
-        <a:scrgbClr r="0" g="0" b="0"/>
-      </a:lnRef>
-      <a:fillRef idx="3">
-        <a:scrgbClr r="0" g="0" b="0"/>
-      </a:fillRef>
-      <a:effectRef idx="3">
-        <a:scrgbClr r="0" g="0" b="0"/>
-      </a:effectRef>
-      <a:fontRef idx="minor">
-        <a:schemeClr val="lt1"/>
-      </a:fontRef>
-    </dgm:style>
-  </dgm:styleLbl>
-  <dgm:styleLbl name="fgSibTrans2D1">
-    <dgm:scene3d>
-      <a:camera prst="orthographicFront"/>
-      <a:lightRig rig="threePt" dir="t"/>
-    </dgm:scene3d>
-    <dgm:sp3d/>
-    <dgm:txPr/>
-    <dgm:style>
-      <a:lnRef idx="0">
-        <a:scrgbClr r="0" g="0" b="0"/>
-      </a:lnRef>
-      <a:fillRef idx="3">
-        <a:scrgbClr r="0" g="0" b="0"/>
-      </a:fillRef>
-      <a:effectRef idx="3">
-        <a:scrgbClr r="0" g="0" b="0"/>
-      </a:effectRef>
-      <a:fontRef idx="minor">
-        <a:schemeClr val="lt1"/>
-      </a:fontRef>
-    </dgm:style>
-  </dgm:styleLbl>
-  <dgm:styleLbl name="bgSibTrans2D1">
-    <dgm:scene3d>
-      <a:camera prst="orthographicFront"/>
-      <a:lightRig rig="threePt" dir="t"/>
-    </dgm:scene3d>
-    <dgm:sp3d/>
-    <dgm:txPr/>
-    <dgm:style>
-      <a:lnRef idx="0">
-        <a:scrgbClr r="0" g="0" b="0"/>
-      </a:lnRef>
-      <a:fillRef idx="3">
-        <a:scrgbClr r="0" g="0" b="0"/>
-      </a:fillRef>
-      <a:effectRef idx="3">
-        <a:scrgbClr r="0" g="0" b="0"/>
-      </a:effectRef>
-      <a:fontRef idx="minor">
-        <a:schemeClr val="lt1"/>
-      </a:fontRef>
-    </dgm:style>
-  </dgm:styleLbl>
-  <dgm:styleLbl name="sibTrans1D1">
-    <dgm:scene3d>
-      <a:camera prst="orthographicFront"/>
-      <a:lightRig rig="threePt" dir="t"/>
-    </dgm:scene3d>
-    <dgm:sp3d/>
-    <dgm:txPr/>
-    <dgm:style>
-      <a:lnRef idx="1">
-        <a:scrgbClr r="0" g="0" b="0"/>
-      </a:lnRef>
-      <a:fillRef idx="0">
-        <a:scrgbClr r="0" g="0" b="0"/>
-      </a:fillRef>
-      <a:effectRef idx="0">
-        <a:scrgbClr r="0" g="0" b="0"/>
-      </a:effectRef>
-      <a:fontRef idx="minor"/>
-    </dgm:style>
-  </dgm:styleLbl>
-  <dgm:styleLbl name="callout">
-    <dgm:scene3d>
-      <a:camera prst="orthographicFront"/>
-      <a:lightRig rig="threePt" dir="t"/>
-    </dgm:scene3d>
-    <dgm:sp3d/>
-    <dgm:txPr/>
-    <dgm:style>
-      <a:lnRef idx="1">
-        <a:scrgbClr r="0" g="0" b="0"/>
-      </a:lnRef>
-      <a:fillRef idx="0">
-        <a:scrgbClr r="0" g="0" b="0"/>
-      </a:fillRef>
-      <a:effectRef idx="1">
-        <a:scrgbClr r="0" g="0" b="0"/>
-      </a:effectRef>
-      <a:fontRef idx="minor"/>
-    </dgm:style>
-  </dgm:styleLbl>
-  <dgm:styleLbl name="asst0">
-    <dgm:scene3d>
-      <a:camera prst="orthographicFront"/>
-      <a:lightRig rig="threePt" dir="t"/>
-    </dgm:scene3d>
-    <dgm:sp3d/>
-    <dgm:txPr/>
-    <dgm:style>
-      <a:lnRef idx="0">
-        <a:scrgbClr r="0" g="0" b="0"/>
-      </a:lnRef>
-      <a:fillRef idx="3">
-        <a:scrgbClr r="0" g="0" b="0"/>
-      </a:fillRef>
-      <a:effectRef idx="3">
-        <a:scrgbClr r="0" g="0" b="0"/>
-      </a:effectRef>
-      <a:fontRef idx="minor">
-        <a:schemeClr val="lt1"/>
-      </a:fontRef>
-    </dgm:style>
-  </dgm:styleLbl>
-  <dgm:styleLbl name="asst1">
-    <dgm:scene3d>
-      <a:camera prst="orthographicFront"/>
-      <a:lightRig rig="threePt" dir="t"/>
-    </dgm:scene3d>
-    <dgm:sp3d/>
-    <dgm:txPr/>
-    <dgm:style>
-      <a:lnRef idx="0">
-        <a:scrgbClr r="0" g="0" b="0"/>
-      </a:lnRef>
-      <a:fillRef idx="3">
-        <a:scrgbClr r="0" g="0" b="0"/>
-      </a:fillRef>
-      <a:effectRef idx="3">
-        <a:scrgbClr r="0" g="0" b="0"/>
-      </a:effectRef>
-      <a:fontRef idx="minor">
-        <a:schemeClr val="lt1"/>
-      </a:fontRef>
-    </dgm:style>
-  </dgm:styleLbl>
-  <dgm:styleLbl name="asst2">
-    <dgm:scene3d>
-      <a:camera prst="orthographicFront"/>
-      <a:lightRig rig="threePt" dir="t"/>
-    </dgm:scene3d>
-    <dgm:sp3d/>
-    <dgm:txPr/>
-    <dgm:style>
-      <a:lnRef idx="0">
-        <a:scrgbClr r="0" g="0" b="0"/>
-      </a:lnRef>
-      <a:fillRef idx="3">
-        <a:scrgbClr r="0" g="0" b="0"/>
-      </a:fillRef>
-      <a:effectRef idx="3">
-        <a:scrgbClr r="0" g="0" b="0"/>
-      </a:effectRef>
-      <a:fontRef idx="minor">
-        <a:schemeClr val="lt1"/>
-      </a:fontRef>
-    </dgm:style>
-  </dgm:styleLbl>
-  <dgm:styleLbl name="asst3">
-    <dgm:scene3d>
-      <a:camera prst="orthographicFront"/>
-      <a:lightRig rig="threePt" dir="t"/>
-    </dgm:scene3d>
-    <dgm:sp3d/>
-    <dgm:txPr/>
-    <dgm:style>
-      <a:lnRef idx="0">
-        <a:scrgbClr r="0" g="0" b="0"/>
-      </a:lnRef>
-      <a:fillRef idx="3">
-        <a:scrgbClr r="0" g="0" b="0"/>
-      </a:fillRef>
-      <a:effectRef idx="3">
-        <a:scrgbClr r="0" g="0" b="0"/>
-      </a:effectRef>
-      <a:fontRef idx="minor">
-        <a:schemeClr val="lt1"/>
-      </a:fontRef>
-    </dgm:style>
-  </dgm:styleLbl>
-  <dgm:styleLbl name="asst4">
-    <dgm:scene3d>
-      <a:camera prst="orthographicFront"/>
-      <a:lightRig rig="threePt" dir="t"/>
-    </dgm:scene3d>
-    <dgm:sp3d/>
-    <dgm:txPr/>
-    <dgm:style>
-      <a:lnRef idx="0">
-        <a:scrgbClr r="0" g="0" b="0"/>
-      </a:lnRef>
-      <a:fillRef idx="3">
-        <a:scrgbClr r="0" g="0" b="0"/>
-      </a:fillRef>
-      <a:effectRef idx="3">
-        <a:scrgbClr r="0" g="0" b="0"/>
-      </a:effectRef>
-      <a:fontRef idx="minor">
-        <a:schemeClr val="lt1"/>
-      </a:fontRef>
-    </dgm:style>
-  </dgm:styleLbl>
-  <dgm:styleLbl name="parChTrans2D1">
-    <dgm:scene3d>
-      <a:camera prst="orthographicFront"/>
-      <a:lightRig rig="threePt" dir="t"/>
-    </dgm:scene3d>
-    <dgm:sp3d/>
-    <dgm:txPr/>
-    <dgm:style>
-      <a:lnRef idx="0">
-        <a:scrgbClr r="0" g="0" b="0"/>
-      </a:lnRef>
-      <a:fillRef idx="3">
-        <a:scrgbClr r="0" g="0" b="0"/>
-      </a:fillRef>
-      <a:effectRef idx="3">
-        <a:scrgbClr r="0" g="0" b="0"/>
-      </a:effectRef>
-      <a:fontRef idx="minor">
-        <a:schemeClr val="lt1"/>
-      </a:fontRef>
-    </dgm:style>
-  </dgm:styleLbl>
-  <dgm:styleLbl name="parChTrans2D2">
-    <dgm:scene3d>
-      <a:camera prst="orthographicFront"/>
-      <a:lightRig rig="threePt" dir="t"/>
-    </dgm:scene3d>
-    <dgm:sp3d/>
-    <dgm:txPr/>
-    <dgm:style>
-      <a:lnRef idx="0">
-        <a:scrgbClr r="0" g="0" b="0"/>
-      </a:lnRef>
-      <a:fillRef idx="3">
-        <a:scrgbClr r="0" g="0" b="0"/>
-      </a:fillRef>
-      <a:effectRef idx="3">
-        <a:scrgbClr r="0" g="0" b="0"/>
-      </a:effectRef>
-      <a:fontRef idx="minor">
-        <a:schemeClr val="lt1"/>
-      </a:fontRef>
-    </dgm:style>
-  </dgm:styleLbl>
-  <dgm:styleLbl name="parChTrans2D3">
-    <dgm:scene3d>
-      <a:camera prst="orthographicFront"/>
-      <a:lightRig rig="threePt" dir="t"/>
-    </dgm:scene3d>
-    <dgm:sp3d/>
-    <dgm:txPr/>
-    <dgm:style>
-      <a:lnRef idx="0">
-        <a:scrgbClr r="0" g="0" b="0"/>
-      </a:lnRef>
-      <a:fillRef idx="3">
-        <a:scrgbClr r="0" g="0" b="0"/>
-      </a:fillRef>
-      <a:effectRef idx="3">
-        <a:scrgbClr r="0" g="0" b="0"/>
-      </a:effectRef>
-      <a:fontRef idx="minor">
-        <a:schemeClr val="lt1"/>
-      </a:fontRef>
-    </dgm:style>
-  </dgm:styleLbl>
-  <dgm:styleLbl name="parChTrans2D4">
-    <dgm:scene3d>
-      <a:camera prst="orthographicFront"/>
-      <a:lightRig rig="threePt" dir="t"/>
-    </dgm:scene3d>
-    <dgm:sp3d/>
-    <dgm:txPr/>
-    <dgm:style>
-      <a:lnRef idx="0">
-        <a:scrgbClr r="0" g="0" b="0"/>
-      </a:lnRef>
-      <a:fillRef idx="3">
-        <a:scrgbClr r="0" g="0" b="0"/>
-      </a:fillRef>
-      <a:effectRef idx="3">
-        <a:scrgbClr r="0" g="0" b="0"/>
-      </a:effectRef>
-      <a:fontRef idx="minor">
-        <a:schemeClr val="lt1"/>
-      </a:fontRef>
-    </dgm:style>
-  </dgm:styleLbl>
-  <dgm:styleLbl name="parChTrans1D1">
-    <dgm:scene3d>
-      <a:camera prst="orthographicFront"/>
-      <a:lightRig rig="threePt" dir="t"/>
-    </dgm:scene3d>
-    <dgm:sp3d/>
-    <dgm:txPr/>
-    <dgm:style>
-      <a:lnRef idx="2">
-        <a:scrgbClr r="0" g="0" b="0"/>
-      </a:lnRef>
-      <a:fillRef idx="0">
-        <a:scrgbClr r="0" g="0" b="0"/>
-      </a:fillRef>
-      <a:effectRef idx="0">
-        <a:scrgbClr r="0" g="0" b="0"/>
-      </a:effectRef>
-      <a:fontRef idx="minor"/>
-    </dgm:style>
-  </dgm:styleLbl>
-  <dgm:styleLbl name="parChTrans1D2">
-    <dgm:scene3d>
-      <a:camera prst="orthographicFront"/>
-      <a:lightRig rig="threePt" dir="t"/>
-    </dgm:scene3d>
-    <dgm:sp3d/>
-    <dgm:txPr/>
-    <dgm:style>
-      <a:lnRef idx="2">
-        <a:scrgbClr r="0" g="0" b="0"/>
-      </a:lnRef>
-      <a:fillRef idx="0">
-        <a:scrgbClr r="0" g="0" b="0"/>
-      </a:fillRef>
-      <a:effectRef idx="0">
-        <a:scrgbClr r="0" g="0" b="0"/>
-      </a:effectRef>
-      <a:fontRef idx="minor"/>
-    </dgm:style>
-  </dgm:styleLbl>
-  <dgm:styleLbl name="parChTrans1D3">
-    <dgm:scene3d>
-      <a:camera prst="orthographicFront"/>
-      <a:lightRig rig="threePt" dir="t"/>
-    </dgm:scene3d>
-    <dgm:sp3d/>
-    <dgm:txPr/>
-    <dgm:style>
-      <a:lnRef idx="2">
-        <a:scrgbClr r="0" g="0" b="0"/>
-      </a:lnRef>
-      <a:fillRef idx="0">
-        <a:scrgbClr r="0" g="0" b="0"/>
-      </a:fillRef>
-      <a:effectRef idx="0">
-        <a:scrgbClr r="0" g="0" b="0"/>
-      </a:effectRef>
-      <a:fontRef idx="minor"/>
-    </dgm:style>
-  </dgm:styleLbl>
-  <dgm:styleLbl name="parChTrans1D4">
-    <dgm:scene3d>
-      <a:camera prst="orthographicFront"/>
-      <a:lightRig rig="threePt" dir="t"/>
-    </dgm:scene3d>
-    <dgm:sp3d/>
-    <dgm:txPr/>
-    <dgm:style>
-      <a:lnRef idx="2">
-        <a:scrgbClr r="0" g="0" b="0"/>
-      </a:lnRef>
-      <a:fillRef idx="0">
-        <a:scrgbClr r="0" g="0" b="0"/>
-      </a:fillRef>
-      <a:effectRef idx="0">
-        <a:scrgbClr r="0" g="0" b="0"/>
-      </a:effectRef>
-      <a:fontRef idx="minor"/>
-    </dgm:style>
-  </dgm:styleLbl>
-  <dgm:styleLbl name="fgAcc1">
-    <dgm:scene3d>
-      <a:camera prst="orthographicFront"/>
-      <a:lightRig rig="threePt" dir="t"/>
-    </dgm:scene3d>
-    <dgm:sp3d/>
-    <dgm:txPr/>
-    <dgm:style>
-      <a:lnRef idx="1">
-        <a:scrgbClr r="0" g="0" b="0"/>
-      </a:lnRef>
-      <a:fillRef idx="1">
-        <a:scrgbClr r="0" g="0" b="0"/>
-      </a:fillRef>
-      <a:effectRef idx="2">
-        <a:scrgbClr r="0" g="0" b="0"/>
-      </a:effectRef>
-      <a:fontRef idx="minor"/>
-    </dgm:style>
-  </dgm:styleLbl>
-  <dgm:styleLbl name="conFgAcc1">
-    <dgm:scene3d>
-      <a:camera prst="orthographicFront"/>
-      <a:lightRig rig="threePt" dir="t"/>
-    </dgm:scene3d>
-    <dgm:sp3d/>
-    <dgm:txPr/>
-    <dgm:style>
-      <a:lnRef idx="1">
-        <a:scrgbClr r="0" g="0" b="0"/>
-      </a:lnRef>
-      <a:fillRef idx="1">
-        <a:scrgbClr r="0" g="0" b="0"/>
-      </a:fillRef>
-      <a:effectRef idx="2">
-        <a:scrgbClr r="0" g="0" b="0"/>
-      </a:effectRef>
-      <a:fontRef idx="minor"/>
-    </dgm:style>
-  </dgm:styleLbl>
-  <dgm:styleLbl name="alignAcc1">
-    <dgm:scene3d>
-      <a:camera prst="orthographicFront"/>
-      <a:lightRig rig="threePt" dir="t"/>
-    </dgm:scene3d>
-    <dgm:sp3d/>
-    <dgm:txPr/>
-    <dgm:style>
-      <a:lnRef idx="1">
-        <a:scrgbClr r="0" g="0" b="0"/>
-      </a:lnRef>
-      <a:fillRef idx="1">
-        <a:scrgbClr r="0" g="0" b="0"/>
-      </a:fillRef>
-      <a:effectRef idx="2">
-        <a:scrgbClr r="0" g="0" b="0"/>
-      </a:effectRef>
-      <a:fontRef idx="minor"/>
-    </dgm:style>
-  </dgm:styleLbl>
-  <dgm:styleLbl name="trAlignAcc1">
-    <dgm:scene3d>
-      <a:camera prst="orthographicFront"/>
-      <a:lightRig rig="threePt" dir="t"/>
-    </dgm:scene3d>
-    <dgm:sp3d/>
-    <dgm:txPr/>
-    <dgm:style>
-      <a:lnRef idx="1">
-        <a:scrgbClr r="0" g="0" b="0"/>
-      </a:lnRef>
-      <a:fillRef idx="1">
-        <a:scrgbClr r="0" g="0" b="0"/>
-      </a:fillRef>
-      <a:effectRef idx="0">
-        <a:scrgbClr r="0" g="0" b="0"/>
-      </a:effectRef>
-      <a:fontRef idx="minor"/>
-    </dgm:style>
-  </dgm:styleLbl>
-  <dgm:styleLbl name="bgAcc1">
-    <dgm:scene3d>
-      <a:camera prst="orthographicFront"/>
-      <a:lightRig rig="threePt" dir="t"/>
-    </dgm:scene3d>
-    <dgm:sp3d/>
-    <dgm:txPr/>
-    <dgm:style>
-      <a:lnRef idx="1">
-        <a:scrgbClr r="0" g="0" b="0"/>
-      </a:lnRef>
-      <a:fillRef idx="1">
-        <a:scrgbClr r="0" g="0" b="0"/>
-      </a:fillRef>
-      <a:effectRef idx="2">
-        <a:scrgbClr r="0" g="0" b="0"/>
-      </a:effectRef>
-      <a:fontRef idx="minor"/>
-    </dgm:style>
-  </dgm:styleLbl>
-  <dgm:styleLbl name="solidFgAcc1">
-    <dgm:scene3d>
-      <a:camera prst="orthographicFront"/>
-      <a:lightRig rig="threePt" dir="t"/>
-    </dgm:scene3d>
-    <dgm:sp3d/>
-    <dgm:txPr/>
-    <dgm:style>
-      <a:lnRef idx="1">
-        <a:scrgbClr r="0" g="0" b="0"/>
-      </a:lnRef>
-      <a:fillRef idx="1">
-        <a:scrgbClr r="0" g="0" b="0"/>
-      </a:fillRef>
-      <a:effectRef idx="2">
-        <a:scrgbClr r="0" g="0" b="0"/>
-      </a:effectRef>
-      <a:fontRef idx="minor"/>
-    </dgm:style>
-  </dgm:styleLbl>
-  <dgm:styleLbl name="solidAlignAcc1">
-    <dgm:scene3d>
-      <a:camera prst="orthographicFront"/>
-      <a:lightRig rig="threePt" dir="t"/>
-    </dgm:scene3d>
-    <dgm:sp3d/>
-    <dgm:txPr/>
-    <dgm:style>
-      <a:lnRef idx="1">
-        <a:scrgbClr r="0" g="0" b="0"/>
-      </a:lnRef>
-      <a:fillRef idx="1">
-        <a:scrgbClr r="0" g="0" b="0"/>
-      </a:fillRef>
-      <a:effectRef idx="3">
-        <a:scrgbClr r="0" g="0" b="0"/>
-      </a:effectRef>
-      <a:fontRef idx="minor"/>
-    </dgm:style>
-  </dgm:styleLbl>
-  <dgm:styleLbl name="solidBgAcc1">
-    <dgm:scene3d>
-      <a:camera prst="orthographicFront"/>
-      <a:lightRig rig="threePt" dir="t"/>
-    </dgm:scene3d>
-    <dgm:sp3d/>
-    <dgm:txPr/>
-    <dgm:style>
-      <a:lnRef idx="1">
-        <a:scrgbClr r="0" g="0" b="0"/>
-      </a:lnRef>
-      <a:fillRef idx="1">
-        <a:scrgbClr r="0" g="0" b="0"/>
-      </a:fillRef>
-      <a:effectRef idx="3">
-        <a:scrgbClr r="0" g="0" b="0"/>
-      </a:effectRef>
-      <a:fontRef idx="minor"/>
-    </dgm:style>
-  </dgm:styleLbl>
-  <dgm:styleLbl name="fgAccFollowNode1">
-    <dgm:scene3d>
-      <a:camera prst="orthographicFront"/>
-      <a:lightRig rig="threePt" dir="t"/>
-    </dgm:scene3d>
-    <dgm:sp3d/>
-    <dgm:txPr/>
-    <dgm:style>
-      <a:lnRef idx="1">
-        <a:scrgbClr r="0" g="0" b="0"/>
-      </a:lnRef>
-      <a:fillRef idx="1">
-        <a:scrgbClr r="0" g="0" b="0"/>
-      </a:fillRef>
-      <a:effectRef idx="2">
-        <a:scrgbClr r="0" g="0" b="0"/>
-      </a:effectRef>
-      <a:fontRef idx="minor"/>
-    </dgm:style>
-  </dgm:styleLbl>
-  <dgm:styleLbl name="alignAccFollowNode1">
-    <dgm:scene3d>
-      <a:camera prst="orthographicFront"/>
-      <a:lightRig rig="threePt" dir="t"/>
-    </dgm:scene3d>
-    <dgm:sp3d/>
-    <dgm:txPr/>
-    <dgm:style>
-      <a:lnRef idx="1">
-        <a:scrgbClr r="0" g="0" b="0"/>
-      </a:lnRef>
-      <a:fillRef idx="1">
-        <a:scrgbClr r="0" g="0" b="0"/>
-      </a:fillRef>
-      <a:effectRef idx="2">
-        <a:scrgbClr r="0" g="0" b="0"/>
-      </a:effectRef>
-      <a:fontRef idx="minor"/>
-    </dgm:style>
-  </dgm:styleLbl>
-  <dgm:styleLbl name="bgAccFollowNode1">
-    <dgm:scene3d>
-      <a:camera prst="orthographicFront"/>
-      <a:lightRig rig="threePt" dir="t"/>
-    </dgm:scene3d>
-    <dgm:sp3d/>
-    <dgm:txPr/>
-    <dgm:style>
-      <a:lnRef idx="1">
-        <a:scrgbClr r="0" g="0" b="0"/>
-      </a:lnRef>
-      <a:fillRef idx="1">
-        <a:scrgbClr r="0" g="0" b="0"/>
-      </a:fillRef>
-      <a:effectRef idx="2">
-        <a:scrgbClr r="0" g="0" b="0"/>
-      </a:effectRef>
-      <a:fontRef idx="minor"/>
-    </dgm:style>
-  </dgm:styleLbl>
-  <dgm:styleLbl name="fgAcc0">
-    <dgm:scene3d>
-      <a:camera prst="orthographicFront"/>
-      <a:lightRig rig="threePt" dir="t"/>
-    </dgm:scene3d>
-    <dgm:sp3d/>
-    <dgm:txPr/>
-    <dgm:style>
-      <a:lnRef idx="1">
-        <a:scrgbClr r="0" g="0" b="0"/>
-      </a:lnRef>
-      <a:fillRef idx="1">
-        <a:scrgbClr r="0" g="0" b="0"/>
-      </a:fillRef>
-      <a:effectRef idx="2">
-        <a:scrgbClr r="0" g="0" b="0"/>
-      </a:effectRef>
-      <a:fontRef idx="minor"/>
-    </dgm:style>
-  </dgm:styleLbl>
-  <dgm:styleLbl name="fgAcc2">
-    <dgm:scene3d>
-      <a:camera prst="orthographicFront"/>
-      <a:lightRig rig="threePt" dir="t"/>
-    </dgm:scene3d>
-    <dgm:sp3d/>
-    <dgm:txPr/>
-    <dgm:style>
-      <a:lnRef idx="1">
-        <a:scrgbClr r="0" g="0" b="0"/>
-      </a:lnRef>
-      <a:fillRef idx="1">
-        <a:scrgbClr r="0" g="0" b="0"/>
-      </a:fillRef>
-      <a:effectRef idx="2">
-        <a:scrgbClr r="0" g="0" b="0"/>
-      </a:effectRef>
-      <a:fontRef idx="minor"/>
-    </dgm:style>
-  </dgm:styleLbl>
-  <dgm:styleLbl name="fgAcc3">
-    <dgm:scene3d>
-      <a:camera prst="orthographicFront"/>
-      <a:lightRig rig="threePt" dir="t"/>
-    </dgm:scene3d>
-    <dgm:sp3d/>
-    <dgm:txPr/>
-    <dgm:style>
-      <a:lnRef idx="1">
-        <a:scrgbClr r="0" g="0" b="0"/>
-      </a:lnRef>
-      <a:fillRef idx="1">
-        <a:scrgbClr r="0" g="0" b="0"/>
-      </a:fillRef>
-      <a:effectRef idx="2">
-        <a:scrgbClr r="0" g="0" b="0"/>
-      </a:effectRef>
-      <a:fontRef idx="minor"/>
-    </dgm:style>
-  </dgm:styleLbl>
-  <dgm:styleLbl name="fgAcc4">
-    <dgm:scene3d>
-      <a:camera prst="orthographicFront"/>
-      <a:lightRig rig="threePt" dir="t"/>
-    </dgm:scene3d>
-    <dgm:sp3d/>
-    <dgm:txPr/>
-    <dgm:style>
-      <a:lnRef idx="1">
-        <a:scrgbClr r="0" g="0" b="0"/>
-      </a:lnRef>
-      <a:fillRef idx="1">
-        <a:scrgbClr r="0" g="0" b="0"/>
-      </a:fillRef>
-      <a:effectRef idx="2">
-        <a:scrgbClr r="0" g="0" b="0"/>
-      </a:effectRef>
-      <a:fontRef idx="minor"/>
-    </dgm:style>
-  </dgm:styleLbl>
-  <dgm:styleLbl name="bgShp">
-    <dgm:scene3d>
-      <a:camera prst="orthographicFront"/>
-      <a:lightRig rig="threePt" dir="t"/>
-    </dgm:scene3d>
-    <dgm:sp3d/>
-    <dgm:txPr/>
-    <dgm:style>
-      <a:lnRef idx="0">
-        <a:scrgbClr r="0" g="0" b="0"/>
-      </a:lnRef>
-      <a:fillRef idx="1">
-        <a:scrgbClr r="0" g="0" b="0"/>
-      </a:fillRef>
-      <a:effectRef idx="2">
-        <a:scrgbClr r="0" g="0" b="0"/>
-      </a:effectRef>
-      <a:fontRef idx="minor"/>
-    </dgm:style>
-  </dgm:styleLbl>
-  <dgm:styleLbl name="dkBgShp">
-    <dgm:scene3d>
-      <a:camera prst="orthographicFront"/>
-      <a:lightRig rig="threePt" dir="t"/>
-    </dgm:scene3d>
-    <dgm:sp3d/>
-    <dgm:txPr/>
-    <dgm:style>
-      <a:lnRef idx="0">
-        <a:scrgbClr r="0" g="0" b="0"/>
-      </a:lnRef>
-      <a:fillRef idx="1">
-        <a:scrgbClr r="0" g="0" b="0"/>
-      </a:fillRef>
-      <a:effectRef idx="3">
-        <a:scrgbClr r="0" g="0" b="0"/>
-      </a:effectRef>
-      <a:fontRef idx="minor"/>
-    </dgm:style>
-  </dgm:styleLbl>
-  <dgm:styleLbl name="trBgShp">
-    <dgm:scene3d>
-      <a:camera prst="orthographicFront"/>
-      <a:lightRig rig="threePt" dir="t"/>
-    </dgm:scene3d>
-    <dgm:sp3d/>
-    <dgm:txPr/>
-    <dgm:style>
-      <a:lnRef idx="0">
-        <a:scrgbClr r="0" g="0" b="0"/>
-      </a:lnRef>
-      <a:fillRef idx="1">
-        <a:scrgbClr r="0" g="0" b="0"/>
-      </a:fillRef>
-      <a:effectRef idx="0">
-        <a:scrgbClr r="0" g="0" b="0"/>
-      </a:effectRef>
-      <a:fontRef idx="minor"/>
-    </dgm:style>
-  </dgm:styleLbl>
-  <dgm:styleLbl name="fgShp">
-    <dgm:scene3d>
-      <a:camera prst="orthographicFront"/>
-      <a:lightRig rig="threePt" dir="t"/>
-    </dgm:scene3d>
-    <dgm:sp3d/>
-    <dgm:txPr/>
-    <dgm:style>
-      <a:lnRef idx="0">
-        <a:scrgbClr r="0" g="0" b="0"/>
-      </a:lnRef>
-      <a:fillRef idx="3">
-        <a:scrgbClr r="0" g="0" b="0"/>
-      </a:fillRef>
-      <a:effectRef idx="3">
-        <a:scrgbClr r="0" g="0" b="0"/>
-      </a:effectRef>
-      <a:fontRef idx="minor"/>
-    </dgm:style>
-  </dgm:styleLbl>
-  <dgm:styleLbl name="revTx">
-    <dgm:scene3d>
-      <a:camera prst="orthographicFront"/>
-      <a:lightRig rig="threePt" dir="t"/>
-    </dgm:scene3d>
-    <dgm:sp3d/>
-    <dgm:txPr/>
-    <dgm:style>
-      <a:lnRef idx="0">
-        <a:scrgbClr r="0" g="0" b="0"/>
-      </a:lnRef>
-      <a:fillRef idx="0">
-        <a:scrgbClr r="0" g="0" b="0"/>
-      </a:fillRef>
-      <a:effectRef idx="0">
-        <a:scrgbClr r="0" g="0" b="0"/>
-      </a:effectRef>
-      <a:fontRef idx="minor"/>
-    </dgm:style>
-  </dgm:styleLbl>
-</dgm:styleDef>
-</file>
-
 <file path=ppt/diagrams/quickStyle8.xml><?xml version="1.0" encoding="utf-8"?>
-<dgm:styleDef xmlns:dgm="http://schemas.openxmlformats.org/drawingml/2006/diagram" xmlns:a="http://schemas.openxmlformats.org/drawingml/2006/main" uniqueId="urn:microsoft.com/office/officeart/2005/8/quickstyle/simple1">
-  <dgm:title val=""/>
-  <dgm:desc val=""/>
-  <dgm:catLst>
-    <dgm:cat type="simple" pri="10100"/>
-  </dgm:catLst>
-  <dgm:scene3d>
-    <a:camera prst="orthographicFront"/>
-    <a:lightRig rig="threePt" dir="t"/>
-  </dgm:scene3d>
-  <dgm:styleLbl name="node0">
-    <dgm:scene3d>
-      <a:camera prst="orthographicFront"/>
-      <a:lightRig rig="threePt" dir="t"/>
-    </dgm:scene3d>
-    <dgm:sp3d/>
-    <dgm:txPr/>
-    <dgm:style>
-      <a:lnRef idx="2">
-        <a:scrgbClr r="0" g="0" b="0"/>
-      </a:lnRef>
-      <a:fillRef idx="1">
-        <a:scrgbClr r="0" g="0" b="0"/>
-      </a:fillRef>
-      <a:effectRef idx="0">
-        <a:scrgbClr r="0" g="0" b="0"/>
-      </a:effectRef>
-      <a:fontRef idx="minor">
-        <a:schemeClr val="lt1"/>
-      </a:fontRef>
-    </dgm:style>
-  </dgm:styleLbl>
-  <dgm:styleLbl name="lnNode1">
-    <dgm:scene3d>
-      <a:camera prst="orthographicFront"/>
-      <a:lightRig rig="threePt" dir="t"/>
-    </dgm:scene3d>
-    <dgm:sp3d/>
-    <dgm:txPr/>
-    <dgm:style>
-      <a:lnRef idx="2">
-        <a:scrgbClr r="0" g="0" b="0"/>
-      </a:lnRef>
-      <a:fillRef idx="1">
-        <a:scrgbClr r="0" g="0" b="0"/>
-      </a:fillRef>
-      <a:effectRef idx="0">
-        <a:scrgbClr r="0" g="0" b="0"/>
-      </a:effectRef>
-      <a:fontRef idx="minor">
-        <a:schemeClr val="lt1"/>
-      </a:fontRef>
-    </dgm:style>
-  </dgm:styleLbl>
-  <dgm:styleLbl name="vennNode1">
-    <dgm:scene3d>
-      <a:camera prst="orthographicFront"/>
-      <a:lightRig rig="threePt" dir="t"/>
-    </dgm:scene3d>
-    <dgm:sp3d/>
-    <dgm:txPr/>
-    <dgm:style>
-      <a:lnRef idx="2">
-        <a:scrgbClr r="0" g="0" b="0"/>
-      </a:lnRef>
-      <a:fillRef idx="1">
-        <a:scrgbClr r="0" g="0" b="0"/>
-      </a:fillRef>
-      <a:effectRef idx="0">
-        <a:scrgbClr r="0" g="0" b="0"/>
-      </a:effectRef>
-      <a:fontRef idx="minor">
-        <a:schemeClr val="tx1"/>
-      </a:fontRef>
-    </dgm:style>
-  </dgm:styleLbl>
-  <dgm:styleLbl name="alignNode1">
-    <dgm:scene3d>
-      <a:camera prst="orthographicFront"/>
-      <a:lightRig rig="threePt" dir="t"/>
-    </dgm:scene3d>
-    <dgm:sp3d/>
-    <dgm:txPr/>
-    <dgm:style>
-      <a:lnRef idx="2">
-        <a:scrgbClr r="0" g="0" b="0"/>
-      </a:lnRef>
-      <a:fillRef idx="1">
-        <a:scrgbClr r="0" g="0" b="0"/>
-      </a:fillRef>
-      <a:effectRef idx="0">
-        <a:scrgbClr r="0" g="0" b="0"/>
-      </a:effectRef>
-      <a:fontRef idx="minor">
-        <a:schemeClr val="lt1"/>
-      </a:fontRef>
-    </dgm:style>
-  </dgm:styleLbl>
-  <dgm:styleLbl name="node1">
-    <dgm:scene3d>
-      <a:camera prst="orthographicFront"/>
-      <a:lightRig rig="threePt" dir="t"/>
-    </dgm:scene3d>
-    <dgm:sp3d/>
-    <dgm:txPr/>
-    <dgm:style>
-      <a:lnRef idx="2">
-        <a:scrgbClr r="0" g="0" b="0"/>
-      </a:lnRef>
-      <a:fillRef idx="1">
-        <a:scrgbClr r="0" g="0" b="0"/>
-      </a:fillRef>
-      <a:effectRef idx="0">
-        <a:scrgbClr r="0" g="0" b="0"/>
-      </a:effectRef>
-      <a:fontRef idx="minor">
-        <a:schemeClr val="lt1"/>
-      </a:fontRef>
-    </dgm:style>
-  </dgm:styleLbl>
-  <dgm:styleLbl name="node2">
-    <dgm:scene3d>
-      <a:camera prst="orthographicFront"/>
-      <a:lightRig rig="threePt" dir="t"/>
-    </dgm:scene3d>
-    <dgm:sp3d/>
-    <dgm:txPr/>
-    <dgm:style>
-      <a:lnRef idx="2">
-        <a:scrgbClr r="0" g="0" b="0"/>
-      </a:lnRef>
-      <a:fillRef idx="1">
-        <a:scrgbClr r="0" g="0" b="0"/>
-      </a:fillRef>
-      <a:effectRef idx="0">
-        <a:scrgbClr r="0" g="0" b="0"/>
-      </a:effectRef>
-      <a:fontRef idx="minor">
-        <a:schemeClr val="lt1"/>
-      </a:fontRef>
-    </dgm:style>
-  </dgm:styleLbl>
-  <dgm:styleLbl name="node3">
-    <dgm:scene3d>
-      <a:camera prst="orthographicFront"/>
-      <a:lightRig rig="threePt" dir="t"/>
-    </dgm:scene3d>
-    <dgm:sp3d/>
-    <dgm:txPr/>
-    <dgm:style>
-      <a:lnRef idx="2">
-        <a:scrgbClr r="0" g="0" b="0"/>
-      </a:lnRef>
-      <a:fillRef idx="1">
-        <a:scrgbClr r="0" g="0" b="0"/>
-      </a:fillRef>
-      <a:effectRef idx="0">
-        <a:scrgbClr r="0" g="0" b="0"/>
-      </a:effectRef>
-      <a:fontRef idx="minor">
-        <a:schemeClr val="lt1"/>
-      </a:fontRef>
-    </dgm:style>
-  </dgm:styleLbl>
-  <dgm:styleLbl name="node4">
-    <dgm:scene3d>
-      <a:camera prst="orthographicFront"/>
-      <a:lightRig rig="threePt" dir="t"/>
-    </dgm:scene3d>
-    <dgm:sp3d/>
-    <dgm:txPr/>
-    <dgm:style>
-      <a:lnRef idx="2">
-        <a:scrgbClr r="0" g="0" b="0"/>
-      </a:lnRef>
-      <a:fillRef idx="1">
-        <a:scrgbClr r="0" g="0" b="0"/>
-      </a:fillRef>
-      <a:effectRef idx="0">
-        <a:scrgbClr r="0" g="0" b="0"/>
-      </a:effectRef>
-      <a:fontRef idx="minor">
-        <a:schemeClr val="lt1"/>
-      </a:fontRef>
-    </dgm:style>
-  </dgm:styleLbl>
-  <dgm:styleLbl name="fgImgPlace1">
-    <dgm:scene3d>
-      <a:camera prst="orthographicFront"/>
-      <a:lightRig rig="threePt" dir="t"/>
-    </dgm:scene3d>
-    <dgm:sp3d/>
-    <dgm:txPr/>
-    <dgm:style>
-      <a:lnRef idx="2">
-        <a:scrgbClr r="0" g="0" b="0"/>
-      </a:lnRef>
-      <a:fillRef idx="1">
-        <a:scrgbClr r="0" g="0" b="0"/>
-      </a:fillRef>
-      <a:effectRef idx="0">
-        <a:scrgbClr r="0" g="0" b="0"/>
-      </a:effectRef>
-      <a:fontRef idx="minor"/>
-    </dgm:style>
-  </dgm:styleLbl>
-  <dgm:styleLbl name="alignImgPlace1">
-    <dgm:scene3d>
-      <a:camera prst="orthographicFront"/>
-      <a:lightRig rig="threePt" dir="t"/>
-    </dgm:scene3d>
-    <dgm:sp3d/>
-    <dgm:txPr/>
-    <dgm:style>
-      <a:lnRef idx="2">
-        <a:scrgbClr r="0" g="0" b="0"/>
-      </a:lnRef>
-      <a:fillRef idx="1">
-        <a:scrgbClr r="0" g="0" b="0"/>
-      </a:fillRef>
-      <a:effectRef idx="0">
-        <a:scrgbClr r="0" g="0" b="0"/>
-      </a:effectRef>
-      <a:fontRef idx="minor"/>
-    </dgm:style>
-  </dgm:styleLbl>
-  <dgm:styleLbl name="bgImgPlace1">
-    <dgm:scene3d>
-      <a:camera prst="orthographicFront"/>
-      <a:lightRig rig="threePt" dir="t"/>
-    </dgm:scene3d>
-    <dgm:sp3d/>
-    <dgm:txPr/>
-    <dgm:style>
-      <a:lnRef idx="2">
-        <a:scrgbClr r="0" g="0" b="0"/>
-      </a:lnRef>
-      <a:fillRef idx="1">
-        <a:scrgbClr r="0" g="0" b="0"/>
-      </a:fillRef>
-      <a:effectRef idx="0">
-        <a:scrgbClr r="0" g="0" b="0"/>
-      </a:effectRef>
-      <a:fontRef idx="minor"/>
-    </dgm:style>
-  </dgm:styleLbl>
-  <dgm:styleLbl name="sibTrans2D1">
-    <dgm:scene3d>
-      <a:camera prst="orthographicFront"/>
-      <a:lightRig rig="threePt" dir="t"/>
-    </dgm:scene3d>
-    <dgm:sp3d/>
-    <dgm:txPr/>
-    <dgm:style>
-      <a:lnRef idx="0">
-        <a:scrgbClr r="0" g="0" b="0"/>
-      </a:lnRef>
-      <a:fillRef idx="1">
-        <a:scrgbClr r="0" g="0" b="0"/>
-      </a:fillRef>
-      <a:effectRef idx="0">
-        <a:scrgbClr r="0" g="0" b="0"/>
-      </a:effectRef>
-      <a:fontRef idx="minor">
-        <a:schemeClr val="lt1"/>
-      </a:fontRef>
-    </dgm:style>
-  </dgm:styleLbl>
-  <dgm:styleLbl name="fgSibTrans2D1">
-    <dgm:scene3d>
-      <a:camera prst="orthographicFront"/>
-      <a:lightRig rig="threePt" dir="t"/>
-    </dgm:scene3d>
-    <dgm:sp3d/>
-    <dgm:txPr/>
-    <dgm:style>
-      <a:lnRef idx="0">
-        <a:scrgbClr r="0" g="0" b="0"/>
-      </a:lnRef>
-      <a:fillRef idx="1">
-        <a:scrgbClr r="0" g="0" b="0"/>
-      </a:fillRef>
-      <a:effectRef idx="0">
-        <a:scrgbClr r="0" g="0" b="0"/>
-      </a:effectRef>
-      <a:fontRef idx="minor">
-        <a:schemeClr val="lt1"/>
-      </a:fontRef>
-    </dgm:style>
-  </dgm:styleLbl>
-  <dgm:styleLbl name="bgSibTrans2D1">
-    <dgm:scene3d>
-      <a:camera prst="orthographicFront"/>
-      <a:lightRig rig="threePt" dir="t"/>
-    </dgm:scene3d>
-    <dgm:sp3d/>
-    <dgm:txPr/>
-    <dgm:style>
-      <a:lnRef idx="0">
-        <a:scrgbClr r="0" g="0" b="0"/>
-      </a:lnRef>
-      <a:fillRef idx="1">
-        <a:scrgbClr r="0" g="0" b="0"/>
-      </a:fillRef>
-      <a:effectRef idx="0">
-        <a:scrgbClr r="0" g="0" b="0"/>
-      </a:effectRef>
-      <a:fontRef idx="minor">
-        <a:schemeClr val="lt1"/>
-      </a:fontRef>
-    </dgm:style>
-  </dgm:styleLbl>
-  <dgm:styleLbl name="sibTrans1D1">
-    <dgm:scene3d>
-      <a:camera prst="orthographicFront"/>
-      <a:lightRig rig="threePt" dir="t"/>
-    </dgm:scene3d>
-    <dgm:sp3d/>
-    <dgm:txPr/>
-    <dgm:style>
-      <a:lnRef idx="1">
-        <a:scrgbClr r="0" g="0" b="0"/>
-      </a:lnRef>
-      <a:fillRef idx="0">
-        <a:scrgbClr r="0" g="0" b="0"/>
-      </a:fillRef>
-      <a:effectRef idx="0">
-        <a:scrgbClr r="0" g="0" b="0"/>
-      </a:effectRef>
-      <a:fontRef idx="minor"/>
-    </dgm:style>
-  </dgm:styleLbl>
-  <dgm:styleLbl name="callout">
-    <dgm:scene3d>
-      <a:camera prst="orthographicFront"/>
-      <a:lightRig rig="threePt" dir="t"/>
-    </dgm:scene3d>
-    <dgm:sp3d/>
-    <dgm:txPr/>
-    <dgm:style>
-      <a:lnRef idx="2">
-        <a:scrgbClr r="0" g="0" b="0"/>
-      </a:lnRef>
-      <a:fillRef idx="1">
-        <a:scrgbClr r="0" g="0" b="0"/>
-      </a:fillRef>
-      <a:effectRef idx="0">
-        <a:scrgbClr r="0" g="0" b="0"/>
-      </a:effectRef>
-      <a:fontRef idx="minor"/>
-    </dgm:style>
-  </dgm:styleLbl>
-  <dgm:styleLbl name="asst0">
-    <dgm:scene3d>
-      <a:camera prst="orthographicFront"/>
-      <a:lightRig rig="threePt" dir="t"/>
-    </dgm:scene3d>
-    <dgm:sp3d/>
-    <dgm:txPr/>
-    <dgm:style>
-      <a:lnRef idx="2">
-        <a:scrgbClr r="0" g="0" b="0"/>
-      </a:lnRef>
-      <a:fillRef idx="1">
-        <a:scrgbClr r="0" g="0" b="0"/>
-      </a:fillRef>
-      <a:effectRef idx="0">
-        <a:scrgbClr r="0" g="0" b="0"/>
-      </a:effectRef>
-      <a:fontRef idx="minor">
-        <a:schemeClr val="lt1"/>
-      </a:fontRef>
-    </dgm:style>
-  </dgm:styleLbl>
-  <dgm:styleLbl name="asst1">
-    <dgm:scene3d>
-      <a:camera prst="orthographicFront"/>
-      <a:lightRig rig="threePt" dir="t"/>
-    </dgm:scene3d>
-    <dgm:sp3d/>
-    <dgm:txPr/>
-    <dgm:style>
-      <a:lnRef idx="2">
-        <a:scrgbClr r="0" g="0" b="0"/>
-      </a:lnRef>
-      <a:fillRef idx="1">
-        <a:scrgbClr r="0" g="0" b="0"/>
-      </a:fillRef>
-      <a:effectRef idx="0">
-        <a:scrgbClr r="0" g="0" b="0"/>
-      </a:effectRef>
-      <a:fontRef idx="minor">
-        <a:schemeClr val="lt1"/>
-      </a:fontRef>
-    </dgm:style>
-  </dgm:styleLbl>
-  <dgm:styleLbl name="asst2">
-    <dgm:scene3d>
-      <a:camera prst="orthographicFront"/>
-      <a:lightRig rig="threePt" dir="t"/>
-    </dgm:scene3d>
-    <dgm:sp3d/>
-    <dgm:txPr/>
-    <dgm:style>
-      <a:lnRef idx="2">
-        <a:scrgbClr r="0" g="0" b="0"/>
-      </a:lnRef>
-      <a:fillRef idx="1">
-        <a:scrgbClr r="0" g="0" b="0"/>
-      </a:fillRef>
-      <a:effectRef idx="0">
-        <a:scrgbClr r="0" g="0" b="0"/>
-      </a:effectRef>
-      <a:fontRef idx="minor">
-        <a:schemeClr val="lt1"/>
-      </a:fontRef>
-    </dgm:style>
-  </dgm:styleLbl>
-  <dgm:styleLbl name="asst3">
-    <dgm:scene3d>
-      <a:camera prst="orthographicFront"/>
-      <a:lightRig rig="threePt" dir="t"/>
-    </dgm:scene3d>
-    <dgm:sp3d/>
-    <dgm:txPr/>
-    <dgm:style>
-      <a:lnRef idx="2">
-        <a:scrgbClr r="0" g="0" b="0"/>
-      </a:lnRef>
-      <a:fillRef idx="1">
-        <a:scrgbClr r="0" g="0" b="0"/>
-      </a:fillRef>
-      <a:effectRef idx="0">
-        <a:scrgbClr r="0" g="0" b="0"/>
-      </a:effectRef>
-      <a:fontRef idx="minor">
-        <a:schemeClr val="lt1"/>
-      </a:fontRef>
-    </dgm:style>
-  </dgm:styleLbl>
-  <dgm:styleLbl name="asst4">
-    <dgm:scene3d>
-      <a:camera prst="orthographicFront"/>
-      <a:lightRig rig="threePt" dir="t"/>
-    </dgm:scene3d>
-    <dgm:sp3d/>
-    <dgm:txPr/>
-    <dgm:style>
-      <a:lnRef idx="2">
-        <a:scrgbClr r="0" g="0" b="0"/>
-      </a:lnRef>
-      <a:fillRef idx="1">
-        <a:scrgbClr r="0" g="0" b="0"/>
-      </a:fillRef>
-      <a:effectRef idx="0">
-        <a:scrgbClr r="0" g="0" b="0"/>
-      </a:effectRef>
-      <a:fontRef idx="minor">
-        <a:schemeClr val="lt1"/>
-      </a:fontRef>
-    </dgm:style>
-  </dgm:styleLbl>
-  <dgm:styleLbl name="parChTrans2D1">
-    <dgm:scene3d>
-      <a:camera prst="orthographicFront"/>
-      <a:lightRig rig="threePt" dir="t"/>
-    </dgm:scene3d>
-    <dgm:sp3d/>
-    <dgm:txPr/>
-    <dgm:style>
-      <a:lnRef idx="2">
-        <a:scrgbClr r="0" g="0" b="0"/>
-      </a:lnRef>
-      <a:fillRef idx="1">
-        <a:scrgbClr r="0" g="0" b="0"/>
-      </a:fillRef>
-      <a:effectRef idx="0">
-        <a:scrgbClr r="0" g="0" b="0"/>
-      </a:effectRef>
-      <a:fontRef idx="minor">
-        <a:schemeClr val="lt1"/>
-      </a:fontRef>
-    </dgm:style>
-  </dgm:styleLbl>
-  <dgm:styleLbl name="parChTrans2D2">
-    <dgm:scene3d>
-      <a:camera prst="orthographicFront"/>
-      <a:lightRig rig="threePt" dir="t"/>
-    </dgm:scene3d>
-    <dgm:sp3d/>
-    <dgm:txPr/>
-    <dgm:style>
-      <a:lnRef idx="2">
-        <a:scrgbClr r="0" g="0" b="0"/>
-      </a:lnRef>
-      <a:fillRef idx="1">
-        <a:scrgbClr r="0" g="0" b="0"/>
-      </a:fillRef>
-      <a:effectRef idx="0">
-        <a:scrgbClr r="0" g="0" b="0"/>
-      </a:effectRef>
-      <a:fontRef idx="minor">
-        <a:schemeClr val="lt1"/>
-      </a:fontRef>
-    </dgm:style>
-  </dgm:styleLbl>
-  <dgm:styleLbl name="parChTrans2D3">
-    <dgm:scene3d>
-      <a:camera prst="orthographicFront"/>
-      <a:lightRig rig="threePt" dir="t"/>
-    </dgm:scene3d>
-    <dgm:sp3d/>
-    <dgm:txPr/>
-    <dgm:style>
-      <a:lnRef idx="2">
-        <a:scrgbClr r="0" g="0" b="0"/>
-      </a:lnRef>
-      <a:fillRef idx="1">
-        <a:scrgbClr r="0" g="0" b="0"/>
-      </a:fillRef>
-      <a:effectRef idx="0">
-        <a:scrgbClr r="0" g="0" b="0"/>
-      </a:effectRef>
-      <a:fontRef idx="minor">
-        <a:schemeClr val="lt1"/>
-      </a:fontRef>
-    </dgm:style>
-  </dgm:styleLbl>
-  <dgm:styleLbl name="parChTrans2D4">
-    <dgm:scene3d>
-      <a:camera prst="orthographicFront"/>
-      <a:lightRig rig="threePt" dir="t"/>
-    </dgm:scene3d>
-    <dgm:sp3d/>
-    <dgm:txPr/>
-    <dgm:style>
-      <a:lnRef idx="2">
-        <a:scrgbClr r="0" g="0" b="0"/>
-      </a:lnRef>
-      <a:fillRef idx="1">
-        <a:scrgbClr r="0" g="0" b="0"/>
-      </a:fillRef>
-      <a:effectRef idx="0">
-        <a:scrgbClr r="0" g="0" b="0"/>
-      </a:effectRef>
-      <a:fontRef idx="minor">
-        <a:schemeClr val="lt1"/>
-      </a:fontRef>
-    </dgm:style>
-  </dgm:styleLbl>
-  <dgm:styleLbl name="parChTrans1D1">
-    <dgm:scene3d>
-      <a:camera prst="orthographicFront"/>
-      <a:lightRig rig="threePt" dir="t"/>
-    </dgm:scene3d>
-    <dgm:sp3d/>
-    <dgm:txPr/>
-    <dgm:style>
-      <a:lnRef idx="2">
-        <a:scrgbClr r="0" g="0" b="0"/>
-      </a:lnRef>
-      <a:fillRef idx="0">
-        <a:scrgbClr r="0" g="0" b="0"/>
-      </a:fillRef>
-      <a:effectRef idx="0">
-        <a:scrgbClr r="0" g="0" b="0"/>
-      </a:effectRef>
-      <a:fontRef idx="minor"/>
-    </dgm:style>
-  </dgm:styleLbl>
-  <dgm:styleLbl name="parChTrans1D2">
-    <dgm:scene3d>
-      <a:camera prst="orthographicFront"/>
-      <a:lightRig rig="threePt" dir="t"/>
-    </dgm:scene3d>
-    <dgm:sp3d/>
-    <dgm:txPr/>
-    <dgm:style>
-      <a:lnRef idx="2">
-        <a:scrgbClr r="0" g="0" b="0"/>
-      </a:lnRef>
-      <a:fillRef idx="0">
-        <a:scrgbClr r="0" g="0" b="0"/>
-      </a:fillRef>
-      <a:effectRef idx="0">
-        <a:scrgbClr r="0" g="0" b="0"/>
-      </a:effectRef>
-      <a:fontRef idx="minor"/>
-    </dgm:style>
-  </dgm:styleLbl>
-  <dgm:styleLbl name="parChTrans1D3">
-    <dgm:scene3d>
-      <a:camera prst="orthographicFront"/>
-      <a:lightRig rig="threePt" dir="t"/>
-    </dgm:scene3d>
-    <dgm:sp3d/>
-    <dgm:txPr/>
-    <dgm:style>
-      <a:lnRef idx="2">
-        <a:scrgbClr r="0" g="0" b="0"/>
-      </a:lnRef>
-      <a:fillRef idx="0">
-        <a:scrgbClr r="0" g="0" b="0"/>
-      </a:fillRef>
-      <a:effectRef idx="0">
-        <a:scrgbClr r="0" g="0" b="0"/>
-      </a:effectRef>
-      <a:fontRef idx="minor"/>
-    </dgm:style>
-  </dgm:styleLbl>
-  <dgm:styleLbl name="parChTrans1D4">
-    <dgm:scene3d>
-      <a:camera prst="orthographicFront"/>
-      <a:lightRig rig="threePt" dir="t"/>
-    </dgm:scene3d>
-    <dgm:sp3d/>
-    <dgm:txPr/>
-    <dgm:style>
-      <a:lnRef idx="2">
-        <a:scrgbClr r="0" g="0" b="0"/>
-      </a:lnRef>
-      <a:fillRef idx="0">
-        <a:scrgbClr r="0" g="0" b="0"/>
-      </a:fillRef>
-      <a:effectRef idx="0">
-        <a:scrgbClr r="0" g="0" b="0"/>
-      </a:effectRef>
-      <a:fontRef idx="minor"/>
-    </dgm:style>
-  </dgm:styleLbl>
-  <dgm:styleLbl name="fgAcc1">
-    <dgm:scene3d>
-      <a:camera prst="orthographicFront"/>
-      <a:lightRig rig="threePt" dir="t"/>
-    </dgm:scene3d>
-    <dgm:sp3d/>
-    <dgm:txPr/>
-    <dgm:style>
-      <a:lnRef idx="2">
-        <a:scrgbClr r="0" g="0" b="0"/>
-      </a:lnRef>
-      <a:fillRef idx="1">
-        <a:scrgbClr r="0" g="0" b="0"/>
-      </a:fillRef>
-      <a:effectRef idx="0">
-        <a:scrgbClr r="0" g="0" b="0"/>
-      </a:effectRef>
-      <a:fontRef idx="minor"/>
-    </dgm:style>
-  </dgm:styleLbl>
-  <dgm:styleLbl name="conFgAcc1">
-    <dgm:scene3d>
-      <a:camera prst="orthographicFront"/>
-      <a:lightRig rig="threePt" dir="t"/>
-    </dgm:scene3d>
-    <dgm:sp3d/>
-    <dgm:txPr/>
-    <dgm:style>
-      <a:lnRef idx="2">
-        <a:scrgbClr r="0" g="0" b="0"/>
-      </a:lnRef>
-      <a:fillRef idx="1">
-        <a:scrgbClr r="0" g="0" b="0"/>
-      </a:fillRef>
-      <a:effectRef idx="0">
-        <a:scrgbClr r="0" g="0" b="0"/>
-      </a:effectRef>
-      <a:fontRef idx="minor"/>
-    </dgm:style>
-  </dgm:styleLbl>
-  <dgm:styleLbl name="alignAcc1">
-    <dgm:scene3d>
-      <a:camera prst="orthographicFront"/>
-      <a:lightRig rig="threePt" dir="t"/>
-    </dgm:scene3d>
-    <dgm:sp3d/>
-    <dgm:txPr/>
-    <dgm:style>
-      <a:lnRef idx="2">
-        <a:scrgbClr r="0" g="0" b="0"/>
-      </a:lnRef>
-      <a:fillRef idx="1">
-        <a:scrgbClr r="0" g="0" b="0"/>
-      </a:fillRef>
-      <a:effectRef idx="0">
-        <a:scrgbClr r="0" g="0" b="0"/>
-      </a:effectRef>
-      <a:fontRef idx="minor"/>
-    </dgm:style>
-  </dgm:styleLbl>
-  <dgm:styleLbl name="trAlignAcc1">
-    <dgm:scene3d>
-      <a:camera prst="orthographicFront"/>
-      <a:lightRig rig="threePt" dir="t"/>
-    </dgm:scene3d>
-    <dgm:sp3d/>
-    <dgm:txPr/>
-    <dgm:style>
-      <a:lnRef idx="1">
-        <a:scrgbClr r="0" g="0" b="0"/>
-      </a:lnRef>
-      <a:fillRef idx="1">
-        <a:scrgbClr r="0" g="0" b="0"/>
-      </a:fillRef>
-      <a:effectRef idx="0">
-        <a:scrgbClr r="0" g="0" b="0"/>
-      </a:effectRef>
-      <a:fontRef idx="minor"/>
-    </dgm:style>
-  </dgm:styleLbl>
-  <dgm:styleLbl name="bgAcc1">
-    <dgm:scene3d>
-      <a:camera prst="orthographicFront"/>
-      <a:lightRig rig="threePt" dir="t"/>
-    </dgm:scene3d>
-    <dgm:sp3d/>
-    <dgm:txPr/>
-    <dgm:style>
-      <a:lnRef idx="2">
-        <a:scrgbClr r="0" g="0" b="0"/>
-      </a:lnRef>
-      <a:fillRef idx="1">
-        <a:scrgbClr r="0" g="0" b="0"/>
-      </a:fillRef>
-      <a:effectRef idx="0">
-        <a:scrgbClr r="0" g="0" b="0"/>
-      </a:effectRef>
-      <a:fontRef idx="minor"/>
-    </dgm:style>
-  </dgm:styleLbl>
-  <dgm:styleLbl name="solidFgAcc1">
-    <dgm:scene3d>
-      <a:camera prst="orthographicFront"/>
-      <a:lightRig rig="threePt" dir="t"/>
-    </dgm:scene3d>
-    <dgm:sp3d/>
-    <dgm:txPr/>
-    <dgm:style>
-      <a:lnRef idx="2">
-        <a:scrgbClr r="0" g="0" b="0"/>
-      </a:lnRef>
-      <a:fillRef idx="1">
-        <a:scrgbClr r="0" g="0" b="0"/>
-      </a:fillRef>
-      <a:effectRef idx="0">
-        <a:scrgbClr r="0" g="0" b="0"/>
-      </a:effectRef>
-      <a:fontRef idx="minor"/>
-    </dgm:style>
-  </dgm:styleLbl>
-  <dgm:styleLbl name="solidAlignAcc1">
-    <dgm:scene3d>
-      <a:camera prst="orthographicFront"/>
-      <a:lightRig rig="threePt" dir="t"/>
-    </dgm:scene3d>
-    <dgm:sp3d/>
-    <dgm:txPr/>
-    <dgm:style>
-      <a:lnRef idx="2">
-        <a:scrgbClr r="0" g="0" b="0"/>
-      </a:lnRef>
-      <a:fillRef idx="1">
-        <a:scrgbClr r="0" g="0" b="0"/>
-      </a:fillRef>
-      <a:effectRef idx="0">
-        <a:scrgbClr r="0" g="0" b="0"/>
-      </a:effectRef>
-      <a:fontRef idx="minor"/>
-    </dgm:style>
-  </dgm:styleLbl>
-  <dgm:styleLbl name="solidBgAcc1">
-    <dgm:scene3d>
-      <a:camera prst="orthographicFront"/>
-      <a:lightRig rig="threePt" dir="t"/>
-    </dgm:scene3d>
-    <dgm:sp3d/>
-    <dgm:txPr/>
-    <dgm:style>
-      <a:lnRef idx="2">
-        <a:scrgbClr r="0" g="0" b="0"/>
-      </a:lnRef>
-      <a:fillRef idx="1">
-        <a:scrgbClr r="0" g="0" b="0"/>
-      </a:fillRef>
-      <a:effectRef idx="0">
-        <a:scrgbClr r="0" g="0" b="0"/>
-      </a:effectRef>
-      <a:fontRef idx="minor"/>
-    </dgm:style>
-  </dgm:styleLbl>
-  <dgm:styleLbl name="fgAccFollowNode1">
-    <dgm:scene3d>
-      <a:camera prst="orthographicFront"/>
-      <a:lightRig rig="threePt" dir="t"/>
-    </dgm:scene3d>
-    <dgm:sp3d/>
-    <dgm:txPr/>
-    <dgm:style>
-      <a:lnRef idx="2">
-        <a:scrgbClr r="0" g="0" b="0"/>
-      </a:lnRef>
-      <a:fillRef idx="1">
-        <a:scrgbClr r="0" g="0" b="0"/>
-      </a:fillRef>
-      <a:effectRef idx="0">
-        <a:scrgbClr r="0" g="0" b="0"/>
-      </a:effectRef>
-      <a:fontRef idx="minor"/>
-    </dgm:style>
-  </dgm:styleLbl>
-  <dgm:styleLbl name="alignAccFollowNode1">
-    <dgm:scene3d>
-      <a:camera prst="orthographicFront"/>
-      <a:lightRig rig="threePt" dir="t"/>
-    </dgm:scene3d>
-    <dgm:sp3d/>
-    <dgm:txPr/>
-    <dgm:style>
-      <a:lnRef idx="2">
-        <a:scrgbClr r="0" g="0" b="0"/>
-      </a:lnRef>
-      <a:fillRef idx="1">
-        <a:scrgbClr r="0" g="0" b="0"/>
-      </a:fillRef>
-      <a:effectRef idx="0">
-        <a:scrgbClr r="0" g="0" b="0"/>
-      </a:effectRef>
-      <a:fontRef idx="minor"/>
-    </dgm:style>
-  </dgm:styleLbl>
-  <dgm:styleLbl name="bgAccFollowNode1">
-    <dgm:scene3d>
-      <a:camera prst="orthographicFront"/>
-      <a:lightRig rig="threePt" dir="t"/>
-    </dgm:scene3d>
-    <dgm:sp3d/>
-    <dgm:txPr/>
-    <dgm:style>
-      <a:lnRef idx="2">
-        <a:scrgbClr r="0" g="0" b="0"/>
-      </a:lnRef>
-      <a:fillRef idx="1">
-        <a:scrgbClr r="0" g="0" b="0"/>
-      </a:fillRef>
-      <a:effectRef idx="0">
-        <a:scrgbClr r="0" g="0" b="0"/>
-      </a:effectRef>
-      <a:fontRef idx="minor"/>
-    </dgm:style>
-  </dgm:styleLbl>
-  <dgm:styleLbl name="fgAcc0">
-    <dgm:scene3d>
-      <a:camera prst="orthographicFront"/>
-      <a:lightRig rig="threePt" dir="t"/>
-    </dgm:scene3d>
-    <dgm:sp3d/>
-    <dgm:txPr/>
-    <dgm:style>
-      <a:lnRef idx="2">
-        <a:scrgbClr r="0" g="0" b="0"/>
-      </a:lnRef>
-      <a:fillRef idx="1">
-        <a:scrgbClr r="0" g="0" b="0"/>
-      </a:fillRef>
-      <a:effectRef idx="0">
-        <a:scrgbClr r="0" g="0" b="0"/>
-      </a:effectRef>
-      <a:fontRef idx="minor"/>
-    </dgm:style>
-  </dgm:styleLbl>
-  <dgm:styleLbl name="fgAcc2">
-    <dgm:scene3d>
-      <a:camera prst="orthographicFront"/>
-      <a:lightRig rig="threePt" dir="t"/>
-    </dgm:scene3d>
-    <dgm:sp3d/>
-    <dgm:txPr/>
-    <dgm:style>
-      <a:lnRef idx="2">
-        <a:scrgbClr r="0" g="0" b="0"/>
-      </a:lnRef>
-      <a:fillRef idx="1">
-        <a:scrgbClr r="0" g="0" b="0"/>
-      </a:fillRef>
-      <a:effectRef idx="0">
-        <a:scrgbClr r="0" g="0" b="0"/>
-      </a:effectRef>
-      <a:fontRef idx="minor"/>
-    </dgm:style>
-  </dgm:styleLbl>
-  <dgm:styleLbl name="fgAcc3">
-    <dgm:scene3d>
-      <a:camera prst="orthographicFront"/>
-      <a:lightRig rig="threePt" dir="t"/>
-    </dgm:scene3d>
-    <dgm:sp3d/>
-    <dgm:txPr/>
-    <dgm:style>
-      <a:lnRef idx="2">
-        <a:scrgbClr r="0" g="0" b="0"/>
-      </a:lnRef>
-      <a:fillRef idx="1">
-        <a:scrgbClr r="0" g="0" b="0"/>
-      </a:fillRef>
-      <a:effectRef idx="0">
-        <a:scrgbClr r="0" g="0" b="0"/>
-      </a:effectRef>
-      <a:fontRef idx="minor"/>
-    </dgm:style>
-  </dgm:styleLbl>
-  <dgm:styleLbl name="fgAcc4">
-    <dgm:scene3d>
-      <a:camera prst="orthographicFront"/>
-      <a:lightRig rig="threePt" dir="t"/>
-    </dgm:scene3d>
-    <dgm:sp3d/>
-    <dgm:txPr/>
-    <dgm:style>
-      <a:lnRef idx="2">
-        <a:scrgbClr r="0" g="0" b="0"/>
-      </a:lnRef>
-      <a:fillRef idx="1">
-        <a:scrgbClr r="0" g="0" b="0"/>
-      </a:fillRef>
-      <a:effectRef idx="0">
-        <a:scrgbClr r="0" g="0" b="0"/>
-      </a:effectRef>
-      <a:fontRef idx="minor"/>
-    </dgm:style>
-  </dgm:styleLbl>
-  <dgm:styleLbl name="bgShp">
-    <dgm:scene3d>
-      <a:camera prst="orthographicFront"/>
-      <a:lightRig rig="threePt" dir="t"/>
-    </dgm:scene3d>
-    <dgm:sp3d/>
-    <dgm:txPr/>
-    <dgm:style>
-      <a:lnRef idx="0">
-        <a:scrgbClr r="0" g="0" b="0"/>
-      </a:lnRef>
-      <a:fillRef idx="1">
-        <a:scrgbClr r="0" g="0" b="0"/>
-      </a:fillRef>
-      <a:effectRef idx="0">
-        <a:scrgbClr r="0" g="0" b="0"/>
-      </a:effectRef>
-      <a:fontRef idx="minor"/>
-    </dgm:style>
-  </dgm:styleLbl>
-  <dgm:styleLbl name="dkBgShp">
-    <dgm:scene3d>
-      <a:camera prst="orthographicFront"/>
-      <a:lightRig rig="threePt" dir="t"/>
-    </dgm:scene3d>
-    <dgm:sp3d/>
-    <dgm:txPr/>
-    <dgm:style>
-      <a:lnRef idx="0">
-        <a:scrgbClr r="0" g="0" b="0"/>
-      </a:lnRef>
-      <a:fillRef idx="1">
-        <a:scrgbClr r="0" g="0" b="0"/>
-      </a:fillRef>
-      <a:effectRef idx="0">
-        <a:scrgbClr r="0" g="0" b="0"/>
-      </a:effectRef>
-      <a:fontRef idx="minor"/>
-    </dgm:style>
-  </dgm:styleLbl>
-  <dgm:styleLbl name="trBgShp">
-    <dgm:scene3d>
-      <a:camera prst="orthographicFront"/>
-      <a:lightRig rig="threePt" dir="t"/>
-    </dgm:scene3d>
-    <dgm:sp3d/>
-    <dgm:txPr/>
-    <dgm:style>
-      <a:lnRef idx="0">
-        <a:scrgbClr r="0" g="0" b="0"/>
-      </a:lnRef>
-      <a:fillRef idx="1">
-        <a:scrgbClr r="0" g="0" b="0"/>
-      </a:fillRef>
-      <a:effectRef idx="0">
-        <a:scrgbClr r="0" g="0" b="0"/>
-      </a:effectRef>
-      <a:fontRef idx="minor"/>
-    </dgm:style>
-  </dgm:styleLbl>
-  <dgm:styleLbl name="fgShp">
-    <dgm:scene3d>
-      <a:camera prst="orthographicFront"/>
-      <a:lightRig rig="threePt" dir="t"/>
-    </dgm:scene3d>
-    <dgm:sp3d/>
-    <dgm:txPr/>
-    <dgm:style>
-      <a:lnRef idx="2">
-        <a:scrgbClr r="0" g="0" b="0"/>
-      </a:lnRef>
-      <a:fillRef idx="1">
-        <a:scrgbClr r="0" g="0" b="0"/>
-      </a:fillRef>
-      <a:effectRef idx="0">
-        <a:scrgbClr r="0" g="0" b="0"/>
-      </a:effectRef>
-      <a:fontRef idx="minor"/>
-    </dgm:style>
-  </dgm:styleLbl>
-  <dgm:styleLbl name="revTx">
-    <dgm:scene3d>
-      <a:camera prst="orthographicFront"/>
-      <a:lightRig rig="threePt" dir="t"/>
-    </dgm:scene3d>
-    <dgm:sp3d/>
-    <dgm:txPr/>
-    <dgm:style>
-      <a:lnRef idx="0">
-        <a:scrgbClr r="0" g="0" b="0"/>
-      </a:lnRef>
-      <a:fillRef idx="0">
-        <a:scrgbClr r="0" g="0" b="0"/>
-      </a:fillRef>
-      <a:effectRef idx="0">
-        <a:scrgbClr r="0" g="0" b="0"/>
-      </a:effectRef>
-      <a:fontRef idx="minor"/>
-    </dgm:style>
-  </dgm:styleLbl>
-</dgm:styleDef>
-</file>
-
-<file path=ppt/diagrams/quickStyle9.xml><?xml version="1.0" encoding="utf-8"?>
 <dgm:styleDef xmlns:dgm="http://schemas.openxmlformats.org/drawingml/2006/diagram" xmlns:a="http://schemas.openxmlformats.org/drawingml/2006/main" uniqueId="urn:microsoft.com/office/officeart/2005/8/quickstyle/simple5">
   <dgm:title val=""/>
   <dgm:desc val=""/>
@@ -21579,7 +19540,7 @@
           <a:p>
             <a:fld id="{74313521-7E50-4644-9C79-C32EE84819E2}" type="datetimeFigureOut">
               <a:rPr kumimoji="1" lang="ja-JP" altLang="en-US" smtClean="0"/>
-              <a:t>2022/5/9</a:t>
+              <a:t>2022/5/10</a:t>
             </a:fld>
             <a:endParaRPr kumimoji="1" lang="ja-JP" altLang="en-US"/>
           </a:p>
@@ -22069,7 +20030,7 @@
           <a:p>
             <a:fld id="{AFF094C4-A23C-454F-A21B-C07DB7C52A14}" type="datetime1">
               <a:rPr kumimoji="1" lang="ja-JP" altLang="en-US" smtClean="0"/>
-              <a:t>2022/5/9</a:t>
+              <a:t>2022/5/10</a:t>
             </a:fld>
             <a:endParaRPr kumimoji="1" lang="ja-JP" altLang="en-US"/>
           </a:p>
@@ -22695,7 +20656,7 @@
           <a:p>
             <a:fld id="{19929903-E8DF-480B-9303-19000E509658}" type="datetime1">
               <a:rPr kumimoji="1" lang="ja-JP" altLang="en-US" smtClean="0"/>
-              <a:t>2022/5/9</a:t>
+              <a:t>2022/5/10</a:t>
             </a:fld>
             <a:endParaRPr kumimoji="1" lang="ja-JP" altLang="en-US"/>
           </a:p>
@@ -23482,7 +21443,7 @@
                 <a:latin typeface="Meiryo UI" panose="020B0604030504040204" pitchFamily="50" charset="-128"/>
                 <a:ea typeface="Meiryo UI" panose="020B0604030504040204" pitchFamily="50" charset="-128"/>
               </a:rPr>
-              <a:t>デモ</a:t>
+              <a:t>ﾃﾞﾓ</a:t>
             </a:r>
             <a:endParaRPr kumimoji="1" lang="en-US" altLang="ja-JP" sz="6000" dirty="0">
               <a:latin typeface="Meiryo UI" panose="020B0604030504040204" pitchFamily="50" charset="-128"/>
@@ -23630,7 +21591,7 @@
                 <a:latin typeface="Meiryo UI" panose="020B0604030504040204" pitchFamily="50" charset="-128"/>
                 <a:ea typeface="Meiryo UI" panose="020B0604030504040204" pitchFamily="50" charset="-128"/>
               </a:rPr>
-              <a:t>基礎講座の内容は一通り実現👍</a:t>
+              <a:t>基礎講座の内容は一通り実現</a:t>
             </a:r>
             <a:endParaRPr kumimoji="1" lang="en-US" altLang="ja-JP" sz="5400" dirty="0">
               <a:latin typeface="Meiryo UI" panose="020B0604030504040204" pitchFamily="50" charset="-128"/>
@@ -23711,16 +21672,6 @@
               </a:rPr>
               <a:t>?)</a:t>
             </a:r>
-            <a:r>
-              <a:rPr lang="ja-JP" altLang="en-US" sz="5400" b="0" i="0" dirty="0">
-                <a:solidFill>
-                  <a:srgbClr val="202320"/>
-                </a:solidFill>
-                <a:effectLst/>
-                <a:latin typeface="Arial" panose="020B0604020202020204" pitchFamily="34" charset="0"/>
-              </a:rPr>
-              <a:t>😢</a:t>
-            </a:r>
             <a:endParaRPr kumimoji="1" lang="en-US" altLang="ja-JP" sz="5400" dirty="0">
               <a:latin typeface="Meiryo UI" panose="020B0604030504040204" pitchFamily="50" charset="-128"/>
               <a:ea typeface="Meiryo UI" panose="020B0604030504040204" pitchFamily="50" charset="-128"/>
@@ -23737,16 +21688,6 @@
                 <a:ea typeface="Meiryo UI" panose="020B0604030504040204" pitchFamily="50" charset="-128"/>
               </a:rPr>
               <a:t>ﾃﾞｻﾞｲﾝｾﾝｽの無さに絶望</a:t>
-            </a:r>
-            <a:r>
-              <a:rPr lang="ja-JP" altLang="en-US" sz="5400" b="0" i="0" dirty="0">
-                <a:solidFill>
-                  <a:srgbClr val="202320"/>
-                </a:solidFill>
-                <a:effectLst/>
-                <a:latin typeface="Arial" panose="020B0604020202020204" pitchFamily="34" charset="0"/>
-              </a:rPr>
-              <a:t>😢</a:t>
             </a:r>
             <a:endParaRPr lang="en-US" altLang="ja-JP" sz="5400" b="0" i="0" dirty="0">
               <a:solidFill>
@@ -23768,16 +21709,6 @@
               </a:rPr>
               <a:t>自由に楽しくやれたのが最大の収穫</a:t>
             </a:r>
-            <a:r>
-              <a:rPr lang="ja-JP" altLang="en-US" sz="5400" b="0" i="0" dirty="0">
-                <a:solidFill>
-                  <a:srgbClr val="202320"/>
-                </a:solidFill>
-                <a:effectLst/>
-                <a:latin typeface="Arial" panose="020B0604020202020204" pitchFamily="34" charset="0"/>
-              </a:rPr>
-              <a:t>🎉</a:t>
-            </a:r>
             <a:endParaRPr kumimoji="1" lang="en-US" altLang="ja-JP" sz="5400" dirty="0">
               <a:latin typeface="Meiryo UI" panose="020B0604030504040204" pitchFamily="50" charset="-128"/>
               <a:ea typeface="Meiryo UI" panose="020B0604030504040204" pitchFamily="50" charset="-128"/>
@@ -23785,6 +21716,162 @@
           </a:p>
         </p:txBody>
       </p:sp>
+      <p:pic>
+        <p:nvPicPr>
+          <p:cNvPr id="3" name="グラフィックス 2" descr="親指を立てるしぐさ 単色塗りつぶし">
+            <a:extLst>
+              <a:ext uri="{FF2B5EF4-FFF2-40B4-BE49-F238E27FC236}">
+                <a16:creationId xmlns:a16="http://schemas.microsoft.com/office/drawing/2014/main" id="{D076C6AE-34C3-42C6-900B-A6B19CCD7386}"/>
+              </a:ext>
+            </a:extLst>
+          </p:cNvPr>
+          <p:cNvPicPr>
+            <a:picLocks noChangeAspect="1"/>
+          </p:cNvPicPr>
+          <p:nvPr/>
+        </p:nvPicPr>
+        <p:blipFill>
+          <a:blip r:embed="rId2">
+            <a:extLst>
+              <a:ext uri="{28A0092B-C50C-407E-A947-70E740481C1C}">
+                <a14:useLocalDpi xmlns:a14="http://schemas.microsoft.com/office/drawing/2010/main" val="0"/>
+              </a:ext>
+              <a:ext uri="{96DAC541-7B7A-43D3-8B79-37D633B846F1}">
+                <asvg:svgBlip xmlns:asvg="http://schemas.microsoft.com/office/drawing/2016/SVG/main" r:embed="rId3"/>
+              </a:ext>
+            </a:extLst>
+          </a:blip>
+          <a:stretch>
+            <a:fillRect/>
+          </a:stretch>
+        </p:blipFill>
+        <p:spPr>
+          <a:xfrm>
+            <a:off x="9777046" y="1723253"/>
+            <a:ext cx="914400" cy="914400"/>
+          </a:xfrm>
+          <a:prstGeom prst="rect">
+            <a:avLst/>
+          </a:prstGeom>
+        </p:spPr>
+      </p:pic>
+      <p:pic>
+        <p:nvPicPr>
+          <p:cNvPr id="8" name="グラフィックス 7" descr="泣き顔 (塗りつぶし) 単色塗りつぶし">
+            <a:extLst>
+              <a:ext uri="{FF2B5EF4-FFF2-40B4-BE49-F238E27FC236}">
+                <a16:creationId xmlns:a16="http://schemas.microsoft.com/office/drawing/2014/main" id="{4FB6310D-D347-473D-854F-456EBCD85EC0}"/>
+              </a:ext>
+            </a:extLst>
+          </p:cNvPr>
+          <p:cNvPicPr>
+            <a:picLocks noChangeAspect="1"/>
+          </p:cNvPicPr>
+          <p:nvPr/>
+        </p:nvPicPr>
+        <p:blipFill>
+          <a:blip r:embed="rId4">
+            <a:extLst>
+              <a:ext uri="{28A0092B-C50C-407E-A947-70E740481C1C}">
+                <a14:useLocalDpi xmlns:a14="http://schemas.microsoft.com/office/drawing/2010/main" val="0"/>
+              </a:ext>
+              <a:ext uri="{96DAC541-7B7A-43D3-8B79-37D633B846F1}">
+                <asvg:svgBlip xmlns:asvg="http://schemas.microsoft.com/office/drawing/2016/SVG/main" r:embed="rId5"/>
+              </a:ext>
+            </a:extLst>
+          </a:blip>
+          <a:stretch>
+            <a:fillRect/>
+          </a:stretch>
+        </p:blipFill>
+        <p:spPr>
+          <a:xfrm>
+            <a:off x="9575800" y="3429000"/>
+            <a:ext cx="914400" cy="914400"/>
+          </a:xfrm>
+          <a:prstGeom prst="rect">
+            <a:avLst/>
+          </a:prstGeom>
+        </p:spPr>
+      </p:pic>
+      <p:pic>
+        <p:nvPicPr>
+          <p:cNvPr id="9" name="グラフィックス 8" descr="泣き顔 (塗りつぶし) 単色塗りつぶし">
+            <a:extLst>
+              <a:ext uri="{FF2B5EF4-FFF2-40B4-BE49-F238E27FC236}">
+                <a16:creationId xmlns:a16="http://schemas.microsoft.com/office/drawing/2014/main" id="{2F589559-1A25-41C3-9F43-46D2916210E4}"/>
+              </a:ext>
+            </a:extLst>
+          </p:cNvPr>
+          <p:cNvPicPr>
+            <a:picLocks noChangeAspect="1"/>
+          </p:cNvPicPr>
+          <p:nvPr/>
+        </p:nvPicPr>
+        <p:blipFill>
+          <a:blip r:embed="rId4">
+            <a:extLst>
+              <a:ext uri="{28A0092B-C50C-407E-A947-70E740481C1C}">
+                <a14:useLocalDpi xmlns:a14="http://schemas.microsoft.com/office/drawing/2010/main" val="0"/>
+              </a:ext>
+              <a:ext uri="{96DAC541-7B7A-43D3-8B79-37D633B846F1}">
+                <asvg:svgBlip xmlns:asvg="http://schemas.microsoft.com/office/drawing/2016/SVG/main" r:embed="rId5"/>
+              </a:ext>
+            </a:extLst>
+          </a:blip>
+          <a:stretch>
+            <a:fillRect/>
+          </a:stretch>
+        </p:blipFill>
+        <p:spPr>
+          <a:xfrm>
+            <a:off x="7950200" y="4114800"/>
+            <a:ext cx="914400" cy="914400"/>
+          </a:xfrm>
+          <a:prstGeom prst="rect">
+            <a:avLst/>
+          </a:prstGeom>
+        </p:spPr>
+      </p:pic>
+      <p:pic>
+        <p:nvPicPr>
+          <p:cNvPr id="11" name="グラフィックス 10" descr="花火 単色塗りつぶし">
+            <a:extLst>
+              <a:ext uri="{FF2B5EF4-FFF2-40B4-BE49-F238E27FC236}">
+                <a16:creationId xmlns:a16="http://schemas.microsoft.com/office/drawing/2014/main" id="{659C6884-41B3-4E20-8C95-70CED4A97BE5}"/>
+              </a:ext>
+            </a:extLst>
+          </p:cNvPr>
+          <p:cNvPicPr>
+            <a:picLocks noChangeAspect="1"/>
+          </p:cNvPicPr>
+          <p:nvPr/>
+        </p:nvPicPr>
+        <p:blipFill>
+          <a:blip r:embed="rId6">
+            <a:extLst>
+              <a:ext uri="{28A0092B-C50C-407E-A947-70E740481C1C}">
+                <a14:useLocalDpi xmlns:a14="http://schemas.microsoft.com/office/drawing/2010/main" val="0"/>
+              </a:ext>
+              <a:ext uri="{96DAC541-7B7A-43D3-8B79-37D633B846F1}">
+                <asvg:svgBlip xmlns:asvg="http://schemas.microsoft.com/office/drawing/2016/SVG/main" r:embed="rId7"/>
+              </a:ext>
+            </a:extLst>
+          </a:blip>
+          <a:stretch>
+            <a:fillRect/>
+          </a:stretch>
+        </p:blipFill>
+        <p:spPr>
+          <a:xfrm>
+            <a:off x="10868343" y="4901084"/>
+            <a:ext cx="914400" cy="914400"/>
+          </a:xfrm>
+          <a:prstGeom prst="rect">
+            <a:avLst/>
+          </a:prstGeom>
+        </p:spPr>
+      </p:pic>
     </p:spTree>
     <p:extLst>
       <p:ext uri="{BB962C8B-B14F-4D97-AF65-F5344CB8AC3E}">
@@ -24222,7 +22309,7 @@
                 <a:latin typeface="Meiryo UI" panose="020B0604030504040204" pitchFamily="50" charset="-128"/>
                 <a:ea typeface="Meiryo UI" panose="020B0604030504040204" pitchFamily="50" charset="-128"/>
               </a:rPr>
-              <a:t>応用まで完了👍</a:t>
+              <a:t>応用まで完了</a:t>
             </a:r>
             <a:endParaRPr kumimoji="1" lang="en-US" altLang="ja-JP" sz="5400" dirty="0">
               <a:latin typeface="Meiryo UI" panose="020B0604030504040204" pitchFamily="50" charset="-128"/>
@@ -24231,6 +22318,45 @@
           </a:p>
         </p:txBody>
       </p:sp>
+      <p:pic>
+        <p:nvPicPr>
+          <p:cNvPr id="6" name="グラフィックス 5" descr="親指を立てるしぐさ 単色塗りつぶし">
+            <a:extLst>
+              <a:ext uri="{FF2B5EF4-FFF2-40B4-BE49-F238E27FC236}">
+                <a16:creationId xmlns:a16="http://schemas.microsoft.com/office/drawing/2014/main" id="{BCD30CDD-27B4-4B14-AE6C-29CE6F5B2AD5}"/>
+              </a:ext>
+            </a:extLst>
+          </p:cNvPr>
+          <p:cNvPicPr>
+            <a:picLocks noChangeAspect="1"/>
+          </p:cNvPicPr>
+          <p:nvPr/>
+        </p:nvPicPr>
+        <p:blipFill>
+          <a:blip r:embed="rId2">
+            <a:extLst>
+              <a:ext uri="{28A0092B-C50C-407E-A947-70E740481C1C}">
+                <a14:useLocalDpi xmlns:a14="http://schemas.microsoft.com/office/drawing/2010/main" val="0"/>
+              </a:ext>
+              <a:ext uri="{96DAC541-7B7A-43D3-8B79-37D633B846F1}">
+                <asvg:svgBlip xmlns:asvg="http://schemas.microsoft.com/office/drawing/2016/SVG/main" r:embed="rId3"/>
+              </a:ext>
+            </a:extLst>
+          </a:blip>
+          <a:stretch>
+            <a:fillRect/>
+          </a:stretch>
+        </p:blipFill>
+        <p:spPr>
+          <a:xfrm>
+            <a:off x="4934113" y="5130517"/>
+            <a:ext cx="914400" cy="914400"/>
+          </a:xfrm>
+          <a:prstGeom prst="rect">
+            <a:avLst/>
+          </a:prstGeom>
+        </p:spPr>
+      </p:pic>
     </p:spTree>
     <p:extLst>
       <p:ext uri="{BB962C8B-B14F-4D97-AF65-F5344CB8AC3E}">
@@ -24504,16 +22630,6 @@
               </a:rPr>
               <a:t>の要素を触るのは大変</a:t>
             </a:r>
-            <a:r>
-              <a:rPr lang="ja-JP" altLang="en-US" sz="5400" b="0" i="0" dirty="0">
-                <a:solidFill>
-                  <a:srgbClr val="202320"/>
-                </a:solidFill>
-                <a:effectLst/>
-                <a:latin typeface="Arial" panose="020B0604020202020204" pitchFamily="34" charset="0"/>
-              </a:rPr>
-              <a:t>😢</a:t>
-            </a:r>
             <a:br>
               <a:rPr kumimoji="1" lang="en-US" altLang="ja-JP" sz="5400" dirty="0">
                 <a:latin typeface="Meiryo UI" panose="020B0604030504040204" pitchFamily="50" charset="-128"/>
@@ -24548,6 +22664,45 @@
           </a:p>
         </p:txBody>
       </p:sp>
+      <p:pic>
+        <p:nvPicPr>
+          <p:cNvPr id="7" name="グラフィックス 6" descr="泣き顔 (塗りつぶし) 単色塗りつぶし">
+            <a:extLst>
+              <a:ext uri="{FF2B5EF4-FFF2-40B4-BE49-F238E27FC236}">
+                <a16:creationId xmlns:a16="http://schemas.microsoft.com/office/drawing/2014/main" id="{82243598-2661-43F9-9D8A-8B6B395EA596}"/>
+              </a:ext>
+            </a:extLst>
+          </p:cNvPr>
+          <p:cNvPicPr>
+            <a:picLocks noChangeAspect="1"/>
+          </p:cNvPicPr>
+          <p:nvPr/>
+        </p:nvPicPr>
+        <p:blipFill>
+          <a:blip r:embed="rId7">
+            <a:extLst>
+              <a:ext uri="{28A0092B-C50C-407E-A947-70E740481C1C}">
+                <a14:useLocalDpi xmlns:a14="http://schemas.microsoft.com/office/drawing/2010/main" val="0"/>
+              </a:ext>
+              <a:ext uri="{96DAC541-7B7A-43D3-8B79-37D633B846F1}">
+                <asvg:svgBlip xmlns:asvg="http://schemas.microsoft.com/office/drawing/2016/SVG/main" r:embed="rId8"/>
+              </a:ext>
+            </a:extLst>
+          </a:blip>
+          <a:stretch>
+            <a:fillRect/>
+          </a:stretch>
+        </p:blipFill>
+        <p:spPr>
+          <a:xfrm>
+            <a:off x="9144000" y="4261020"/>
+            <a:ext cx="914400" cy="914400"/>
+          </a:xfrm>
+          <a:prstGeom prst="rect">
+            <a:avLst/>
+          </a:prstGeom>
+        </p:spPr>
+      </p:pic>
     </p:spTree>
     <p:extLst>
       <p:ext uri="{BB962C8B-B14F-4D97-AF65-F5344CB8AC3E}">
@@ -24608,28 +22763,6 @@
           </a:p>
         </p:txBody>
       </p:sp>
-      <p:graphicFrame>
-        <p:nvGraphicFramePr>
-          <p:cNvPr id="6" name="図表 5">
-            <a:extLst>
-              <a:ext uri="{FF2B5EF4-FFF2-40B4-BE49-F238E27FC236}">
-                <a16:creationId xmlns:a16="http://schemas.microsoft.com/office/drawing/2014/main" id="{F8924238-E7C6-321D-3E07-F0A7194597EF}"/>
-              </a:ext>
-            </a:extLst>
-          </p:cNvPr>
-          <p:cNvGraphicFramePr/>
-          <p:nvPr/>
-        </p:nvGraphicFramePr>
-        <p:xfrm>
-          <a:off x="2032000" y="1551687"/>
-          <a:ext cx="8128000" cy="5418667"/>
-        </p:xfrm>
-        <a:graphic>
-          <a:graphicData uri="http://schemas.openxmlformats.org/drawingml/2006/diagram">
-            <dgm:relIds xmlns:dgm="http://schemas.openxmlformats.org/drawingml/2006/diagram" xmlns:r="http://schemas.openxmlformats.org/officeDocument/2006/relationships" r:dm="rId2" r:lo="rId3" r:qs="rId4" r:cs="rId5"/>
-          </a:graphicData>
-        </a:graphic>
-      </p:graphicFrame>
       <p:sp>
         <p:nvSpPr>
           <p:cNvPr id="7" name="テキスト ボックス 6">
@@ -24645,7 +22778,7 @@
         <p:spPr>
           <a:xfrm>
             <a:off x="297005" y="331263"/>
-            <a:ext cx="12284528" cy="1015663"/>
+            <a:ext cx="12064328" cy="1015663"/>
           </a:xfrm>
           <a:prstGeom prst="rect">
             <a:avLst/>
@@ -24751,20 +22884,49 @@
               <a:rPr kumimoji="1" lang="ja-JP" altLang="en-US" sz="5400" dirty="0"/>
               <a:t>よい刺激になった</a:t>
             </a:r>
-            <a:r>
-              <a:rPr lang="ja-JP" altLang="en-US" sz="5400" b="0" i="0" dirty="0">
-                <a:solidFill>
-                  <a:srgbClr val="202320"/>
-                </a:solidFill>
-                <a:effectLst/>
-                <a:latin typeface="Arial" panose="020B0604020202020204" pitchFamily="34" charset="0"/>
-              </a:rPr>
-              <a:t>😊</a:t>
-            </a:r>
             <a:endParaRPr kumimoji="1" lang="en-US" altLang="ja-JP" sz="5400" dirty="0"/>
           </a:p>
         </p:txBody>
       </p:sp>
+      <p:pic>
+        <p:nvPicPr>
+          <p:cNvPr id="3" name="グラフィックス 2" descr="天使の顔 (塗りつぶし) 単色塗りつぶし">
+            <a:extLst>
+              <a:ext uri="{FF2B5EF4-FFF2-40B4-BE49-F238E27FC236}">
+                <a16:creationId xmlns:a16="http://schemas.microsoft.com/office/drawing/2014/main" id="{CC513780-B4C1-4237-9CA5-F3F283A6F31E}"/>
+              </a:ext>
+            </a:extLst>
+          </p:cNvPr>
+          <p:cNvPicPr>
+            <a:picLocks noChangeAspect="1"/>
+          </p:cNvPicPr>
+          <p:nvPr/>
+        </p:nvPicPr>
+        <p:blipFill>
+          <a:blip r:embed="rId2">
+            <a:extLst>
+              <a:ext uri="{28A0092B-C50C-407E-A947-70E740481C1C}">
+                <a14:useLocalDpi xmlns:a14="http://schemas.microsoft.com/office/drawing/2010/main" val="0"/>
+              </a:ext>
+              <a:ext uri="{96DAC541-7B7A-43D3-8B79-37D633B846F1}">
+                <asvg:svgBlip xmlns:asvg="http://schemas.microsoft.com/office/drawing/2016/SVG/main" r:embed="rId3"/>
+              </a:ext>
+            </a:extLst>
+          </a:blip>
+          <a:stretch>
+            <a:fillRect/>
+          </a:stretch>
+        </p:blipFill>
+        <p:spPr>
+          <a:xfrm>
+            <a:off x="6620933" y="4237907"/>
+            <a:ext cx="914400" cy="914400"/>
+          </a:xfrm>
+          <a:prstGeom prst="rect">
+            <a:avLst/>
+          </a:prstGeom>
+        </p:spPr>
+      </p:pic>
     </p:spTree>
     <p:extLst>
       <p:ext uri="{BB962C8B-B14F-4D97-AF65-F5344CB8AC3E}">
@@ -25047,19 +23209,27 @@
           <a:prstGeom prst="roundRect">
             <a:avLst/>
           </a:prstGeom>
+          <a:solidFill>
+            <a:schemeClr val="accent1">
+              <a:alpha val="50000"/>
+            </a:schemeClr>
+          </a:solidFill>
+          <a:ln>
+            <a:noFill/>
+          </a:ln>
         </p:spPr>
         <p:style>
-          <a:lnRef idx="1">
-            <a:schemeClr val="accent1"/>
+          <a:lnRef idx="0">
+            <a:scrgbClr r="0" g="0" b="0"/>
           </a:lnRef>
-          <a:fillRef idx="2">
-            <a:schemeClr val="accent1"/>
+          <a:fillRef idx="0">
+            <a:scrgbClr r="0" g="0" b="0"/>
           </a:fillRef>
-          <a:effectRef idx="1">
-            <a:schemeClr val="accent1"/>
+          <a:effectRef idx="0">
+            <a:scrgbClr r="0" g="0" b="0"/>
           </a:effectRef>
           <a:fontRef idx="minor">
-            <a:schemeClr val="dk1"/>
+            <a:schemeClr val="lt1"/>
           </a:fontRef>
         </p:style>
         <p:txBody>
@@ -25097,19 +23267,27 @@
           <a:prstGeom prst="roundRect">
             <a:avLst/>
           </a:prstGeom>
+          <a:solidFill>
+            <a:schemeClr val="accent1">
+              <a:alpha val="50000"/>
+            </a:schemeClr>
+          </a:solidFill>
+          <a:ln>
+            <a:noFill/>
+          </a:ln>
         </p:spPr>
         <p:style>
-          <a:lnRef idx="1">
-            <a:schemeClr val="accent1"/>
+          <a:lnRef idx="0">
+            <a:scrgbClr r="0" g="0" b="0"/>
           </a:lnRef>
-          <a:fillRef idx="2">
-            <a:schemeClr val="accent1"/>
+          <a:fillRef idx="0">
+            <a:scrgbClr r="0" g="0" b="0"/>
           </a:fillRef>
-          <a:effectRef idx="1">
-            <a:schemeClr val="accent1"/>
+          <a:effectRef idx="0">
+            <a:scrgbClr r="0" g="0" b="0"/>
           </a:effectRef>
           <a:fontRef idx="minor">
-            <a:schemeClr val="dk1"/>
+            <a:schemeClr val="lt1"/>
           </a:fontRef>
         </p:style>
         <p:txBody>
@@ -25147,19 +23325,27 @@
           <a:prstGeom prst="roundRect">
             <a:avLst/>
           </a:prstGeom>
+          <a:solidFill>
+            <a:schemeClr val="accent1">
+              <a:alpha val="50000"/>
+            </a:schemeClr>
+          </a:solidFill>
+          <a:ln>
+            <a:noFill/>
+          </a:ln>
         </p:spPr>
         <p:style>
-          <a:lnRef idx="1">
-            <a:schemeClr val="accent1"/>
+          <a:lnRef idx="0">
+            <a:scrgbClr r="0" g="0" b="0"/>
           </a:lnRef>
-          <a:fillRef idx="2">
-            <a:schemeClr val="accent1"/>
+          <a:fillRef idx="0">
+            <a:scrgbClr r="0" g="0" b="0"/>
           </a:fillRef>
-          <a:effectRef idx="1">
-            <a:schemeClr val="accent1"/>
+          <a:effectRef idx="0">
+            <a:scrgbClr r="0" g="0" b="0"/>
           </a:effectRef>
           <a:fontRef idx="minor">
-            <a:schemeClr val="dk1"/>
+            <a:schemeClr val="lt1"/>
           </a:fontRef>
         </p:style>
         <p:txBody>
@@ -25331,186 +23517,6 @@
       </p:graphicFrame>
       <p:sp>
         <p:nvSpPr>
-          <p:cNvPr id="2" name="四角形: 角を丸くする 1">
-            <a:extLst>
-              <a:ext uri="{FF2B5EF4-FFF2-40B4-BE49-F238E27FC236}">
-                <a16:creationId xmlns:a16="http://schemas.microsoft.com/office/drawing/2014/main" id="{E3CB7DD6-9C49-4EFF-A896-E8B62C5B688A}"/>
-              </a:ext>
-            </a:extLst>
-          </p:cNvPr>
-          <p:cNvSpPr/>
-          <p:nvPr/>
-        </p:nvSpPr>
-        <p:spPr>
-          <a:xfrm>
-            <a:off x="3888059" y="2029522"/>
-            <a:ext cx="3650165" cy="832625"/>
-          </a:xfrm>
-          <a:prstGeom prst="roundRect">
-            <a:avLst/>
-          </a:prstGeom>
-        </p:spPr>
-        <p:style>
-          <a:lnRef idx="1">
-            <a:schemeClr val="accent1"/>
-          </a:lnRef>
-          <a:fillRef idx="2">
-            <a:schemeClr val="accent1"/>
-          </a:fillRef>
-          <a:effectRef idx="1">
-            <a:schemeClr val="accent1"/>
-          </a:effectRef>
-          <a:fontRef idx="minor">
-            <a:schemeClr val="dk1"/>
-          </a:fontRef>
-        </p:style>
-        <p:txBody>
-          <a:bodyPr rtlCol="0" anchor="ctr"/>
-          <a:lstStyle/>
-          <a:p>
-            <a:pPr algn="ctr"/>
-            <a:r>
-              <a:rPr kumimoji="1" lang="ja-JP" altLang="en-US" sz="4400" dirty="0">
-                <a:latin typeface="Meiryo UI" panose="020B0604030504040204" pitchFamily="50" charset="-128"/>
-                <a:ea typeface="Meiryo UI" panose="020B0604030504040204" pitchFamily="50" charset="-128"/>
-              </a:rPr>
-              <a:t>計算</a:t>
-            </a:r>
-          </a:p>
-        </p:txBody>
-      </p:sp>
-      <p:sp>
-        <p:nvSpPr>
-          <p:cNvPr id="9" name="四角形: 角を丸くする 8">
-            <a:extLst>
-              <a:ext uri="{FF2B5EF4-FFF2-40B4-BE49-F238E27FC236}">
-                <a16:creationId xmlns:a16="http://schemas.microsoft.com/office/drawing/2014/main" id="{ABF3AD33-E562-44E1-9BF1-A4D936E43FB4}"/>
-              </a:ext>
-            </a:extLst>
-          </p:cNvPr>
-          <p:cNvSpPr/>
-          <p:nvPr/>
-        </p:nvSpPr>
-        <p:spPr>
-          <a:xfrm>
-            <a:off x="1955180" y="5306313"/>
-            <a:ext cx="3650166" cy="832625"/>
-          </a:xfrm>
-          <a:prstGeom prst="roundRect">
-            <a:avLst/>
-          </a:prstGeom>
-        </p:spPr>
-        <p:style>
-          <a:lnRef idx="1">
-            <a:schemeClr val="accent1"/>
-          </a:lnRef>
-          <a:fillRef idx="2">
-            <a:schemeClr val="accent1"/>
-          </a:fillRef>
-          <a:effectRef idx="1">
-            <a:schemeClr val="accent1"/>
-          </a:effectRef>
-          <a:fontRef idx="minor">
-            <a:schemeClr val="dk1"/>
-          </a:fontRef>
-        </p:style>
-        <p:txBody>
-          <a:bodyPr rtlCol="0" anchor="ctr"/>
-          <a:lstStyle/>
-          <a:p>
-            <a:pPr algn="ctr"/>
-            <a:r>
-              <a:rPr kumimoji="1" lang="ja-JP" altLang="en-US" sz="4400" dirty="0">
-                <a:latin typeface="Meiryo UI" panose="020B0604030504040204" pitchFamily="50" charset="-128"/>
-                <a:ea typeface="Meiryo UI" panose="020B0604030504040204" pitchFamily="50" charset="-128"/>
-              </a:rPr>
-              <a:t>要素、ｽﾀｲﾙ</a:t>
-            </a:r>
-          </a:p>
-        </p:txBody>
-      </p:sp>
-      <p:sp>
-        <p:nvSpPr>
-          <p:cNvPr id="10" name="四角形: 角を丸くする 9">
-            <a:extLst>
-              <a:ext uri="{FF2B5EF4-FFF2-40B4-BE49-F238E27FC236}">
-                <a16:creationId xmlns:a16="http://schemas.microsoft.com/office/drawing/2014/main" id="{1D8B2023-F875-43DA-91E1-FBCA1713F033}"/>
-              </a:ext>
-            </a:extLst>
-          </p:cNvPr>
-          <p:cNvSpPr/>
-          <p:nvPr/>
-        </p:nvSpPr>
-        <p:spPr>
-          <a:xfrm>
-            <a:off x="6012394" y="5323172"/>
-            <a:ext cx="3775247" cy="832625"/>
-          </a:xfrm>
-          <a:prstGeom prst="roundRect">
-            <a:avLst/>
-          </a:prstGeom>
-        </p:spPr>
-        <p:style>
-          <a:lnRef idx="1">
-            <a:schemeClr val="accent1"/>
-          </a:lnRef>
-          <a:fillRef idx="2">
-            <a:schemeClr val="accent1"/>
-          </a:fillRef>
-          <a:effectRef idx="1">
-            <a:schemeClr val="accent1"/>
-          </a:effectRef>
-          <a:fontRef idx="minor">
-            <a:schemeClr val="dk1"/>
-          </a:fontRef>
-        </p:style>
-        <p:txBody>
-          <a:bodyPr rtlCol="0" anchor="ctr"/>
-          <a:lstStyle/>
-          <a:p>
-            <a:pPr algn="ctr"/>
-            <a:r>
-              <a:rPr kumimoji="1" lang="ja-JP" altLang="en-US" sz="4400" dirty="0">
-                <a:latin typeface="Meiryo UI" panose="020B0604030504040204" pitchFamily="50" charset="-128"/>
-                <a:ea typeface="Meiryo UI" panose="020B0604030504040204" pitchFamily="50" charset="-128"/>
-              </a:rPr>
-              <a:t>楽しむ</a:t>
-            </a:r>
-          </a:p>
-        </p:txBody>
-      </p:sp>
-      <p:pic>
-        <p:nvPicPr>
-          <p:cNvPr id="13" name="図 12">
-            <a:extLst>
-              <a:ext uri="{FF2B5EF4-FFF2-40B4-BE49-F238E27FC236}">
-                <a16:creationId xmlns:a16="http://schemas.microsoft.com/office/drawing/2014/main" id="{65DCD545-74ED-4ED0-BB6A-A7ADDC868F90}"/>
-              </a:ext>
-            </a:extLst>
-          </p:cNvPr>
-          <p:cNvPicPr>
-            <a:picLocks noChangeAspect="1"/>
-          </p:cNvPicPr>
-          <p:nvPr/>
-        </p:nvPicPr>
-        <p:blipFill>
-          <a:blip r:embed="rId12"/>
-          <a:stretch>
-            <a:fillRect/>
-          </a:stretch>
-        </p:blipFill>
-        <p:spPr>
-          <a:xfrm>
-            <a:off x="2415584" y="2283486"/>
-            <a:ext cx="7116800" cy="3584629"/>
-          </a:xfrm>
-          <a:prstGeom prst="rect">
-            <a:avLst/>
-          </a:prstGeom>
-        </p:spPr>
-      </p:pic>
-      <p:sp>
-        <p:nvSpPr>
           <p:cNvPr id="11" name="テキスト ボックス 10">
             <a:extLst>
               <a:ext uri="{FF2B5EF4-FFF2-40B4-BE49-F238E27FC236}">
@@ -25548,6 +23554,236 @@
               <a:latin typeface="Meiryo UI" panose="020B0604030504040204" pitchFamily="50" charset="-128"/>
               <a:ea typeface="Meiryo UI" panose="020B0604030504040204" pitchFamily="50" charset="-128"/>
             </a:endParaRPr>
+          </a:p>
+        </p:txBody>
+      </p:sp>
+      <p:sp>
+        <p:nvSpPr>
+          <p:cNvPr id="12" name="四角形: 角を丸くする 11">
+            <a:extLst>
+              <a:ext uri="{FF2B5EF4-FFF2-40B4-BE49-F238E27FC236}">
+                <a16:creationId xmlns:a16="http://schemas.microsoft.com/office/drawing/2014/main" id="{29EFB10F-1DF6-41BA-917F-C61D40AB3FCF}"/>
+              </a:ext>
+            </a:extLst>
+          </p:cNvPr>
+          <p:cNvSpPr/>
+          <p:nvPr/>
+        </p:nvSpPr>
+        <p:spPr>
+          <a:xfrm>
+            <a:off x="3888059" y="2029522"/>
+            <a:ext cx="3650165" cy="832625"/>
+          </a:xfrm>
+          <a:prstGeom prst="roundRect">
+            <a:avLst/>
+          </a:prstGeom>
+          <a:solidFill>
+            <a:schemeClr val="accent1">
+              <a:alpha val="50000"/>
+            </a:schemeClr>
+          </a:solidFill>
+          <a:ln>
+            <a:noFill/>
+          </a:ln>
+        </p:spPr>
+        <p:style>
+          <a:lnRef idx="0">
+            <a:scrgbClr r="0" g="0" b="0"/>
+          </a:lnRef>
+          <a:fillRef idx="0">
+            <a:scrgbClr r="0" g="0" b="0"/>
+          </a:fillRef>
+          <a:effectRef idx="0">
+            <a:scrgbClr r="0" g="0" b="0"/>
+          </a:effectRef>
+          <a:fontRef idx="minor">
+            <a:schemeClr val="lt1"/>
+          </a:fontRef>
+        </p:style>
+        <p:txBody>
+          <a:bodyPr rtlCol="0" anchor="ctr"/>
+          <a:lstStyle/>
+          <a:p>
+            <a:pPr algn="ctr"/>
+            <a:r>
+              <a:rPr kumimoji="1" lang="ja-JP" altLang="en-US" sz="5400" dirty="0">
+                <a:latin typeface="Meiryo UI" panose="020B0604030504040204" pitchFamily="50" charset="-128"/>
+                <a:ea typeface="Meiryo UI" panose="020B0604030504040204" pitchFamily="50" charset="-128"/>
+              </a:rPr>
+              <a:t>計算</a:t>
+            </a:r>
+          </a:p>
+        </p:txBody>
+      </p:sp>
+      <p:sp>
+        <p:nvSpPr>
+          <p:cNvPr id="13" name="四角形: 角を丸くする 12">
+            <a:extLst>
+              <a:ext uri="{FF2B5EF4-FFF2-40B4-BE49-F238E27FC236}">
+                <a16:creationId xmlns:a16="http://schemas.microsoft.com/office/drawing/2014/main" id="{45331E01-C14E-4F11-9B17-6CA2CC0BD1B2}"/>
+              </a:ext>
+            </a:extLst>
+          </p:cNvPr>
+          <p:cNvSpPr/>
+          <p:nvPr/>
+        </p:nvSpPr>
+        <p:spPr>
+          <a:xfrm>
+            <a:off x="1955180" y="5306313"/>
+            <a:ext cx="3650166" cy="832625"/>
+          </a:xfrm>
+          <a:prstGeom prst="roundRect">
+            <a:avLst/>
+          </a:prstGeom>
+          <a:solidFill>
+            <a:schemeClr val="accent1">
+              <a:alpha val="50000"/>
+            </a:schemeClr>
+          </a:solidFill>
+          <a:ln>
+            <a:noFill/>
+          </a:ln>
+        </p:spPr>
+        <p:style>
+          <a:lnRef idx="0">
+            <a:scrgbClr r="0" g="0" b="0"/>
+          </a:lnRef>
+          <a:fillRef idx="0">
+            <a:scrgbClr r="0" g="0" b="0"/>
+          </a:fillRef>
+          <a:effectRef idx="0">
+            <a:scrgbClr r="0" g="0" b="0"/>
+          </a:effectRef>
+          <a:fontRef idx="minor">
+            <a:schemeClr val="lt1"/>
+          </a:fontRef>
+        </p:style>
+        <p:txBody>
+          <a:bodyPr rtlCol="0" anchor="ctr"/>
+          <a:lstStyle/>
+          <a:p>
+            <a:pPr algn="ctr"/>
+            <a:r>
+              <a:rPr kumimoji="1" lang="ja-JP" altLang="en-US" sz="5400" dirty="0">
+                <a:latin typeface="Meiryo UI" panose="020B0604030504040204" pitchFamily="50" charset="-128"/>
+                <a:ea typeface="Meiryo UI" panose="020B0604030504040204" pitchFamily="50" charset="-128"/>
+              </a:rPr>
+              <a:t>要素、ｽﾀｲﾙ</a:t>
+            </a:r>
+          </a:p>
+        </p:txBody>
+      </p:sp>
+      <p:sp>
+        <p:nvSpPr>
+          <p:cNvPr id="14" name="四角形: 角を丸くする 13">
+            <a:extLst>
+              <a:ext uri="{FF2B5EF4-FFF2-40B4-BE49-F238E27FC236}">
+                <a16:creationId xmlns:a16="http://schemas.microsoft.com/office/drawing/2014/main" id="{B8ABBD38-18EA-4CEE-AF1B-D5B277442095}"/>
+              </a:ext>
+            </a:extLst>
+          </p:cNvPr>
+          <p:cNvSpPr/>
+          <p:nvPr/>
+        </p:nvSpPr>
+        <p:spPr>
+          <a:xfrm>
+            <a:off x="6012394" y="5323172"/>
+            <a:ext cx="3775247" cy="832625"/>
+          </a:xfrm>
+          <a:prstGeom prst="roundRect">
+            <a:avLst/>
+          </a:prstGeom>
+          <a:solidFill>
+            <a:schemeClr val="accent1">
+              <a:alpha val="50000"/>
+            </a:schemeClr>
+          </a:solidFill>
+          <a:ln>
+            <a:noFill/>
+          </a:ln>
+        </p:spPr>
+        <p:style>
+          <a:lnRef idx="0">
+            <a:scrgbClr r="0" g="0" b="0"/>
+          </a:lnRef>
+          <a:fillRef idx="0">
+            <a:scrgbClr r="0" g="0" b="0"/>
+          </a:fillRef>
+          <a:effectRef idx="0">
+            <a:scrgbClr r="0" g="0" b="0"/>
+          </a:effectRef>
+          <a:fontRef idx="minor">
+            <a:schemeClr val="lt1"/>
+          </a:fontRef>
+        </p:style>
+        <p:txBody>
+          <a:bodyPr rtlCol="0" anchor="ctr"/>
+          <a:lstStyle/>
+          <a:p>
+            <a:pPr algn="ctr"/>
+            <a:r>
+              <a:rPr kumimoji="1" lang="ja-JP" altLang="en-US" sz="5400" dirty="0">
+                <a:latin typeface="Meiryo UI" panose="020B0604030504040204" pitchFamily="50" charset="-128"/>
+                <a:ea typeface="Meiryo UI" panose="020B0604030504040204" pitchFamily="50" charset="-128"/>
+              </a:rPr>
+              <a:t>楽しむ</a:t>
+            </a:r>
+          </a:p>
+        </p:txBody>
+      </p:sp>
+      <p:sp>
+        <p:nvSpPr>
+          <p:cNvPr id="3" name="正方形/長方形 2">
+            <a:extLst>
+              <a:ext uri="{FF2B5EF4-FFF2-40B4-BE49-F238E27FC236}">
+                <a16:creationId xmlns:a16="http://schemas.microsoft.com/office/drawing/2014/main" id="{3E104236-FE27-4CBB-904D-475D7617017A}"/>
+              </a:ext>
+            </a:extLst>
+          </p:cNvPr>
+          <p:cNvSpPr/>
+          <p:nvPr/>
+        </p:nvSpPr>
+        <p:spPr>
+          <a:xfrm>
+            <a:off x="2139085" y="2387341"/>
+            <a:ext cx="7381702" cy="3217025"/>
+          </a:xfrm>
+          <a:prstGeom prst="rect">
+            <a:avLst/>
+          </a:prstGeom>
+          <a:ln/>
+        </p:spPr>
+        <p:style>
+          <a:lnRef idx="1">
+            <a:schemeClr val="accent3"/>
+          </a:lnRef>
+          <a:fillRef idx="3">
+            <a:schemeClr val="accent3"/>
+          </a:fillRef>
+          <a:effectRef idx="2">
+            <a:schemeClr val="accent3"/>
+          </a:effectRef>
+          <a:fontRef idx="minor">
+            <a:schemeClr val="lt1"/>
+          </a:fontRef>
+        </p:style>
+        <p:txBody>
+          <a:bodyPr rtlCol="0" anchor="ctr"/>
+          <a:lstStyle/>
+          <a:p>
+            <a:pPr algn="ctr"/>
+            <a:r>
+              <a:rPr kumimoji="1" lang="ja-JP" altLang="en-US" sz="5400" dirty="0"/>
+              <a:t>ｷﾞﾘｷﾞﾘ電卓が作れそう</a:t>
+            </a:r>
+            <a:endParaRPr kumimoji="1" lang="en-US" altLang="ja-JP" sz="5400" dirty="0"/>
+          </a:p>
+          <a:p>
+            <a:pPr algn="ctr"/>
+            <a:r>
+              <a:rPr kumimoji="1" lang="ja-JP" altLang="en-US" sz="5400" dirty="0"/>
+              <a:t>⇒“ｷﾞﾘ電卓”に決定</a:t>
+            </a:r>
           </a:p>
         </p:txBody>
       </p:sp>
@@ -25644,7 +23880,7 @@
                 <a:latin typeface="Meiryo UI" panose="020B0604030504040204" pitchFamily="50" charset="-128"/>
                 <a:ea typeface="Meiryo UI" panose="020B0604030504040204" pitchFamily="50" charset="-128"/>
               </a:rPr>
-              <a:t>ﾌﾟﾛｼﾞｪｸﾄﾌﾟﾚｾﾞﾝﾃｰｼｮﾝでやること</a:t>
+              <a:t>ｷﾞﾘ電卓でやること</a:t>
             </a:r>
             <a:endParaRPr kumimoji="1" lang="en-US" altLang="ja-JP" sz="6000" u="sng" dirty="0">
               <a:latin typeface="Meiryo UI" panose="020B0604030504040204" pitchFamily="50" charset="-128"/>
@@ -25668,7 +23904,7 @@
         <p:spPr>
           <a:xfrm>
             <a:off x="395859" y="1797600"/>
-            <a:ext cx="11796141" cy="4247317"/>
+            <a:ext cx="11796141" cy="5909310"/>
           </a:xfrm>
           <a:prstGeom prst="rect">
             <a:avLst/>
@@ -25690,7 +23926,20 @@
                 <a:latin typeface="Meiryo UI" panose="020B0604030504040204" pitchFamily="50" charset="-128"/>
                 <a:ea typeface="Meiryo UI" panose="020B0604030504040204" pitchFamily="50" charset="-128"/>
               </a:rPr>
-              <a:t>電卓は早い時期で決定</a:t>
+              <a:t>通常の電卓はﾎﾞﾀﾝ数が多く実装が</a:t>
+            </a:r>
+            <a:br>
+              <a:rPr kumimoji="1" lang="en-US" altLang="ja-JP" sz="5400" dirty="0">
+                <a:latin typeface="Meiryo UI" panose="020B0604030504040204" pitchFamily="50" charset="-128"/>
+                <a:ea typeface="Meiryo UI" panose="020B0604030504040204" pitchFamily="50" charset="-128"/>
+              </a:rPr>
+            </a:br>
+            <a:r>
+              <a:rPr kumimoji="1" lang="ja-JP" altLang="en-US" sz="5400" dirty="0">
+                <a:latin typeface="Meiryo UI" panose="020B0604030504040204" pitchFamily="50" charset="-128"/>
+                <a:ea typeface="Meiryo UI" panose="020B0604030504040204" pitchFamily="50" charset="-128"/>
+              </a:rPr>
+              <a:t>大変そうなので機能・要素を絞る</a:t>
             </a:r>
             <a:endParaRPr kumimoji="1" lang="en-US" altLang="ja-JP" sz="5400" dirty="0">
               <a:latin typeface="Meiryo UI" panose="020B0604030504040204" pitchFamily="50" charset="-128"/>
@@ -25707,7 +23956,45 @@
                 <a:latin typeface="Meiryo UI" panose="020B0604030504040204" pitchFamily="50" charset="-128"/>
                 <a:ea typeface="Meiryo UI" panose="020B0604030504040204" pitchFamily="50" charset="-128"/>
               </a:rPr>
-              <a:t>通常の電卓だとﾎﾞﾀﾝ数が多く、</a:t>
+              <a:t>絞った機能の品質は高い</a:t>
+            </a:r>
+            <a:r>
+              <a:rPr kumimoji="1" lang="en-US" altLang="ja-JP" sz="4800" dirty="0">
+                <a:latin typeface="Meiryo UI" panose="020B0604030504040204" pitchFamily="50" charset="-128"/>
+                <a:ea typeface="Meiryo UI" panose="020B0604030504040204" pitchFamily="50" charset="-128"/>
+              </a:rPr>
+              <a:t>(</a:t>
+            </a:r>
+            <a:r>
+              <a:rPr kumimoji="1" lang="ja-JP" altLang="en-US" sz="4800" dirty="0">
+                <a:latin typeface="Meiryo UI" panose="020B0604030504040204" pitchFamily="50" charset="-128"/>
+                <a:ea typeface="Meiryo UI" panose="020B0604030504040204" pitchFamily="50" charset="-128"/>
+              </a:rPr>
+              <a:t>はず</a:t>
+            </a:r>
+            <a:r>
+              <a:rPr kumimoji="1" lang="en-US" altLang="ja-JP" sz="4800" dirty="0">
+                <a:latin typeface="Meiryo UI" panose="020B0604030504040204" pitchFamily="50" charset="-128"/>
+                <a:ea typeface="Meiryo UI" panose="020B0604030504040204" pitchFamily="50" charset="-128"/>
+              </a:rPr>
+              <a:t>)</a:t>
+            </a:r>
+            <a:endParaRPr kumimoji="1" lang="en-US" altLang="ja-JP" sz="5400" dirty="0">
+              <a:latin typeface="Meiryo UI" panose="020B0604030504040204" pitchFamily="50" charset="-128"/>
+              <a:ea typeface="Meiryo UI" panose="020B0604030504040204" pitchFamily="50" charset="-128"/>
+            </a:endParaRPr>
+          </a:p>
+          <a:p>
+            <a:pPr marL="571500" indent="-571500">
+              <a:buFont typeface="Arial" panose="020B0604020202020204" pitchFamily="34" charset="0"/>
+              <a:buChar char="•"/>
+            </a:pPr>
+            <a:r>
+              <a:rPr kumimoji="1" lang="ja-JP" altLang="en-US" sz="5400" dirty="0">
+                <a:latin typeface="Meiryo UI" panose="020B0604030504040204" pitchFamily="50" charset="-128"/>
+                <a:ea typeface="Meiryo UI" panose="020B0604030504040204" pitchFamily="50" charset="-128"/>
+              </a:rPr>
+              <a:t>画面遷移、要素の変更などちょっと</a:t>
             </a:r>
             <a:br>
               <a:rPr kumimoji="1" lang="en-US" altLang="ja-JP" sz="5400" dirty="0">
@@ -25720,7 +24007,7 @@
                 <a:latin typeface="Meiryo UI" panose="020B0604030504040204" pitchFamily="50" charset="-128"/>
                 <a:ea typeface="Meiryo UI" panose="020B0604030504040204" pitchFamily="50" charset="-128"/>
               </a:rPr>
-              <a:t>実装がめんどくさそうなので機能を絞る</a:t>
+              <a:t>頑張ってみる</a:t>
             </a:r>
             <a:endParaRPr kumimoji="1" lang="en-US" altLang="ja-JP" sz="5400" dirty="0">
               <a:latin typeface="Meiryo UI" panose="020B0604030504040204" pitchFamily="50" charset="-128"/>
